--- a/JAX-_HPC_Ways_to_20X_speed-up_and_TPU_and_GPU_grid_deployment.pptx
+++ b/JAX-_HPC_Ways_to_20X_speed-up_and_TPU_and_GPU_grid_deployment.pptx
@@ -3,14 +3,16 @@
 <p:presentation xmlns:a="http://schemas.openxmlformats.org/drawingml/2006/main" xmlns:p="http://schemas.openxmlformats.org/presentationml/2006/main" xmlns:r="http://schemas.openxmlformats.org/officeDocument/2006/relationships" xmlns:p14="http://schemas.microsoft.com/office/powerpoint/2010/main" xmlns:p15="http://schemas.microsoft.com/office/powerpoint/2012/main" xmlns:mc="http://schemas.openxmlformats.org/markup-compatibility/2006">
   <p:sldMasterIdLst>
     <p:sldMasterId id="2147483648" r:id="rId2"/>
+    <p:sldMasterId id="2147483661" r:id="rId3"/>
+    <p:sldMasterId id="2147483674" r:id="rId4"/>
   </p:sldMasterIdLst>
   <p:sldIdLst>
-    <p:sldId id="256" r:id="rId3"/>
-    <p:sldId id="257" r:id="rId4"/>
-    <p:sldId id="258" r:id="rId5"/>
-    <p:sldId id="259" r:id="rId6"/>
-    <p:sldId id="260" r:id="rId7"/>
-    <p:sldId id="261" r:id="rId8"/>
+    <p:sldId id="256" r:id="rId5"/>
+    <p:sldId id="257" r:id="rId6"/>
+    <p:sldId id="258" r:id="rId7"/>
+    <p:sldId id="259" r:id="rId8"/>
+    <p:sldId id="260" r:id="rId9"/>
+    <p:sldId id="261" r:id="rId10"/>
   </p:sldIdLst>
   <p:sldSz cx="10080625" cy="5670550"/>
   <p:notesSz cx="7772400" cy="10058400"/>
@@ -58,7 +60,7 @@
       </p:grpSpPr>
       <p:sp>
         <p:nvSpPr>
-          <p:cNvPr id="23" name="PlaceHolder 1"/>
+          <p:cNvPr id="24" name="PlaceHolder 1"/>
           <p:cNvSpPr>
             <a:spLocks noGrp="1"/>
           </p:cNvSpPr>
@@ -69,7 +71,7 @@
         <p:spPr>
           <a:xfrm>
             <a:off x="504000" y="226080"/>
-            <a:ext cx="9071280" cy="946080"/>
+            <a:ext cx="9070920" cy="945720"/>
           </a:xfrm>
           <a:prstGeom prst="rect">
             <a:avLst/>
@@ -89,7 +91,7 @@
       </p:sp>
       <p:sp>
         <p:nvSpPr>
-          <p:cNvPr id="24" name="PlaceHolder 2"/>
+          <p:cNvPr id="25" name="PlaceHolder 2"/>
           <p:cNvSpPr>
             <a:spLocks noGrp="1"/>
           </p:cNvSpPr>
@@ -100,7 +102,7 @@
         <p:spPr>
           <a:xfrm>
             <a:off x="504000" y="1326600"/>
-            <a:ext cx="9072000" cy="1568520"/>
+            <a:ext cx="4426560" cy="1568160"/>
           </a:xfrm>
           <a:prstGeom prst="rect">
             <a:avLst/>
@@ -119,7 +121,7 @@
       </p:sp>
       <p:sp>
         <p:nvSpPr>
-          <p:cNvPr id="25" name="PlaceHolder 3"/>
+          <p:cNvPr id="26" name="PlaceHolder 3"/>
           <p:cNvSpPr>
             <a:spLocks noGrp="1"/>
           </p:cNvSpPr>
@@ -129,8 +131,8 @@
         </p:nvSpPr>
         <p:spPr>
           <a:xfrm>
-            <a:off x="504000" y="3044520"/>
-            <a:ext cx="9072000" cy="1568520"/>
+            <a:off x="504000" y="3044160"/>
+            <a:ext cx="4426560" cy="1568160"/>
           </a:xfrm>
           <a:prstGeom prst="rect">
             <a:avLst/>
@@ -171,7 +173,7 @@
       </p:grpSpPr>
       <p:sp>
         <p:nvSpPr>
-          <p:cNvPr id="26" name="PlaceHolder 1"/>
+          <p:cNvPr id="27" name="PlaceHolder 1"/>
           <p:cNvSpPr>
             <a:spLocks noGrp="1"/>
           </p:cNvSpPr>
@@ -182,7 +184,7 @@
         <p:spPr>
           <a:xfrm>
             <a:off x="504000" y="226080"/>
-            <a:ext cx="9071280" cy="946080"/>
+            <a:ext cx="9070920" cy="945720"/>
           </a:xfrm>
           <a:prstGeom prst="rect">
             <a:avLst/>
@@ -202,7 +204,7 @@
       </p:sp>
       <p:sp>
         <p:nvSpPr>
-          <p:cNvPr id="27" name="PlaceHolder 2"/>
+          <p:cNvPr id="28" name="PlaceHolder 2"/>
           <p:cNvSpPr>
             <a:spLocks noGrp="1"/>
           </p:cNvSpPr>
@@ -213,7 +215,7 @@
         <p:spPr>
           <a:xfrm>
             <a:off x="504000" y="1326600"/>
-            <a:ext cx="4426920" cy="1568520"/>
+            <a:ext cx="2160000" cy="1568160"/>
           </a:xfrm>
           <a:prstGeom prst="rect">
             <a:avLst/>
@@ -232,7 +234,7 @@
       </p:sp>
       <p:sp>
         <p:nvSpPr>
-          <p:cNvPr id="28" name="PlaceHolder 3"/>
+          <p:cNvPr id="29" name="PlaceHolder 3"/>
           <p:cNvSpPr>
             <a:spLocks noGrp="1"/>
           </p:cNvSpPr>
@@ -242,8 +244,8 @@
         </p:nvSpPr>
         <p:spPr>
           <a:xfrm>
-            <a:off x="5152680" y="1326600"/>
-            <a:ext cx="4426920" cy="1568520"/>
+            <a:off x="2772360" y="1326600"/>
+            <a:ext cx="2160000" cy="1568160"/>
           </a:xfrm>
           <a:prstGeom prst="rect">
             <a:avLst/>
@@ -262,7 +264,7 @@
       </p:sp>
       <p:sp>
         <p:nvSpPr>
-          <p:cNvPr id="29" name="PlaceHolder 4"/>
+          <p:cNvPr id="30" name="PlaceHolder 4"/>
           <p:cNvSpPr>
             <a:spLocks noGrp="1"/>
           </p:cNvSpPr>
@@ -272,8 +274,8 @@
         </p:nvSpPr>
         <p:spPr>
           <a:xfrm>
-            <a:off x="504000" y="3044520"/>
-            <a:ext cx="4426920" cy="1568520"/>
+            <a:off x="504000" y="3044160"/>
+            <a:ext cx="2160000" cy="1568160"/>
           </a:xfrm>
           <a:prstGeom prst="rect">
             <a:avLst/>
@@ -292,7 +294,7 @@
       </p:sp>
       <p:sp>
         <p:nvSpPr>
-          <p:cNvPr id="30" name="PlaceHolder 5"/>
+          <p:cNvPr id="31" name="PlaceHolder 5"/>
           <p:cNvSpPr>
             <a:spLocks noGrp="1"/>
           </p:cNvSpPr>
@@ -302,8 +304,8 @@
         </p:nvSpPr>
         <p:spPr>
           <a:xfrm>
-            <a:off x="5152680" y="3044520"/>
-            <a:ext cx="4426920" cy="1568520"/>
+            <a:off x="2772360" y="3044160"/>
+            <a:ext cx="2160000" cy="1568160"/>
           </a:xfrm>
           <a:prstGeom prst="rect">
             <a:avLst/>
@@ -344,7 +346,7 @@
       </p:grpSpPr>
       <p:sp>
         <p:nvSpPr>
-          <p:cNvPr id="31" name="PlaceHolder 1"/>
+          <p:cNvPr id="32" name="PlaceHolder 1"/>
           <p:cNvSpPr>
             <a:spLocks noGrp="1"/>
           </p:cNvSpPr>
@@ -355,7 +357,7 @@
         <p:spPr>
           <a:xfrm>
             <a:off x="504000" y="226080"/>
-            <a:ext cx="9071280" cy="946080"/>
+            <a:ext cx="9070920" cy="945720"/>
           </a:xfrm>
           <a:prstGeom prst="rect">
             <a:avLst/>
@@ -375,7 +377,7 @@
       </p:sp>
       <p:sp>
         <p:nvSpPr>
-          <p:cNvPr id="32" name="PlaceHolder 2"/>
+          <p:cNvPr id="33" name="PlaceHolder 2"/>
           <p:cNvSpPr>
             <a:spLocks noGrp="1"/>
           </p:cNvSpPr>
@@ -386,7 +388,346 @@
         <p:spPr>
           <a:xfrm>
             <a:off x="504000" y="1326600"/>
-            <a:ext cx="2921040" cy="1568520"/>
+            <a:ext cx="1425240" cy="1568160"/>
+          </a:xfrm>
+          <a:prstGeom prst="rect">
+            <a:avLst/>
+          </a:prstGeom>
+        </p:spPr>
+        <p:txBody>
+          <a:bodyPr lIns="0" rIns="0" tIns="0" bIns="0">
+            <a:normAutofit fontScale="80000"/>
+          </a:bodyPr>
+          <a:p>
+            <a:endParaRPr b="0" lang="en-US" sz="3200" spc="-1" strike="noStrike">
+              <a:latin typeface="Arial"/>
+            </a:endParaRPr>
+          </a:p>
+        </p:txBody>
+      </p:sp>
+      <p:sp>
+        <p:nvSpPr>
+          <p:cNvPr id="34" name="PlaceHolder 3"/>
+          <p:cNvSpPr>
+            <a:spLocks noGrp="1"/>
+          </p:cNvSpPr>
+          <p:nvPr>
+            <p:ph type="body"/>
+          </p:nvPr>
+        </p:nvSpPr>
+        <p:spPr>
+          <a:xfrm>
+            <a:off x="2000880" y="1326600"/>
+            <a:ext cx="1425240" cy="1568160"/>
+          </a:xfrm>
+          <a:prstGeom prst="rect">
+            <a:avLst/>
+          </a:prstGeom>
+        </p:spPr>
+        <p:txBody>
+          <a:bodyPr lIns="0" rIns="0" tIns="0" bIns="0">
+            <a:normAutofit fontScale="80000"/>
+          </a:bodyPr>
+          <a:p>
+            <a:endParaRPr b="0" lang="en-US" sz="3200" spc="-1" strike="noStrike">
+              <a:latin typeface="Arial"/>
+            </a:endParaRPr>
+          </a:p>
+        </p:txBody>
+      </p:sp>
+      <p:sp>
+        <p:nvSpPr>
+          <p:cNvPr id="35" name="PlaceHolder 4"/>
+          <p:cNvSpPr>
+            <a:spLocks noGrp="1"/>
+          </p:cNvSpPr>
+          <p:nvPr>
+            <p:ph type="body"/>
+          </p:nvPr>
+        </p:nvSpPr>
+        <p:spPr>
+          <a:xfrm>
+            <a:off x="3497760" y="1326600"/>
+            <a:ext cx="1425240" cy="1568160"/>
+          </a:xfrm>
+          <a:prstGeom prst="rect">
+            <a:avLst/>
+          </a:prstGeom>
+        </p:spPr>
+        <p:txBody>
+          <a:bodyPr lIns="0" rIns="0" tIns="0" bIns="0">
+            <a:normAutofit fontScale="80000"/>
+          </a:bodyPr>
+          <a:p>
+            <a:endParaRPr b="0" lang="en-US" sz="3200" spc="-1" strike="noStrike">
+              <a:latin typeface="Arial"/>
+            </a:endParaRPr>
+          </a:p>
+        </p:txBody>
+      </p:sp>
+      <p:sp>
+        <p:nvSpPr>
+          <p:cNvPr id="36" name="PlaceHolder 5"/>
+          <p:cNvSpPr>
+            <a:spLocks noGrp="1"/>
+          </p:cNvSpPr>
+          <p:nvPr>
+            <p:ph type="body"/>
+          </p:nvPr>
+        </p:nvSpPr>
+        <p:spPr>
+          <a:xfrm>
+            <a:off x="504000" y="3044160"/>
+            <a:ext cx="1425240" cy="1568160"/>
+          </a:xfrm>
+          <a:prstGeom prst="rect">
+            <a:avLst/>
+          </a:prstGeom>
+        </p:spPr>
+        <p:txBody>
+          <a:bodyPr lIns="0" rIns="0" tIns="0" bIns="0">
+            <a:normAutofit fontScale="80000"/>
+          </a:bodyPr>
+          <a:p>
+            <a:endParaRPr b="0" lang="en-US" sz="3200" spc="-1" strike="noStrike">
+              <a:latin typeface="Arial"/>
+            </a:endParaRPr>
+          </a:p>
+        </p:txBody>
+      </p:sp>
+      <p:sp>
+        <p:nvSpPr>
+          <p:cNvPr id="37" name="PlaceHolder 6"/>
+          <p:cNvSpPr>
+            <a:spLocks noGrp="1"/>
+          </p:cNvSpPr>
+          <p:nvPr>
+            <p:ph type="body"/>
+          </p:nvPr>
+        </p:nvSpPr>
+        <p:spPr>
+          <a:xfrm>
+            <a:off x="2000880" y="3044160"/>
+            <a:ext cx="1425240" cy="1568160"/>
+          </a:xfrm>
+          <a:prstGeom prst="rect">
+            <a:avLst/>
+          </a:prstGeom>
+        </p:spPr>
+        <p:txBody>
+          <a:bodyPr lIns="0" rIns="0" tIns="0" bIns="0">
+            <a:normAutofit fontScale="80000"/>
+          </a:bodyPr>
+          <a:p>
+            <a:endParaRPr b="0" lang="en-US" sz="3200" spc="-1" strike="noStrike">
+              <a:latin typeface="Arial"/>
+            </a:endParaRPr>
+          </a:p>
+        </p:txBody>
+      </p:sp>
+      <p:sp>
+        <p:nvSpPr>
+          <p:cNvPr id="38" name="PlaceHolder 7"/>
+          <p:cNvSpPr>
+            <a:spLocks noGrp="1"/>
+          </p:cNvSpPr>
+          <p:nvPr>
+            <p:ph type="body"/>
+          </p:nvPr>
+        </p:nvSpPr>
+        <p:spPr>
+          <a:xfrm>
+            <a:off x="3497760" y="3044160"/>
+            <a:ext cx="1425240" cy="1568160"/>
+          </a:xfrm>
+          <a:prstGeom prst="rect">
+            <a:avLst/>
+          </a:prstGeom>
+        </p:spPr>
+        <p:txBody>
+          <a:bodyPr lIns="0" rIns="0" tIns="0" bIns="0">
+            <a:normAutofit fontScale="80000"/>
+          </a:bodyPr>
+          <a:p>
+            <a:endParaRPr b="0" lang="en-US" sz="3200" spc="-1" strike="noStrike">
+              <a:latin typeface="Arial"/>
+            </a:endParaRPr>
+          </a:p>
+        </p:txBody>
+      </p:sp>
+    </p:spTree>
+  </p:cSld>
+</p:sldLayout>
+</file>
+
+<file path=ppt/slideLayouts/slideLayout13.xml><?xml version="1.0" encoding="utf-8"?>
+<p:sldLayout xmlns:a="http://schemas.openxmlformats.org/drawingml/2006/main" xmlns:p="http://schemas.openxmlformats.org/presentationml/2006/main" xmlns:r="http://schemas.openxmlformats.org/officeDocument/2006/relationships" xmlns:p14="http://schemas.microsoft.com/office/powerpoint/2010/main" xmlns:p15="http://schemas.microsoft.com/office/powerpoint/2012/main" xmlns:mc="http://schemas.openxmlformats.org/markup-compatibility/2006" type="blank" preserve="1">
+  <p:cSld name="Blank Slide">
+    <p:spTree>
+      <p:nvGrpSpPr>
+        <p:cNvPr id="1" name=""/>
+        <p:cNvGrpSpPr/>
+        <p:nvPr/>
+      </p:nvGrpSpPr>
+      <p:grpSpPr>
+        <a:xfrm>
+          <a:off x="0" y="0"/>
+          <a:ext cx="0" cy="0"/>
+          <a:chOff x="0" y="0"/>
+          <a:chExt cx="0" cy="0"/>
+        </a:xfrm>
+      </p:grpSpPr>
+    </p:spTree>
+  </p:cSld>
+</p:sldLayout>
+</file>
+
+<file path=ppt/slideLayouts/slideLayout14.xml><?xml version="1.0" encoding="utf-8"?>
+<p:sldLayout xmlns:a="http://schemas.openxmlformats.org/drawingml/2006/main" xmlns:p="http://schemas.openxmlformats.org/presentationml/2006/main" xmlns:r="http://schemas.openxmlformats.org/officeDocument/2006/relationships" xmlns:p14="http://schemas.microsoft.com/office/powerpoint/2010/main" xmlns:p15="http://schemas.microsoft.com/office/powerpoint/2012/main" xmlns:mc="http://schemas.openxmlformats.org/markup-compatibility/2006" type="tx" preserve="1">
+  <p:cSld name="Title Slide">
+    <p:spTree>
+      <p:nvGrpSpPr>
+        <p:cNvPr id="1" name=""/>
+        <p:cNvGrpSpPr/>
+        <p:nvPr/>
+      </p:nvGrpSpPr>
+      <p:grpSpPr>
+        <a:xfrm>
+          <a:off x="0" y="0"/>
+          <a:ext cx="0" cy="0"/>
+          <a:chOff x="0" y="0"/>
+          <a:chExt cx="0" cy="0"/>
+        </a:xfrm>
+      </p:grpSpPr>
+      <p:sp>
+        <p:nvSpPr>
+          <p:cNvPr id="41" name="PlaceHolder 1"/>
+          <p:cNvSpPr>
+            <a:spLocks noGrp="1"/>
+          </p:cNvSpPr>
+          <p:nvPr>
+            <p:ph type="title"/>
+          </p:nvPr>
+        </p:nvSpPr>
+        <p:spPr>
+          <a:xfrm>
+            <a:off x="504000" y="226080"/>
+            <a:ext cx="9070920" cy="945720"/>
+          </a:xfrm>
+          <a:prstGeom prst="rect">
+            <a:avLst/>
+          </a:prstGeom>
+        </p:spPr>
+        <p:txBody>
+          <a:bodyPr lIns="0" rIns="0" tIns="0" bIns="0" anchor="ctr">
+            <a:noAutofit/>
+          </a:bodyPr>
+          <a:p>
+            <a:pPr algn="ctr"/>
+            <a:endParaRPr b="0" lang="en-US" sz="4400" spc="-1" strike="noStrike">
+              <a:latin typeface="Arial"/>
+            </a:endParaRPr>
+          </a:p>
+        </p:txBody>
+      </p:sp>
+      <p:sp>
+        <p:nvSpPr>
+          <p:cNvPr id="42" name="PlaceHolder 2"/>
+          <p:cNvSpPr>
+            <a:spLocks noGrp="1"/>
+          </p:cNvSpPr>
+          <p:nvPr>
+            <p:ph type="subTitle"/>
+          </p:nvPr>
+        </p:nvSpPr>
+        <p:spPr>
+          <a:xfrm>
+            <a:off x="504000" y="1326600"/>
+            <a:ext cx="4426560" cy="3288240"/>
+          </a:xfrm>
+          <a:prstGeom prst="rect">
+            <a:avLst/>
+          </a:prstGeom>
+        </p:spPr>
+        <p:txBody>
+          <a:bodyPr lIns="0" rIns="0" tIns="0" bIns="0" anchor="ctr">
+            <a:noAutofit/>
+          </a:bodyPr>
+          <a:p>
+            <a:pPr algn="ctr"/>
+            <a:endParaRPr b="0" lang="en-US" sz="3200" spc="-1" strike="noStrike">
+              <a:latin typeface="Arial"/>
+            </a:endParaRPr>
+          </a:p>
+        </p:txBody>
+      </p:sp>
+    </p:spTree>
+  </p:cSld>
+</p:sldLayout>
+</file>
+
+<file path=ppt/slideLayouts/slideLayout15.xml><?xml version="1.0" encoding="utf-8"?>
+<p:sldLayout xmlns:a="http://schemas.openxmlformats.org/drawingml/2006/main" xmlns:p="http://schemas.openxmlformats.org/presentationml/2006/main" xmlns:r="http://schemas.openxmlformats.org/officeDocument/2006/relationships" xmlns:p14="http://schemas.microsoft.com/office/powerpoint/2010/main" xmlns:p15="http://schemas.microsoft.com/office/powerpoint/2012/main" xmlns:mc="http://schemas.openxmlformats.org/markup-compatibility/2006" type="obj" preserve="1">
+  <p:cSld name="Title, Content">
+    <p:spTree>
+      <p:nvGrpSpPr>
+        <p:cNvPr id="1" name=""/>
+        <p:cNvGrpSpPr/>
+        <p:nvPr/>
+      </p:nvGrpSpPr>
+      <p:grpSpPr>
+        <a:xfrm>
+          <a:off x="0" y="0"/>
+          <a:ext cx="0" cy="0"/>
+          <a:chOff x="0" y="0"/>
+          <a:chExt cx="0" cy="0"/>
+        </a:xfrm>
+      </p:grpSpPr>
+      <p:sp>
+        <p:nvSpPr>
+          <p:cNvPr id="43" name="PlaceHolder 1"/>
+          <p:cNvSpPr>
+            <a:spLocks noGrp="1"/>
+          </p:cNvSpPr>
+          <p:nvPr>
+            <p:ph type="title"/>
+          </p:nvPr>
+        </p:nvSpPr>
+        <p:spPr>
+          <a:xfrm>
+            <a:off x="504000" y="226080"/>
+            <a:ext cx="9070920" cy="945720"/>
+          </a:xfrm>
+          <a:prstGeom prst="rect">
+            <a:avLst/>
+          </a:prstGeom>
+        </p:spPr>
+        <p:txBody>
+          <a:bodyPr lIns="0" rIns="0" tIns="0" bIns="0" anchor="ctr">
+            <a:noAutofit/>
+          </a:bodyPr>
+          <a:p>
+            <a:pPr algn="ctr"/>
+            <a:endParaRPr b="0" lang="en-US" sz="4400" spc="-1" strike="noStrike">
+              <a:latin typeface="Arial"/>
+            </a:endParaRPr>
+          </a:p>
+        </p:txBody>
+      </p:sp>
+      <p:sp>
+        <p:nvSpPr>
+          <p:cNvPr id="44" name="PlaceHolder 2"/>
+          <p:cNvSpPr>
+            <a:spLocks noGrp="1"/>
+          </p:cNvSpPr>
+          <p:nvPr>
+            <p:ph type="body"/>
+          </p:nvPr>
+        </p:nvSpPr>
+        <p:spPr>
+          <a:xfrm>
+            <a:off x="504000" y="1326600"/>
+            <a:ext cx="4426560" cy="3288240"/>
           </a:xfrm>
           <a:prstGeom prst="rect">
             <a:avLst/>
@@ -403,9 +744,62 @@
           </a:p>
         </p:txBody>
       </p:sp>
-      <p:sp>
-        <p:nvSpPr>
-          <p:cNvPr id="33" name="PlaceHolder 3"/>
+    </p:spTree>
+  </p:cSld>
+</p:sldLayout>
+</file>
+
+<file path=ppt/slideLayouts/slideLayout16.xml><?xml version="1.0" encoding="utf-8"?>
+<p:sldLayout xmlns:a="http://schemas.openxmlformats.org/drawingml/2006/main" xmlns:p="http://schemas.openxmlformats.org/presentationml/2006/main" xmlns:r="http://schemas.openxmlformats.org/officeDocument/2006/relationships" xmlns:p14="http://schemas.microsoft.com/office/powerpoint/2010/main" xmlns:p15="http://schemas.microsoft.com/office/powerpoint/2012/main" xmlns:mc="http://schemas.openxmlformats.org/markup-compatibility/2006" type="twoObj" preserve="1">
+  <p:cSld name="Title, 2 Content">
+    <p:spTree>
+      <p:nvGrpSpPr>
+        <p:cNvPr id="1" name=""/>
+        <p:cNvGrpSpPr/>
+        <p:nvPr/>
+      </p:nvGrpSpPr>
+      <p:grpSpPr>
+        <a:xfrm>
+          <a:off x="0" y="0"/>
+          <a:ext cx="0" cy="0"/>
+          <a:chOff x="0" y="0"/>
+          <a:chExt cx="0" cy="0"/>
+        </a:xfrm>
+      </p:grpSpPr>
+      <p:sp>
+        <p:nvSpPr>
+          <p:cNvPr id="45" name="PlaceHolder 1"/>
+          <p:cNvSpPr>
+            <a:spLocks noGrp="1"/>
+          </p:cNvSpPr>
+          <p:nvPr>
+            <p:ph type="title"/>
+          </p:nvPr>
+        </p:nvSpPr>
+        <p:spPr>
+          <a:xfrm>
+            <a:off x="504000" y="226080"/>
+            <a:ext cx="9070920" cy="945720"/>
+          </a:xfrm>
+          <a:prstGeom prst="rect">
+            <a:avLst/>
+          </a:prstGeom>
+        </p:spPr>
+        <p:txBody>
+          <a:bodyPr lIns="0" rIns="0" tIns="0" bIns="0" anchor="ctr">
+            <a:noAutofit/>
+          </a:bodyPr>
+          <a:p>
+            <a:pPr algn="ctr"/>
+            <a:endParaRPr b="0" lang="en-US" sz="4400" spc="-1" strike="noStrike">
+              <a:latin typeface="Arial"/>
+            </a:endParaRPr>
+          </a:p>
+        </p:txBody>
+      </p:sp>
+      <p:sp>
+        <p:nvSpPr>
+          <p:cNvPr id="46" name="PlaceHolder 2"/>
           <p:cNvSpPr>
             <a:spLocks noGrp="1"/>
           </p:cNvSpPr>
@@ -415,8 +809,8 @@
         </p:nvSpPr>
         <p:spPr>
           <a:xfrm>
-            <a:off x="3571560" y="1326600"/>
-            <a:ext cx="2921040" cy="1568520"/>
+            <a:off x="504000" y="1326600"/>
+            <a:ext cx="2160000" cy="3288240"/>
           </a:xfrm>
           <a:prstGeom prst="rect">
             <a:avLst/>
@@ -435,7 +829,7 @@
       </p:sp>
       <p:sp>
         <p:nvSpPr>
-          <p:cNvPr id="34" name="PlaceHolder 4"/>
+          <p:cNvPr id="47" name="PlaceHolder 3"/>
           <p:cNvSpPr>
             <a:spLocks noGrp="1"/>
           </p:cNvSpPr>
@@ -445,8 +839,8 @@
         </p:nvSpPr>
         <p:spPr>
           <a:xfrm>
-            <a:off x="6639120" y="1326600"/>
-            <a:ext cx="2921040" cy="1568520"/>
+            <a:off x="2772360" y="1326600"/>
+            <a:ext cx="2160000" cy="3288240"/>
           </a:xfrm>
           <a:prstGeom prst="rect">
             <a:avLst/>
@@ -463,9 +857,168 @@
           </a:p>
         </p:txBody>
       </p:sp>
-      <p:sp>
-        <p:nvSpPr>
-          <p:cNvPr id="35" name="PlaceHolder 5"/>
+    </p:spTree>
+  </p:cSld>
+</p:sldLayout>
+</file>
+
+<file path=ppt/slideLayouts/slideLayout17.xml><?xml version="1.0" encoding="utf-8"?>
+<p:sldLayout xmlns:a="http://schemas.openxmlformats.org/drawingml/2006/main" xmlns:p="http://schemas.openxmlformats.org/presentationml/2006/main" xmlns:r="http://schemas.openxmlformats.org/officeDocument/2006/relationships" xmlns:p14="http://schemas.microsoft.com/office/powerpoint/2010/main" xmlns:p15="http://schemas.microsoft.com/office/powerpoint/2012/main" xmlns:mc="http://schemas.openxmlformats.org/markup-compatibility/2006" type="titleOnly" preserve="1">
+  <p:cSld name="Title Only">
+    <p:spTree>
+      <p:nvGrpSpPr>
+        <p:cNvPr id="1" name=""/>
+        <p:cNvGrpSpPr/>
+        <p:nvPr/>
+      </p:nvGrpSpPr>
+      <p:grpSpPr>
+        <a:xfrm>
+          <a:off x="0" y="0"/>
+          <a:ext cx="0" cy="0"/>
+          <a:chOff x="0" y="0"/>
+          <a:chExt cx="0" cy="0"/>
+        </a:xfrm>
+      </p:grpSpPr>
+      <p:sp>
+        <p:nvSpPr>
+          <p:cNvPr id="48" name="PlaceHolder 1"/>
+          <p:cNvSpPr>
+            <a:spLocks noGrp="1"/>
+          </p:cNvSpPr>
+          <p:nvPr>
+            <p:ph type="title"/>
+          </p:nvPr>
+        </p:nvSpPr>
+        <p:spPr>
+          <a:xfrm>
+            <a:off x="504000" y="226080"/>
+            <a:ext cx="9070920" cy="945720"/>
+          </a:xfrm>
+          <a:prstGeom prst="rect">
+            <a:avLst/>
+          </a:prstGeom>
+        </p:spPr>
+        <p:txBody>
+          <a:bodyPr lIns="0" rIns="0" tIns="0" bIns="0" anchor="ctr">
+            <a:noAutofit/>
+          </a:bodyPr>
+          <a:p>
+            <a:pPr algn="ctr"/>
+            <a:endParaRPr b="0" lang="en-US" sz="4400" spc="-1" strike="noStrike">
+              <a:latin typeface="Arial"/>
+            </a:endParaRPr>
+          </a:p>
+        </p:txBody>
+      </p:sp>
+    </p:spTree>
+  </p:cSld>
+</p:sldLayout>
+</file>
+
+<file path=ppt/slideLayouts/slideLayout18.xml><?xml version="1.0" encoding="utf-8"?>
+<p:sldLayout xmlns:a="http://schemas.openxmlformats.org/drawingml/2006/main" xmlns:p="http://schemas.openxmlformats.org/presentationml/2006/main" xmlns:r="http://schemas.openxmlformats.org/officeDocument/2006/relationships" xmlns:p14="http://schemas.microsoft.com/office/powerpoint/2010/main" xmlns:p15="http://schemas.microsoft.com/office/powerpoint/2012/main" xmlns:mc="http://schemas.openxmlformats.org/markup-compatibility/2006" type="objOnly" preserve="1">
+  <p:cSld name="Centered Text">
+    <p:spTree>
+      <p:nvGrpSpPr>
+        <p:cNvPr id="1" name=""/>
+        <p:cNvGrpSpPr/>
+        <p:nvPr/>
+      </p:nvGrpSpPr>
+      <p:grpSpPr>
+        <a:xfrm>
+          <a:off x="0" y="0"/>
+          <a:ext cx="0" cy="0"/>
+          <a:chOff x="0" y="0"/>
+          <a:chExt cx="0" cy="0"/>
+        </a:xfrm>
+      </p:grpSpPr>
+      <p:sp>
+        <p:nvSpPr>
+          <p:cNvPr id="49" name="PlaceHolder 1"/>
+          <p:cNvSpPr>
+            <a:spLocks noGrp="1"/>
+          </p:cNvSpPr>
+          <p:nvPr>
+            <p:ph type="subTitle"/>
+          </p:nvPr>
+        </p:nvSpPr>
+        <p:spPr>
+          <a:xfrm>
+            <a:off x="504000" y="226080"/>
+            <a:ext cx="9070920" cy="4385160"/>
+          </a:xfrm>
+          <a:prstGeom prst="rect">
+            <a:avLst/>
+          </a:prstGeom>
+        </p:spPr>
+        <p:txBody>
+          <a:bodyPr lIns="0" rIns="0" tIns="0" bIns="0" anchor="ctr">
+            <a:noAutofit/>
+          </a:bodyPr>
+          <a:p>
+            <a:pPr algn="ctr"/>
+            <a:endParaRPr b="0" lang="en-US" sz="3200" spc="-1" strike="noStrike">
+              <a:latin typeface="Arial"/>
+            </a:endParaRPr>
+          </a:p>
+        </p:txBody>
+      </p:sp>
+    </p:spTree>
+  </p:cSld>
+</p:sldLayout>
+</file>
+
+<file path=ppt/slideLayouts/slideLayout19.xml><?xml version="1.0" encoding="utf-8"?>
+<p:sldLayout xmlns:a="http://schemas.openxmlformats.org/drawingml/2006/main" xmlns:p="http://schemas.openxmlformats.org/presentationml/2006/main" xmlns:r="http://schemas.openxmlformats.org/officeDocument/2006/relationships" xmlns:p14="http://schemas.microsoft.com/office/powerpoint/2010/main" xmlns:p15="http://schemas.microsoft.com/office/powerpoint/2012/main" xmlns:mc="http://schemas.openxmlformats.org/markup-compatibility/2006" type="twoObjAndObj" preserve="1">
+  <p:cSld name="Title, 2 Content and Content">
+    <p:spTree>
+      <p:nvGrpSpPr>
+        <p:cNvPr id="1" name=""/>
+        <p:cNvGrpSpPr/>
+        <p:nvPr/>
+      </p:nvGrpSpPr>
+      <p:grpSpPr>
+        <a:xfrm>
+          <a:off x="0" y="0"/>
+          <a:ext cx="0" cy="0"/>
+          <a:chOff x="0" y="0"/>
+          <a:chExt cx="0" cy="0"/>
+        </a:xfrm>
+      </p:grpSpPr>
+      <p:sp>
+        <p:nvSpPr>
+          <p:cNvPr id="50" name="PlaceHolder 1"/>
+          <p:cNvSpPr>
+            <a:spLocks noGrp="1"/>
+          </p:cNvSpPr>
+          <p:nvPr>
+            <p:ph type="title"/>
+          </p:nvPr>
+        </p:nvSpPr>
+        <p:spPr>
+          <a:xfrm>
+            <a:off x="504000" y="226080"/>
+            <a:ext cx="9070920" cy="945720"/>
+          </a:xfrm>
+          <a:prstGeom prst="rect">
+            <a:avLst/>
+          </a:prstGeom>
+        </p:spPr>
+        <p:txBody>
+          <a:bodyPr lIns="0" rIns="0" tIns="0" bIns="0" anchor="ctr">
+            <a:noAutofit/>
+          </a:bodyPr>
+          <a:p>
+            <a:pPr algn="ctr"/>
+            <a:endParaRPr b="0" lang="en-US" sz="4400" spc="-1" strike="noStrike">
+              <a:latin typeface="Arial"/>
+            </a:endParaRPr>
+          </a:p>
+        </p:txBody>
+      </p:sp>
+      <p:sp>
+        <p:nvSpPr>
+          <p:cNvPr id="51" name="PlaceHolder 2"/>
           <p:cNvSpPr>
             <a:spLocks noGrp="1"/>
           </p:cNvSpPr>
@@ -475,8 +1028,8 @@
         </p:nvSpPr>
         <p:spPr>
           <a:xfrm>
-            <a:off x="504000" y="3044520"/>
-            <a:ext cx="2921040" cy="1568520"/>
+            <a:off x="504000" y="1326600"/>
+            <a:ext cx="2160000" cy="1568160"/>
           </a:xfrm>
           <a:prstGeom prst="rect">
             <a:avLst/>
@@ -495,7 +1048,7 @@
       </p:sp>
       <p:sp>
         <p:nvSpPr>
-          <p:cNvPr id="36" name="PlaceHolder 6"/>
+          <p:cNvPr id="52" name="PlaceHolder 3"/>
           <p:cNvSpPr>
             <a:spLocks noGrp="1"/>
           </p:cNvSpPr>
@@ -505,8 +1058,8 @@
         </p:nvSpPr>
         <p:spPr>
           <a:xfrm>
-            <a:off x="3571560" y="3044520"/>
-            <a:ext cx="2921040" cy="1568520"/>
+            <a:off x="2772360" y="1326600"/>
+            <a:ext cx="2160000" cy="3288240"/>
           </a:xfrm>
           <a:prstGeom prst="rect">
             <a:avLst/>
@@ -525,7 +1078,7 @@
       </p:sp>
       <p:sp>
         <p:nvSpPr>
-          <p:cNvPr id="37" name="PlaceHolder 7"/>
+          <p:cNvPr id="53" name="PlaceHolder 4"/>
           <p:cNvSpPr>
             <a:spLocks noGrp="1"/>
           </p:cNvSpPr>
@@ -535,8 +1088,8 @@
         </p:nvSpPr>
         <p:spPr>
           <a:xfrm>
-            <a:off x="6639120" y="3044520"/>
-            <a:ext cx="2921040" cy="1568520"/>
+            <a:off x="504000" y="3044160"/>
+            <a:ext cx="2160000" cy="1568160"/>
           </a:xfrm>
           <a:prstGeom prst="rect">
             <a:avLst/>
@@ -577,7 +1130,7 @@
       </p:grpSpPr>
       <p:sp>
         <p:nvSpPr>
-          <p:cNvPr id="2" name="PlaceHolder 1"/>
+          <p:cNvPr id="3" name="PlaceHolder 1"/>
           <p:cNvSpPr>
             <a:spLocks noGrp="1"/>
           </p:cNvSpPr>
@@ -588,7 +1141,7 @@
         <p:spPr>
           <a:xfrm>
             <a:off x="504000" y="226080"/>
-            <a:ext cx="9071280" cy="946080"/>
+            <a:ext cx="9070920" cy="945720"/>
           </a:xfrm>
           <a:prstGeom prst="rect">
             <a:avLst/>
@@ -608,7 +1161,7 @@
       </p:sp>
       <p:sp>
         <p:nvSpPr>
-          <p:cNvPr id="3" name="PlaceHolder 2"/>
+          <p:cNvPr id="4" name="PlaceHolder 2"/>
           <p:cNvSpPr>
             <a:spLocks noGrp="1"/>
           </p:cNvSpPr>
@@ -619,7 +1172,7 @@
         <p:spPr>
           <a:xfrm>
             <a:off x="504000" y="1326600"/>
-            <a:ext cx="9072000" cy="3288600"/>
+            <a:ext cx="4426560" cy="3288240"/>
           </a:xfrm>
           <a:prstGeom prst="rect">
             <a:avLst/>
@@ -632,6 +1185,1166 @@
           <a:p>
             <a:pPr algn="ctr"/>
             <a:endParaRPr b="0" lang="en-US" sz="3200" spc="-1" strike="noStrike">
+              <a:latin typeface="Arial"/>
+            </a:endParaRPr>
+          </a:p>
+        </p:txBody>
+      </p:sp>
+    </p:spTree>
+  </p:cSld>
+</p:sldLayout>
+</file>
+
+<file path=ppt/slideLayouts/slideLayout20.xml><?xml version="1.0" encoding="utf-8"?>
+<p:sldLayout xmlns:a="http://schemas.openxmlformats.org/drawingml/2006/main" xmlns:p="http://schemas.openxmlformats.org/presentationml/2006/main" xmlns:r="http://schemas.openxmlformats.org/officeDocument/2006/relationships" xmlns:p14="http://schemas.microsoft.com/office/powerpoint/2010/main" xmlns:p15="http://schemas.microsoft.com/office/powerpoint/2012/main" xmlns:mc="http://schemas.openxmlformats.org/markup-compatibility/2006" type="objAndTwoObj" preserve="1">
+  <p:cSld name="Title Content and 2 Content">
+    <p:spTree>
+      <p:nvGrpSpPr>
+        <p:cNvPr id="1" name=""/>
+        <p:cNvGrpSpPr/>
+        <p:nvPr/>
+      </p:nvGrpSpPr>
+      <p:grpSpPr>
+        <a:xfrm>
+          <a:off x="0" y="0"/>
+          <a:ext cx="0" cy="0"/>
+          <a:chOff x="0" y="0"/>
+          <a:chExt cx="0" cy="0"/>
+        </a:xfrm>
+      </p:grpSpPr>
+      <p:sp>
+        <p:nvSpPr>
+          <p:cNvPr id="54" name="PlaceHolder 1"/>
+          <p:cNvSpPr>
+            <a:spLocks noGrp="1"/>
+          </p:cNvSpPr>
+          <p:nvPr>
+            <p:ph type="title"/>
+          </p:nvPr>
+        </p:nvSpPr>
+        <p:spPr>
+          <a:xfrm>
+            <a:off x="504000" y="226080"/>
+            <a:ext cx="9070920" cy="945720"/>
+          </a:xfrm>
+          <a:prstGeom prst="rect">
+            <a:avLst/>
+          </a:prstGeom>
+        </p:spPr>
+        <p:txBody>
+          <a:bodyPr lIns="0" rIns="0" tIns="0" bIns="0" anchor="ctr">
+            <a:noAutofit/>
+          </a:bodyPr>
+          <a:p>
+            <a:pPr algn="ctr"/>
+            <a:endParaRPr b="0" lang="en-US" sz="4400" spc="-1" strike="noStrike">
+              <a:latin typeface="Arial"/>
+            </a:endParaRPr>
+          </a:p>
+        </p:txBody>
+      </p:sp>
+      <p:sp>
+        <p:nvSpPr>
+          <p:cNvPr id="55" name="PlaceHolder 2"/>
+          <p:cNvSpPr>
+            <a:spLocks noGrp="1"/>
+          </p:cNvSpPr>
+          <p:nvPr>
+            <p:ph type="body"/>
+          </p:nvPr>
+        </p:nvSpPr>
+        <p:spPr>
+          <a:xfrm>
+            <a:off x="504000" y="1326600"/>
+            <a:ext cx="2160000" cy="3288240"/>
+          </a:xfrm>
+          <a:prstGeom prst="rect">
+            <a:avLst/>
+          </a:prstGeom>
+        </p:spPr>
+        <p:txBody>
+          <a:bodyPr lIns="0" rIns="0" tIns="0" bIns="0">
+            <a:normAutofit/>
+          </a:bodyPr>
+          <a:p>
+            <a:endParaRPr b="0" lang="en-US" sz="3200" spc="-1" strike="noStrike">
+              <a:latin typeface="Arial"/>
+            </a:endParaRPr>
+          </a:p>
+        </p:txBody>
+      </p:sp>
+      <p:sp>
+        <p:nvSpPr>
+          <p:cNvPr id="56" name="PlaceHolder 3"/>
+          <p:cNvSpPr>
+            <a:spLocks noGrp="1"/>
+          </p:cNvSpPr>
+          <p:nvPr>
+            <p:ph type="body"/>
+          </p:nvPr>
+        </p:nvSpPr>
+        <p:spPr>
+          <a:xfrm>
+            <a:off x="2772360" y="1326600"/>
+            <a:ext cx="2160000" cy="1568160"/>
+          </a:xfrm>
+          <a:prstGeom prst="rect">
+            <a:avLst/>
+          </a:prstGeom>
+        </p:spPr>
+        <p:txBody>
+          <a:bodyPr lIns="0" rIns="0" tIns="0" bIns="0">
+            <a:normAutofit/>
+          </a:bodyPr>
+          <a:p>
+            <a:endParaRPr b="0" lang="en-US" sz="3200" spc="-1" strike="noStrike">
+              <a:latin typeface="Arial"/>
+            </a:endParaRPr>
+          </a:p>
+        </p:txBody>
+      </p:sp>
+      <p:sp>
+        <p:nvSpPr>
+          <p:cNvPr id="57" name="PlaceHolder 4"/>
+          <p:cNvSpPr>
+            <a:spLocks noGrp="1"/>
+          </p:cNvSpPr>
+          <p:nvPr>
+            <p:ph type="body"/>
+          </p:nvPr>
+        </p:nvSpPr>
+        <p:spPr>
+          <a:xfrm>
+            <a:off x="2772360" y="3044160"/>
+            <a:ext cx="2160000" cy="1568160"/>
+          </a:xfrm>
+          <a:prstGeom prst="rect">
+            <a:avLst/>
+          </a:prstGeom>
+        </p:spPr>
+        <p:txBody>
+          <a:bodyPr lIns="0" rIns="0" tIns="0" bIns="0">
+            <a:normAutofit/>
+          </a:bodyPr>
+          <a:p>
+            <a:endParaRPr b="0" lang="en-US" sz="3200" spc="-1" strike="noStrike">
+              <a:latin typeface="Arial"/>
+            </a:endParaRPr>
+          </a:p>
+        </p:txBody>
+      </p:sp>
+    </p:spTree>
+  </p:cSld>
+</p:sldLayout>
+</file>
+
+<file path=ppt/slideLayouts/slideLayout21.xml><?xml version="1.0" encoding="utf-8"?>
+<p:sldLayout xmlns:a="http://schemas.openxmlformats.org/drawingml/2006/main" xmlns:p="http://schemas.openxmlformats.org/presentationml/2006/main" xmlns:r="http://schemas.openxmlformats.org/officeDocument/2006/relationships" xmlns:p14="http://schemas.microsoft.com/office/powerpoint/2010/main" xmlns:p15="http://schemas.microsoft.com/office/powerpoint/2012/main" xmlns:mc="http://schemas.openxmlformats.org/markup-compatibility/2006" type="twoObjOverTx" preserve="1">
+  <p:cSld name="Title, 2 Content over Content">
+    <p:spTree>
+      <p:nvGrpSpPr>
+        <p:cNvPr id="1" name=""/>
+        <p:cNvGrpSpPr/>
+        <p:nvPr/>
+      </p:nvGrpSpPr>
+      <p:grpSpPr>
+        <a:xfrm>
+          <a:off x="0" y="0"/>
+          <a:ext cx="0" cy="0"/>
+          <a:chOff x="0" y="0"/>
+          <a:chExt cx="0" cy="0"/>
+        </a:xfrm>
+      </p:grpSpPr>
+      <p:sp>
+        <p:nvSpPr>
+          <p:cNvPr id="58" name="PlaceHolder 1"/>
+          <p:cNvSpPr>
+            <a:spLocks noGrp="1"/>
+          </p:cNvSpPr>
+          <p:nvPr>
+            <p:ph type="title"/>
+          </p:nvPr>
+        </p:nvSpPr>
+        <p:spPr>
+          <a:xfrm>
+            <a:off x="504000" y="226080"/>
+            <a:ext cx="9070920" cy="945720"/>
+          </a:xfrm>
+          <a:prstGeom prst="rect">
+            <a:avLst/>
+          </a:prstGeom>
+        </p:spPr>
+        <p:txBody>
+          <a:bodyPr lIns="0" rIns="0" tIns="0" bIns="0" anchor="ctr">
+            <a:noAutofit/>
+          </a:bodyPr>
+          <a:p>
+            <a:pPr algn="ctr"/>
+            <a:endParaRPr b="0" lang="en-US" sz="4400" spc="-1" strike="noStrike">
+              <a:latin typeface="Arial"/>
+            </a:endParaRPr>
+          </a:p>
+        </p:txBody>
+      </p:sp>
+      <p:sp>
+        <p:nvSpPr>
+          <p:cNvPr id="59" name="PlaceHolder 2"/>
+          <p:cNvSpPr>
+            <a:spLocks noGrp="1"/>
+          </p:cNvSpPr>
+          <p:nvPr>
+            <p:ph type="body"/>
+          </p:nvPr>
+        </p:nvSpPr>
+        <p:spPr>
+          <a:xfrm>
+            <a:off x="504000" y="1326600"/>
+            <a:ext cx="2160000" cy="1568160"/>
+          </a:xfrm>
+          <a:prstGeom prst="rect">
+            <a:avLst/>
+          </a:prstGeom>
+        </p:spPr>
+        <p:txBody>
+          <a:bodyPr lIns="0" rIns="0" tIns="0" bIns="0">
+            <a:normAutofit/>
+          </a:bodyPr>
+          <a:p>
+            <a:endParaRPr b="0" lang="en-US" sz="3200" spc="-1" strike="noStrike">
+              <a:latin typeface="Arial"/>
+            </a:endParaRPr>
+          </a:p>
+        </p:txBody>
+      </p:sp>
+      <p:sp>
+        <p:nvSpPr>
+          <p:cNvPr id="60" name="PlaceHolder 3"/>
+          <p:cNvSpPr>
+            <a:spLocks noGrp="1"/>
+          </p:cNvSpPr>
+          <p:nvPr>
+            <p:ph type="body"/>
+          </p:nvPr>
+        </p:nvSpPr>
+        <p:spPr>
+          <a:xfrm>
+            <a:off x="2772360" y="1326600"/>
+            <a:ext cx="2160000" cy="1568160"/>
+          </a:xfrm>
+          <a:prstGeom prst="rect">
+            <a:avLst/>
+          </a:prstGeom>
+        </p:spPr>
+        <p:txBody>
+          <a:bodyPr lIns="0" rIns="0" tIns="0" bIns="0">
+            <a:normAutofit/>
+          </a:bodyPr>
+          <a:p>
+            <a:endParaRPr b="0" lang="en-US" sz="3200" spc="-1" strike="noStrike">
+              <a:latin typeface="Arial"/>
+            </a:endParaRPr>
+          </a:p>
+        </p:txBody>
+      </p:sp>
+      <p:sp>
+        <p:nvSpPr>
+          <p:cNvPr id="61" name="PlaceHolder 4"/>
+          <p:cNvSpPr>
+            <a:spLocks noGrp="1"/>
+          </p:cNvSpPr>
+          <p:nvPr>
+            <p:ph type="body"/>
+          </p:nvPr>
+        </p:nvSpPr>
+        <p:spPr>
+          <a:xfrm>
+            <a:off x="504000" y="3044160"/>
+            <a:ext cx="4426560" cy="1568160"/>
+          </a:xfrm>
+          <a:prstGeom prst="rect">
+            <a:avLst/>
+          </a:prstGeom>
+        </p:spPr>
+        <p:txBody>
+          <a:bodyPr lIns="0" rIns="0" tIns="0" bIns="0">
+            <a:normAutofit/>
+          </a:bodyPr>
+          <a:p>
+            <a:endParaRPr b="0" lang="en-US" sz="3200" spc="-1" strike="noStrike">
+              <a:latin typeface="Arial"/>
+            </a:endParaRPr>
+          </a:p>
+        </p:txBody>
+      </p:sp>
+    </p:spTree>
+  </p:cSld>
+</p:sldLayout>
+</file>
+
+<file path=ppt/slideLayouts/slideLayout22.xml><?xml version="1.0" encoding="utf-8"?>
+<p:sldLayout xmlns:a="http://schemas.openxmlformats.org/drawingml/2006/main" xmlns:p="http://schemas.openxmlformats.org/presentationml/2006/main" xmlns:r="http://schemas.openxmlformats.org/officeDocument/2006/relationships" xmlns:p14="http://schemas.microsoft.com/office/powerpoint/2010/main" xmlns:p15="http://schemas.microsoft.com/office/powerpoint/2012/main" xmlns:mc="http://schemas.openxmlformats.org/markup-compatibility/2006" type="objOverTx" preserve="1">
+  <p:cSld name="Title, Content over Content">
+    <p:spTree>
+      <p:nvGrpSpPr>
+        <p:cNvPr id="1" name=""/>
+        <p:cNvGrpSpPr/>
+        <p:nvPr/>
+      </p:nvGrpSpPr>
+      <p:grpSpPr>
+        <a:xfrm>
+          <a:off x="0" y="0"/>
+          <a:ext cx="0" cy="0"/>
+          <a:chOff x="0" y="0"/>
+          <a:chExt cx="0" cy="0"/>
+        </a:xfrm>
+      </p:grpSpPr>
+      <p:sp>
+        <p:nvSpPr>
+          <p:cNvPr id="62" name="PlaceHolder 1"/>
+          <p:cNvSpPr>
+            <a:spLocks noGrp="1"/>
+          </p:cNvSpPr>
+          <p:nvPr>
+            <p:ph type="title"/>
+          </p:nvPr>
+        </p:nvSpPr>
+        <p:spPr>
+          <a:xfrm>
+            <a:off x="504000" y="226080"/>
+            <a:ext cx="9070920" cy="945720"/>
+          </a:xfrm>
+          <a:prstGeom prst="rect">
+            <a:avLst/>
+          </a:prstGeom>
+        </p:spPr>
+        <p:txBody>
+          <a:bodyPr lIns="0" rIns="0" tIns="0" bIns="0" anchor="ctr">
+            <a:noAutofit/>
+          </a:bodyPr>
+          <a:p>
+            <a:pPr algn="ctr"/>
+            <a:endParaRPr b="0" lang="en-US" sz="4400" spc="-1" strike="noStrike">
+              <a:latin typeface="Arial"/>
+            </a:endParaRPr>
+          </a:p>
+        </p:txBody>
+      </p:sp>
+      <p:sp>
+        <p:nvSpPr>
+          <p:cNvPr id="63" name="PlaceHolder 2"/>
+          <p:cNvSpPr>
+            <a:spLocks noGrp="1"/>
+          </p:cNvSpPr>
+          <p:nvPr>
+            <p:ph type="body"/>
+          </p:nvPr>
+        </p:nvSpPr>
+        <p:spPr>
+          <a:xfrm>
+            <a:off x="504000" y="1326600"/>
+            <a:ext cx="4426560" cy="1568160"/>
+          </a:xfrm>
+          <a:prstGeom prst="rect">
+            <a:avLst/>
+          </a:prstGeom>
+        </p:spPr>
+        <p:txBody>
+          <a:bodyPr lIns="0" rIns="0" tIns="0" bIns="0">
+            <a:normAutofit/>
+          </a:bodyPr>
+          <a:p>
+            <a:endParaRPr b="0" lang="en-US" sz="3200" spc="-1" strike="noStrike">
+              <a:latin typeface="Arial"/>
+            </a:endParaRPr>
+          </a:p>
+        </p:txBody>
+      </p:sp>
+      <p:sp>
+        <p:nvSpPr>
+          <p:cNvPr id="64" name="PlaceHolder 3"/>
+          <p:cNvSpPr>
+            <a:spLocks noGrp="1"/>
+          </p:cNvSpPr>
+          <p:nvPr>
+            <p:ph type="body"/>
+          </p:nvPr>
+        </p:nvSpPr>
+        <p:spPr>
+          <a:xfrm>
+            <a:off x="504000" y="3044160"/>
+            <a:ext cx="4426560" cy="1568160"/>
+          </a:xfrm>
+          <a:prstGeom prst="rect">
+            <a:avLst/>
+          </a:prstGeom>
+        </p:spPr>
+        <p:txBody>
+          <a:bodyPr lIns="0" rIns="0" tIns="0" bIns="0">
+            <a:normAutofit/>
+          </a:bodyPr>
+          <a:p>
+            <a:endParaRPr b="0" lang="en-US" sz="3200" spc="-1" strike="noStrike">
+              <a:latin typeface="Arial"/>
+            </a:endParaRPr>
+          </a:p>
+        </p:txBody>
+      </p:sp>
+    </p:spTree>
+  </p:cSld>
+</p:sldLayout>
+</file>
+
+<file path=ppt/slideLayouts/slideLayout23.xml><?xml version="1.0" encoding="utf-8"?>
+<p:sldLayout xmlns:a="http://schemas.openxmlformats.org/drawingml/2006/main" xmlns:p="http://schemas.openxmlformats.org/presentationml/2006/main" xmlns:r="http://schemas.openxmlformats.org/officeDocument/2006/relationships" xmlns:p14="http://schemas.microsoft.com/office/powerpoint/2010/main" xmlns:p15="http://schemas.microsoft.com/office/powerpoint/2012/main" xmlns:mc="http://schemas.openxmlformats.org/markup-compatibility/2006" type="fourObj" preserve="1">
+  <p:cSld name="Title, 4 Content">
+    <p:spTree>
+      <p:nvGrpSpPr>
+        <p:cNvPr id="1" name=""/>
+        <p:cNvGrpSpPr/>
+        <p:nvPr/>
+      </p:nvGrpSpPr>
+      <p:grpSpPr>
+        <a:xfrm>
+          <a:off x="0" y="0"/>
+          <a:ext cx="0" cy="0"/>
+          <a:chOff x="0" y="0"/>
+          <a:chExt cx="0" cy="0"/>
+        </a:xfrm>
+      </p:grpSpPr>
+      <p:sp>
+        <p:nvSpPr>
+          <p:cNvPr id="65" name="PlaceHolder 1"/>
+          <p:cNvSpPr>
+            <a:spLocks noGrp="1"/>
+          </p:cNvSpPr>
+          <p:nvPr>
+            <p:ph type="title"/>
+          </p:nvPr>
+        </p:nvSpPr>
+        <p:spPr>
+          <a:xfrm>
+            <a:off x="504000" y="226080"/>
+            <a:ext cx="9070920" cy="945720"/>
+          </a:xfrm>
+          <a:prstGeom prst="rect">
+            <a:avLst/>
+          </a:prstGeom>
+        </p:spPr>
+        <p:txBody>
+          <a:bodyPr lIns="0" rIns="0" tIns="0" bIns="0" anchor="ctr">
+            <a:noAutofit/>
+          </a:bodyPr>
+          <a:p>
+            <a:pPr algn="ctr"/>
+            <a:endParaRPr b="0" lang="en-US" sz="4400" spc="-1" strike="noStrike">
+              <a:latin typeface="Arial"/>
+            </a:endParaRPr>
+          </a:p>
+        </p:txBody>
+      </p:sp>
+      <p:sp>
+        <p:nvSpPr>
+          <p:cNvPr id="66" name="PlaceHolder 2"/>
+          <p:cNvSpPr>
+            <a:spLocks noGrp="1"/>
+          </p:cNvSpPr>
+          <p:nvPr>
+            <p:ph type="body"/>
+          </p:nvPr>
+        </p:nvSpPr>
+        <p:spPr>
+          <a:xfrm>
+            <a:off x="504000" y="1326600"/>
+            <a:ext cx="2160000" cy="1568160"/>
+          </a:xfrm>
+          <a:prstGeom prst="rect">
+            <a:avLst/>
+          </a:prstGeom>
+        </p:spPr>
+        <p:txBody>
+          <a:bodyPr lIns="0" rIns="0" tIns="0" bIns="0">
+            <a:normAutofit/>
+          </a:bodyPr>
+          <a:p>
+            <a:endParaRPr b="0" lang="en-US" sz="3200" spc="-1" strike="noStrike">
+              <a:latin typeface="Arial"/>
+            </a:endParaRPr>
+          </a:p>
+        </p:txBody>
+      </p:sp>
+      <p:sp>
+        <p:nvSpPr>
+          <p:cNvPr id="67" name="PlaceHolder 3"/>
+          <p:cNvSpPr>
+            <a:spLocks noGrp="1"/>
+          </p:cNvSpPr>
+          <p:nvPr>
+            <p:ph type="body"/>
+          </p:nvPr>
+        </p:nvSpPr>
+        <p:spPr>
+          <a:xfrm>
+            <a:off x="2772360" y="1326600"/>
+            <a:ext cx="2160000" cy="1568160"/>
+          </a:xfrm>
+          <a:prstGeom prst="rect">
+            <a:avLst/>
+          </a:prstGeom>
+        </p:spPr>
+        <p:txBody>
+          <a:bodyPr lIns="0" rIns="0" tIns="0" bIns="0">
+            <a:normAutofit/>
+          </a:bodyPr>
+          <a:p>
+            <a:endParaRPr b="0" lang="en-US" sz="3200" spc="-1" strike="noStrike">
+              <a:latin typeface="Arial"/>
+            </a:endParaRPr>
+          </a:p>
+        </p:txBody>
+      </p:sp>
+      <p:sp>
+        <p:nvSpPr>
+          <p:cNvPr id="68" name="PlaceHolder 4"/>
+          <p:cNvSpPr>
+            <a:spLocks noGrp="1"/>
+          </p:cNvSpPr>
+          <p:nvPr>
+            <p:ph type="body"/>
+          </p:nvPr>
+        </p:nvSpPr>
+        <p:spPr>
+          <a:xfrm>
+            <a:off x="504000" y="3044160"/>
+            <a:ext cx="2160000" cy="1568160"/>
+          </a:xfrm>
+          <a:prstGeom prst="rect">
+            <a:avLst/>
+          </a:prstGeom>
+        </p:spPr>
+        <p:txBody>
+          <a:bodyPr lIns="0" rIns="0" tIns="0" bIns="0">
+            <a:normAutofit/>
+          </a:bodyPr>
+          <a:p>
+            <a:endParaRPr b="0" lang="en-US" sz="3200" spc="-1" strike="noStrike">
+              <a:latin typeface="Arial"/>
+            </a:endParaRPr>
+          </a:p>
+        </p:txBody>
+      </p:sp>
+      <p:sp>
+        <p:nvSpPr>
+          <p:cNvPr id="69" name="PlaceHolder 5"/>
+          <p:cNvSpPr>
+            <a:spLocks noGrp="1"/>
+          </p:cNvSpPr>
+          <p:nvPr>
+            <p:ph type="body"/>
+          </p:nvPr>
+        </p:nvSpPr>
+        <p:spPr>
+          <a:xfrm>
+            <a:off x="2772360" y="3044160"/>
+            <a:ext cx="2160000" cy="1568160"/>
+          </a:xfrm>
+          <a:prstGeom prst="rect">
+            <a:avLst/>
+          </a:prstGeom>
+        </p:spPr>
+        <p:txBody>
+          <a:bodyPr lIns="0" rIns="0" tIns="0" bIns="0">
+            <a:normAutofit/>
+          </a:bodyPr>
+          <a:p>
+            <a:endParaRPr b="0" lang="en-US" sz="3200" spc="-1" strike="noStrike">
+              <a:latin typeface="Arial"/>
+            </a:endParaRPr>
+          </a:p>
+        </p:txBody>
+      </p:sp>
+    </p:spTree>
+  </p:cSld>
+</p:sldLayout>
+</file>
+
+<file path=ppt/slideLayouts/slideLayout24.xml><?xml version="1.0" encoding="utf-8"?>
+<p:sldLayout xmlns:a="http://schemas.openxmlformats.org/drawingml/2006/main" xmlns:p="http://schemas.openxmlformats.org/presentationml/2006/main" xmlns:r="http://schemas.openxmlformats.org/officeDocument/2006/relationships" xmlns:p14="http://schemas.microsoft.com/office/powerpoint/2010/main" xmlns:p15="http://schemas.microsoft.com/office/powerpoint/2012/main" xmlns:mc="http://schemas.openxmlformats.org/markup-compatibility/2006" type="blank" preserve="1">
+  <p:cSld name="Title, 6 Content">
+    <p:spTree>
+      <p:nvGrpSpPr>
+        <p:cNvPr id="1" name=""/>
+        <p:cNvGrpSpPr/>
+        <p:nvPr/>
+      </p:nvGrpSpPr>
+      <p:grpSpPr>
+        <a:xfrm>
+          <a:off x="0" y="0"/>
+          <a:ext cx="0" cy="0"/>
+          <a:chOff x="0" y="0"/>
+          <a:chExt cx="0" cy="0"/>
+        </a:xfrm>
+      </p:grpSpPr>
+      <p:sp>
+        <p:nvSpPr>
+          <p:cNvPr id="70" name="PlaceHolder 1"/>
+          <p:cNvSpPr>
+            <a:spLocks noGrp="1"/>
+          </p:cNvSpPr>
+          <p:nvPr>
+            <p:ph type="title"/>
+          </p:nvPr>
+        </p:nvSpPr>
+        <p:spPr>
+          <a:xfrm>
+            <a:off x="504000" y="226080"/>
+            <a:ext cx="9070920" cy="945720"/>
+          </a:xfrm>
+          <a:prstGeom prst="rect">
+            <a:avLst/>
+          </a:prstGeom>
+        </p:spPr>
+        <p:txBody>
+          <a:bodyPr lIns="0" rIns="0" tIns="0" bIns="0" anchor="ctr">
+            <a:noAutofit/>
+          </a:bodyPr>
+          <a:p>
+            <a:pPr algn="ctr"/>
+            <a:endParaRPr b="0" lang="en-US" sz="4400" spc="-1" strike="noStrike">
+              <a:latin typeface="Arial"/>
+            </a:endParaRPr>
+          </a:p>
+        </p:txBody>
+      </p:sp>
+      <p:sp>
+        <p:nvSpPr>
+          <p:cNvPr id="71" name="PlaceHolder 2"/>
+          <p:cNvSpPr>
+            <a:spLocks noGrp="1"/>
+          </p:cNvSpPr>
+          <p:nvPr>
+            <p:ph type="body"/>
+          </p:nvPr>
+        </p:nvSpPr>
+        <p:spPr>
+          <a:xfrm>
+            <a:off x="504000" y="1326600"/>
+            <a:ext cx="1425240" cy="1568160"/>
+          </a:xfrm>
+          <a:prstGeom prst="rect">
+            <a:avLst/>
+          </a:prstGeom>
+        </p:spPr>
+        <p:txBody>
+          <a:bodyPr lIns="0" rIns="0" tIns="0" bIns="0">
+            <a:normAutofit fontScale="80000"/>
+          </a:bodyPr>
+          <a:p>
+            <a:endParaRPr b="0" lang="en-US" sz="3200" spc="-1" strike="noStrike">
+              <a:latin typeface="Arial"/>
+            </a:endParaRPr>
+          </a:p>
+        </p:txBody>
+      </p:sp>
+      <p:sp>
+        <p:nvSpPr>
+          <p:cNvPr id="72" name="PlaceHolder 3"/>
+          <p:cNvSpPr>
+            <a:spLocks noGrp="1"/>
+          </p:cNvSpPr>
+          <p:nvPr>
+            <p:ph type="body"/>
+          </p:nvPr>
+        </p:nvSpPr>
+        <p:spPr>
+          <a:xfrm>
+            <a:off x="2000880" y="1326600"/>
+            <a:ext cx="1425240" cy="1568160"/>
+          </a:xfrm>
+          <a:prstGeom prst="rect">
+            <a:avLst/>
+          </a:prstGeom>
+        </p:spPr>
+        <p:txBody>
+          <a:bodyPr lIns="0" rIns="0" tIns="0" bIns="0">
+            <a:normAutofit fontScale="80000"/>
+          </a:bodyPr>
+          <a:p>
+            <a:endParaRPr b="0" lang="en-US" sz="3200" spc="-1" strike="noStrike">
+              <a:latin typeface="Arial"/>
+            </a:endParaRPr>
+          </a:p>
+        </p:txBody>
+      </p:sp>
+      <p:sp>
+        <p:nvSpPr>
+          <p:cNvPr id="73" name="PlaceHolder 4"/>
+          <p:cNvSpPr>
+            <a:spLocks noGrp="1"/>
+          </p:cNvSpPr>
+          <p:nvPr>
+            <p:ph type="body"/>
+          </p:nvPr>
+        </p:nvSpPr>
+        <p:spPr>
+          <a:xfrm>
+            <a:off x="3497760" y="1326600"/>
+            <a:ext cx="1425240" cy="1568160"/>
+          </a:xfrm>
+          <a:prstGeom prst="rect">
+            <a:avLst/>
+          </a:prstGeom>
+        </p:spPr>
+        <p:txBody>
+          <a:bodyPr lIns="0" rIns="0" tIns="0" bIns="0">
+            <a:normAutofit fontScale="80000"/>
+          </a:bodyPr>
+          <a:p>
+            <a:endParaRPr b="0" lang="en-US" sz="3200" spc="-1" strike="noStrike">
+              <a:latin typeface="Arial"/>
+            </a:endParaRPr>
+          </a:p>
+        </p:txBody>
+      </p:sp>
+      <p:sp>
+        <p:nvSpPr>
+          <p:cNvPr id="74" name="PlaceHolder 5"/>
+          <p:cNvSpPr>
+            <a:spLocks noGrp="1"/>
+          </p:cNvSpPr>
+          <p:nvPr>
+            <p:ph type="body"/>
+          </p:nvPr>
+        </p:nvSpPr>
+        <p:spPr>
+          <a:xfrm>
+            <a:off x="504000" y="3044160"/>
+            <a:ext cx="1425240" cy="1568160"/>
+          </a:xfrm>
+          <a:prstGeom prst="rect">
+            <a:avLst/>
+          </a:prstGeom>
+        </p:spPr>
+        <p:txBody>
+          <a:bodyPr lIns="0" rIns="0" tIns="0" bIns="0">
+            <a:normAutofit fontScale="80000"/>
+          </a:bodyPr>
+          <a:p>
+            <a:endParaRPr b="0" lang="en-US" sz="3200" spc="-1" strike="noStrike">
+              <a:latin typeface="Arial"/>
+            </a:endParaRPr>
+          </a:p>
+        </p:txBody>
+      </p:sp>
+      <p:sp>
+        <p:nvSpPr>
+          <p:cNvPr id="75" name="PlaceHolder 6"/>
+          <p:cNvSpPr>
+            <a:spLocks noGrp="1"/>
+          </p:cNvSpPr>
+          <p:nvPr>
+            <p:ph type="body"/>
+          </p:nvPr>
+        </p:nvSpPr>
+        <p:spPr>
+          <a:xfrm>
+            <a:off x="2000880" y="3044160"/>
+            <a:ext cx="1425240" cy="1568160"/>
+          </a:xfrm>
+          <a:prstGeom prst="rect">
+            <a:avLst/>
+          </a:prstGeom>
+        </p:spPr>
+        <p:txBody>
+          <a:bodyPr lIns="0" rIns="0" tIns="0" bIns="0">
+            <a:normAutofit fontScale="80000"/>
+          </a:bodyPr>
+          <a:p>
+            <a:endParaRPr b="0" lang="en-US" sz="3200" spc="-1" strike="noStrike">
+              <a:latin typeface="Arial"/>
+            </a:endParaRPr>
+          </a:p>
+        </p:txBody>
+      </p:sp>
+      <p:sp>
+        <p:nvSpPr>
+          <p:cNvPr id="76" name="PlaceHolder 7"/>
+          <p:cNvSpPr>
+            <a:spLocks noGrp="1"/>
+          </p:cNvSpPr>
+          <p:nvPr>
+            <p:ph type="body"/>
+          </p:nvPr>
+        </p:nvSpPr>
+        <p:spPr>
+          <a:xfrm>
+            <a:off x="3497760" y="3044160"/>
+            <a:ext cx="1425240" cy="1568160"/>
+          </a:xfrm>
+          <a:prstGeom prst="rect">
+            <a:avLst/>
+          </a:prstGeom>
+        </p:spPr>
+        <p:txBody>
+          <a:bodyPr lIns="0" rIns="0" tIns="0" bIns="0">
+            <a:normAutofit fontScale="80000"/>
+          </a:bodyPr>
+          <a:p>
+            <a:endParaRPr b="0" lang="en-US" sz="3200" spc="-1" strike="noStrike">
+              <a:latin typeface="Arial"/>
+            </a:endParaRPr>
+          </a:p>
+        </p:txBody>
+      </p:sp>
+    </p:spTree>
+  </p:cSld>
+</p:sldLayout>
+</file>
+
+<file path=ppt/slideLayouts/slideLayout25.xml><?xml version="1.0" encoding="utf-8"?>
+<p:sldLayout xmlns:a="http://schemas.openxmlformats.org/drawingml/2006/main" xmlns:p="http://schemas.openxmlformats.org/presentationml/2006/main" xmlns:r="http://schemas.openxmlformats.org/officeDocument/2006/relationships" xmlns:p14="http://schemas.microsoft.com/office/powerpoint/2010/main" xmlns:p15="http://schemas.microsoft.com/office/powerpoint/2012/main" xmlns:mc="http://schemas.openxmlformats.org/markup-compatibility/2006" type="blank" preserve="1">
+  <p:cSld name="Blank Slide">
+    <p:spTree>
+      <p:nvGrpSpPr>
+        <p:cNvPr id="1" name=""/>
+        <p:cNvGrpSpPr/>
+        <p:nvPr/>
+      </p:nvGrpSpPr>
+      <p:grpSpPr>
+        <a:xfrm>
+          <a:off x="0" y="0"/>
+          <a:ext cx="0" cy="0"/>
+          <a:chOff x="0" y="0"/>
+          <a:chExt cx="0" cy="0"/>
+        </a:xfrm>
+      </p:grpSpPr>
+    </p:spTree>
+  </p:cSld>
+</p:sldLayout>
+</file>
+
+<file path=ppt/slideLayouts/slideLayout26.xml><?xml version="1.0" encoding="utf-8"?>
+<p:sldLayout xmlns:a="http://schemas.openxmlformats.org/drawingml/2006/main" xmlns:p="http://schemas.openxmlformats.org/presentationml/2006/main" xmlns:r="http://schemas.openxmlformats.org/officeDocument/2006/relationships" xmlns:p14="http://schemas.microsoft.com/office/powerpoint/2010/main" xmlns:p15="http://schemas.microsoft.com/office/powerpoint/2012/main" xmlns:mc="http://schemas.openxmlformats.org/markup-compatibility/2006" type="tx" preserve="1">
+  <p:cSld name="Title Slide">
+    <p:spTree>
+      <p:nvGrpSpPr>
+        <p:cNvPr id="1" name=""/>
+        <p:cNvGrpSpPr/>
+        <p:nvPr/>
+      </p:nvGrpSpPr>
+      <p:grpSpPr>
+        <a:xfrm>
+          <a:off x="0" y="0"/>
+          <a:ext cx="0" cy="0"/>
+          <a:chOff x="0" y="0"/>
+          <a:chExt cx="0" cy="0"/>
+        </a:xfrm>
+      </p:grpSpPr>
+      <p:sp>
+        <p:nvSpPr>
+          <p:cNvPr id="80" name="PlaceHolder 1"/>
+          <p:cNvSpPr>
+            <a:spLocks noGrp="1"/>
+          </p:cNvSpPr>
+          <p:nvPr>
+            <p:ph type="title"/>
+          </p:nvPr>
+        </p:nvSpPr>
+        <p:spPr>
+          <a:xfrm>
+            <a:off x="504000" y="226080"/>
+            <a:ext cx="9070920" cy="945720"/>
+          </a:xfrm>
+          <a:prstGeom prst="rect">
+            <a:avLst/>
+          </a:prstGeom>
+        </p:spPr>
+        <p:txBody>
+          <a:bodyPr lIns="0" rIns="0" tIns="0" bIns="0" anchor="ctr">
+            <a:noAutofit/>
+          </a:bodyPr>
+          <a:p>
+            <a:pPr algn="ctr"/>
+            <a:endParaRPr b="0" lang="en-US" sz="4400" spc="-1" strike="noStrike">
+              <a:latin typeface="Arial"/>
+            </a:endParaRPr>
+          </a:p>
+        </p:txBody>
+      </p:sp>
+      <p:sp>
+        <p:nvSpPr>
+          <p:cNvPr id="81" name="PlaceHolder 2"/>
+          <p:cNvSpPr>
+            <a:spLocks noGrp="1"/>
+          </p:cNvSpPr>
+          <p:nvPr>
+            <p:ph type="subTitle"/>
+          </p:nvPr>
+        </p:nvSpPr>
+        <p:spPr>
+          <a:xfrm>
+            <a:off x="504000" y="1326600"/>
+            <a:ext cx="4426560" cy="3288240"/>
+          </a:xfrm>
+          <a:prstGeom prst="rect">
+            <a:avLst/>
+          </a:prstGeom>
+        </p:spPr>
+        <p:txBody>
+          <a:bodyPr lIns="0" rIns="0" tIns="0" bIns="0" anchor="ctr">
+            <a:noAutofit/>
+          </a:bodyPr>
+          <a:p>
+            <a:pPr algn="ctr"/>
+            <a:endParaRPr b="0" lang="en-US" sz="3200" spc="-1" strike="noStrike">
+              <a:latin typeface="Arial"/>
+            </a:endParaRPr>
+          </a:p>
+        </p:txBody>
+      </p:sp>
+    </p:spTree>
+  </p:cSld>
+</p:sldLayout>
+</file>
+
+<file path=ppt/slideLayouts/slideLayout27.xml><?xml version="1.0" encoding="utf-8"?>
+<p:sldLayout xmlns:a="http://schemas.openxmlformats.org/drawingml/2006/main" xmlns:p="http://schemas.openxmlformats.org/presentationml/2006/main" xmlns:r="http://schemas.openxmlformats.org/officeDocument/2006/relationships" xmlns:p14="http://schemas.microsoft.com/office/powerpoint/2010/main" xmlns:p15="http://schemas.microsoft.com/office/powerpoint/2012/main" xmlns:mc="http://schemas.openxmlformats.org/markup-compatibility/2006" type="obj" preserve="1">
+  <p:cSld name="Title, Content">
+    <p:spTree>
+      <p:nvGrpSpPr>
+        <p:cNvPr id="1" name=""/>
+        <p:cNvGrpSpPr/>
+        <p:nvPr/>
+      </p:nvGrpSpPr>
+      <p:grpSpPr>
+        <a:xfrm>
+          <a:off x="0" y="0"/>
+          <a:ext cx="0" cy="0"/>
+          <a:chOff x="0" y="0"/>
+          <a:chExt cx="0" cy="0"/>
+        </a:xfrm>
+      </p:grpSpPr>
+      <p:sp>
+        <p:nvSpPr>
+          <p:cNvPr id="82" name="PlaceHolder 1"/>
+          <p:cNvSpPr>
+            <a:spLocks noGrp="1"/>
+          </p:cNvSpPr>
+          <p:nvPr>
+            <p:ph type="title"/>
+          </p:nvPr>
+        </p:nvSpPr>
+        <p:spPr>
+          <a:xfrm>
+            <a:off x="504000" y="226080"/>
+            <a:ext cx="9070920" cy="945720"/>
+          </a:xfrm>
+          <a:prstGeom prst="rect">
+            <a:avLst/>
+          </a:prstGeom>
+        </p:spPr>
+        <p:txBody>
+          <a:bodyPr lIns="0" rIns="0" tIns="0" bIns="0" anchor="ctr">
+            <a:noAutofit/>
+          </a:bodyPr>
+          <a:p>
+            <a:pPr algn="ctr"/>
+            <a:endParaRPr b="0" lang="en-US" sz="4400" spc="-1" strike="noStrike">
+              <a:latin typeface="Arial"/>
+            </a:endParaRPr>
+          </a:p>
+        </p:txBody>
+      </p:sp>
+      <p:sp>
+        <p:nvSpPr>
+          <p:cNvPr id="83" name="PlaceHolder 2"/>
+          <p:cNvSpPr>
+            <a:spLocks noGrp="1"/>
+          </p:cNvSpPr>
+          <p:nvPr>
+            <p:ph type="body"/>
+          </p:nvPr>
+        </p:nvSpPr>
+        <p:spPr>
+          <a:xfrm>
+            <a:off x="504000" y="1326600"/>
+            <a:ext cx="4426560" cy="3288240"/>
+          </a:xfrm>
+          <a:prstGeom prst="rect">
+            <a:avLst/>
+          </a:prstGeom>
+        </p:spPr>
+        <p:txBody>
+          <a:bodyPr lIns="0" rIns="0" tIns="0" bIns="0">
+            <a:normAutofit/>
+          </a:bodyPr>
+          <a:p>
+            <a:endParaRPr b="0" lang="en-US" sz="3200" spc="-1" strike="noStrike">
+              <a:latin typeface="Arial"/>
+            </a:endParaRPr>
+          </a:p>
+        </p:txBody>
+      </p:sp>
+    </p:spTree>
+  </p:cSld>
+</p:sldLayout>
+</file>
+
+<file path=ppt/slideLayouts/slideLayout28.xml><?xml version="1.0" encoding="utf-8"?>
+<p:sldLayout xmlns:a="http://schemas.openxmlformats.org/drawingml/2006/main" xmlns:p="http://schemas.openxmlformats.org/presentationml/2006/main" xmlns:r="http://schemas.openxmlformats.org/officeDocument/2006/relationships" xmlns:p14="http://schemas.microsoft.com/office/powerpoint/2010/main" xmlns:p15="http://schemas.microsoft.com/office/powerpoint/2012/main" xmlns:mc="http://schemas.openxmlformats.org/markup-compatibility/2006" type="twoObj" preserve="1">
+  <p:cSld name="Title, 2 Content">
+    <p:spTree>
+      <p:nvGrpSpPr>
+        <p:cNvPr id="1" name=""/>
+        <p:cNvGrpSpPr/>
+        <p:nvPr/>
+      </p:nvGrpSpPr>
+      <p:grpSpPr>
+        <a:xfrm>
+          <a:off x="0" y="0"/>
+          <a:ext cx="0" cy="0"/>
+          <a:chOff x="0" y="0"/>
+          <a:chExt cx="0" cy="0"/>
+        </a:xfrm>
+      </p:grpSpPr>
+      <p:sp>
+        <p:nvSpPr>
+          <p:cNvPr id="84" name="PlaceHolder 1"/>
+          <p:cNvSpPr>
+            <a:spLocks noGrp="1"/>
+          </p:cNvSpPr>
+          <p:nvPr>
+            <p:ph type="title"/>
+          </p:nvPr>
+        </p:nvSpPr>
+        <p:spPr>
+          <a:xfrm>
+            <a:off x="504000" y="226080"/>
+            <a:ext cx="9070920" cy="945720"/>
+          </a:xfrm>
+          <a:prstGeom prst="rect">
+            <a:avLst/>
+          </a:prstGeom>
+        </p:spPr>
+        <p:txBody>
+          <a:bodyPr lIns="0" rIns="0" tIns="0" bIns="0" anchor="ctr">
+            <a:noAutofit/>
+          </a:bodyPr>
+          <a:p>
+            <a:pPr algn="ctr"/>
+            <a:endParaRPr b="0" lang="en-US" sz="4400" spc="-1" strike="noStrike">
+              <a:latin typeface="Arial"/>
+            </a:endParaRPr>
+          </a:p>
+        </p:txBody>
+      </p:sp>
+      <p:sp>
+        <p:nvSpPr>
+          <p:cNvPr id="85" name="PlaceHolder 2"/>
+          <p:cNvSpPr>
+            <a:spLocks noGrp="1"/>
+          </p:cNvSpPr>
+          <p:nvPr>
+            <p:ph type="body"/>
+          </p:nvPr>
+        </p:nvSpPr>
+        <p:spPr>
+          <a:xfrm>
+            <a:off x="504000" y="1326600"/>
+            <a:ext cx="2160000" cy="3288240"/>
+          </a:xfrm>
+          <a:prstGeom prst="rect">
+            <a:avLst/>
+          </a:prstGeom>
+        </p:spPr>
+        <p:txBody>
+          <a:bodyPr lIns="0" rIns="0" tIns="0" bIns="0">
+            <a:normAutofit/>
+          </a:bodyPr>
+          <a:p>
+            <a:endParaRPr b="0" lang="en-US" sz="3200" spc="-1" strike="noStrike">
+              <a:latin typeface="Arial"/>
+            </a:endParaRPr>
+          </a:p>
+        </p:txBody>
+      </p:sp>
+      <p:sp>
+        <p:nvSpPr>
+          <p:cNvPr id="86" name="PlaceHolder 3"/>
+          <p:cNvSpPr>
+            <a:spLocks noGrp="1"/>
+          </p:cNvSpPr>
+          <p:nvPr>
+            <p:ph type="body"/>
+          </p:nvPr>
+        </p:nvSpPr>
+        <p:spPr>
+          <a:xfrm>
+            <a:off x="2772360" y="1326600"/>
+            <a:ext cx="2160000" cy="3288240"/>
+          </a:xfrm>
+          <a:prstGeom prst="rect">
+            <a:avLst/>
+          </a:prstGeom>
+        </p:spPr>
+        <p:txBody>
+          <a:bodyPr lIns="0" rIns="0" tIns="0" bIns="0">
+            <a:normAutofit/>
+          </a:bodyPr>
+          <a:p>
+            <a:endParaRPr b="0" lang="en-US" sz="3200" spc="-1" strike="noStrike">
+              <a:latin typeface="Arial"/>
+            </a:endParaRPr>
+          </a:p>
+        </p:txBody>
+      </p:sp>
+    </p:spTree>
+  </p:cSld>
+</p:sldLayout>
+</file>
+
+<file path=ppt/slideLayouts/slideLayout29.xml><?xml version="1.0" encoding="utf-8"?>
+<p:sldLayout xmlns:a="http://schemas.openxmlformats.org/drawingml/2006/main" xmlns:p="http://schemas.openxmlformats.org/presentationml/2006/main" xmlns:r="http://schemas.openxmlformats.org/officeDocument/2006/relationships" xmlns:p14="http://schemas.microsoft.com/office/powerpoint/2010/main" xmlns:p15="http://schemas.microsoft.com/office/powerpoint/2012/main" xmlns:mc="http://schemas.openxmlformats.org/markup-compatibility/2006" type="titleOnly" preserve="1">
+  <p:cSld name="Title Only">
+    <p:spTree>
+      <p:nvGrpSpPr>
+        <p:cNvPr id="1" name=""/>
+        <p:cNvGrpSpPr/>
+        <p:nvPr/>
+      </p:nvGrpSpPr>
+      <p:grpSpPr>
+        <a:xfrm>
+          <a:off x="0" y="0"/>
+          <a:ext cx="0" cy="0"/>
+          <a:chOff x="0" y="0"/>
+          <a:chExt cx="0" cy="0"/>
+        </a:xfrm>
+      </p:grpSpPr>
+      <p:sp>
+        <p:nvSpPr>
+          <p:cNvPr id="87" name="PlaceHolder 1"/>
+          <p:cNvSpPr>
+            <a:spLocks noGrp="1"/>
+          </p:cNvSpPr>
+          <p:nvPr>
+            <p:ph type="title"/>
+          </p:nvPr>
+        </p:nvSpPr>
+        <p:spPr>
+          <a:xfrm>
+            <a:off x="504000" y="226080"/>
+            <a:ext cx="9070920" cy="945720"/>
+          </a:xfrm>
+          <a:prstGeom prst="rect">
+            <a:avLst/>
+          </a:prstGeom>
+        </p:spPr>
+        <p:txBody>
+          <a:bodyPr lIns="0" rIns="0" tIns="0" bIns="0" anchor="ctr">
+            <a:noAutofit/>
+          </a:bodyPr>
+          <a:p>
+            <a:pPr algn="ctr"/>
+            <a:endParaRPr b="0" lang="en-US" sz="4400" spc="-1" strike="noStrike">
               <a:latin typeface="Arial"/>
             </a:endParaRPr>
           </a:p>
@@ -661,7 +2374,7 @@
       </p:grpSpPr>
       <p:sp>
         <p:nvSpPr>
-          <p:cNvPr id="4" name="PlaceHolder 1"/>
+          <p:cNvPr id="5" name="PlaceHolder 1"/>
           <p:cNvSpPr>
             <a:spLocks noGrp="1"/>
           </p:cNvSpPr>
@@ -672,7 +2385,7 @@
         <p:spPr>
           <a:xfrm>
             <a:off x="504000" y="226080"/>
-            <a:ext cx="9071280" cy="946080"/>
+            <a:ext cx="9070920" cy="945720"/>
           </a:xfrm>
           <a:prstGeom prst="rect">
             <a:avLst/>
@@ -692,7 +2405,7 @@
       </p:sp>
       <p:sp>
         <p:nvSpPr>
-          <p:cNvPr id="5" name="PlaceHolder 2"/>
+          <p:cNvPr id="6" name="PlaceHolder 2"/>
           <p:cNvSpPr>
             <a:spLocks noGrp="1"/>
           </p:cNvSpPr>
@@ -703,7 +2416,7 @@
         <p:spPr>
           <a:xfrm>
             <a:off x="504000" y="1326600"/>
-            <a:ext cx="9072000" cy="3288600"/>
+            <a:ext cx="4426560" cy="3288240"/>
           </a:xfrm>
           <a:prstGeom prst="rect">
             <a:avLst/>
@@ -712,6 +2425,1007 @@
         <p:txBody>
           <a:bodyPr lIns="0" rIns="0" tIns="0" bIns="0">
             <a:normAutofit/>
+          </a:bodyPr>
+          <a:p>
+            <a:endParaRPr b="0" lang="en-US" sz="3200" spc="-1" strike="noStrike">
+              <a:latin typeface="Arial"/>
+            </a:endParaRPr>
+          </a:p>
+        </p:txBody>
+      </p:sp>
+    </p:spTree>
+  </p:cSld>
+</p:sldLayout>
+</file>
+
+<file path=ppt/slideLayouts/slideLayout30.xml><?xml version="1.0" encoding="utf-8"?>
+<p:sldLayout xmlns:a="http://schemas.openxmlformats.org/drawingml/2006/main" xmlns:p="http://schemas.openxmlformats.org/presentationml/2006/main" xmlns:r="http://schemas.openxmlformats.org/officeDocument/2006/relationships" xmlns:p14="http://schemas.microsoft.com/office/powerpoint/2010/main" xmlns:p15="http://schemas.microsoft.com/office/powerpoint/2012/main" xmlns:mc="http://schemas.openxmlformats.org/markup-compatibility/2006" type="objOnly" preserve="1">
+  <p:cSld name="Centered Text">
+    <p:spTree>
+      <p:nvGrpSpPr>
+        <p:cNvPr id="1" name=""/>
+        <p:cNvGrpSpPr/>
+        <p:nvPr/>
+      </p:nvGrpSpPr>
+      <p:grpSpPr>
+        <a:xfrm>
+          <a:off x="0" y="0"/>
+          <a:ext cx="0" cy="0"/>
+          <a:chOff x="0" y="0"/>
+          <a:chExt cx="0" cy="0"/>
+        </a:xfrm>
+      </p:grpSpPr>
+      <p:sp>
+        <p:nvSpPr>
+          <p:cNvPr id="88" name="PlaceHolder 1"/>
+          <p:cNvSpPr>
+            <a:spLocks noGrp="1"/>
+          </p:cNvSpPr>
+          <p:nvPr>
+            <p:ph type="subTitle"/>
+          </p:nvPr>
+        </p:nvSpPr>
+        <p:spPr>
+          <a:xfrm>
+            <a:off x="504000" y="226080"/>
+            <a:ext cx="9070920" cy="4385160"/>
+          </a:xfrm>
+          <a:prstGeom prst="rect">
+            <a:avLst/>
+          </a:prstGeom>
+        </p:spPr>
+        <p:txBody>
+          <a:bodyPr lIns="0" rIns="0" tIns="0" bIns="0" anchor="ctr">
+            <a:noAutofit/>
+          </a:bodyPr>
+          <a:p>
+            <a:pPr algn="ctr"/>
+            <a:endParaRPr b="0" lang="en-US" sz="3200" spc="-1" strike="noStrike">
+              <a:latin typeface="Arial"/>
+            </a:endParaRPr>
+          </a:p>
+        </p:txBody>
+      </p:sp>
+    </p:spTree>
+  </p:cSld>
+</p:sldLayout>
+</file>
+
+<file path=ppt/slideLayouts/slideLayout31.xml><?xml version="1.0" encoding="utf-8"?>
+<p:sldLayout xmlns:a="http://schemas.openxmlformats.org/drawingml/2006/main" xmlns:p="http://schemas.openxmlformats.org/presentationml/2006/main" xmlns:r="http://schemas.openxmlformats.org/officeDocument/2006/relationships" xmlns:p14="http://schemas.microsoft.com/office/powerpoint/2010/main" xmlns:p15="http://schemas.microsoft.com/office/powerpoint/2012/main" xmlns:mc="http://schemas.openxmlformats.org/markup-compatibility/2006" type="twoObjAndObj" preserve="1">
+  <p:cSld name="Title, 2 Content and Content">
+    <p:spTree>
+      <p:nvGrpSpPr>
+        <p:cNvPr id="1" name=""/>
+        <p:cNvGrpSpPr/>
+        <p:nvPr/>
+      </p:nvGrpSpPr>
+      <p:grpSpPr>
+        <a:xfrm>
+          <a:off x="0" y="0"/>
+          <a:ext cx="0" cy="0"/>
+          <a:chOff x="0" y="0"/>
+          <a:chExt cx="0" cy="0"/>
+        </a:xfrm>
+      </p:grpSpPr>
+      <p:sp>
+        <p:nvSpPr>
+          <p:cNvPr id="89" name="PlaceHolder 1"/>
+          <p:cNvSpPr>
+            <a:spLocks noGrp="1"/>
+          </p:cNvSpPr>
+          <p:nvPr>
+            <p:ph type="title"/>
+          </p:nvPr>
+        </p:nvSpPr>
+        <p:spPr>
+          <a:xfrm>
+            <a:off x="504000" y="226080"/>
+            <a:ext cx="9070920" cy="945720"/>
+          </a:xfrm>
+          <a:prstGeom prst="rect">
+            <a:avLst/>
+          </a:prstGeom>
+        </p:spPr>
+        <p:txBody>
+          <a:bodyPr lIns="0" rIns="0" tIns="0" bIns="0" anchor="ctr">
+            <a:noAutofit/>
+          </a:bodyPr>
+          <a:p>
+            <a:pPr algn="ctr"/>
+            <a:endParaRPr b="0" lang="en-US" sz="4400" spc="-1" strike="noStrike">
+              <a:latin typeface="Arial"/>
+            </a:endParaRPr>
+          </a:p>
+        </p:txBody>
+      </p:sp>
+      <p:sp>
+        <p:nvSpPr>
+          <p:cNvPr id="90" name="PlaceHolder 2"/>
+          <p:cNvSpPr>
+            <a:spLocks noGrp="1"/>
+          </p:cNvSpPr>
+          <p:nvPr>
+            <p:ph type="body"/>
+          </p:nvPr>
+        </p:nvSpPr>
+        <p:spPr>
+          <a:xfrm>
+            <a:off x="504000" y="1326600"/>
+            <a:ext cx="2160000" cy="1568160"/>
+          </a:xfrm>
+          <a:prstGeom prst="rect">
+            <a:avLst/>
+          </a:prstGeom>
+        </p:spPr>
+        <p:txBody>
+          <a:bodyPr lIns="0" rIns="0" tIns="0" bIns="0">
+            <a:normAutofit/>
+          </a:bodyPr>
+          <a:p>
+            <a:endParaRPr b="0" lang="en-US" sz="3200" spc="-1" strike="noStrike">
+              <a:latin typeface="Arial"/>
+            </a:endParaRPr>
+          </a:p>
+        </p:txBody>
+      </p:sp>
+      <p:sp>
+        <p:nvSpPr>
+          <p:cNvPr id="91" name="PlaceHolder 3"/>
+          <p:cNvSpPr>
+            <a:spLocks noGrp="1"/>
+          </p:cNvSpPr>
+          <p:nvPr>
+            <p:ph type="body"/>
+          </p:nvPr>
+        </p:nvSpPr>
+        <p:spPr>
+          <a:xfrm>
+            <a:off x="2772360" y="1326600"/>
+            <a:ext cx="2160000" cy="3288240"/>
+          </a:xfrm>
+          <a:prstGeom prst="rect">
+            <a:avLst/>
+          </a:prstGeom>
+        </p:spPr>
+        <p:txBody>
+          <a:bodyPr lIns="0" rIns="0" tIns="0" bIns="0">
+            <a:normAutofit/>
+          </a:bodyPr>
+          <a:p>
+            <a:endParaRPr b="0" lang="en-US" sz="3200" spc="-1" strike="noStrike">
+              <a:latin typeface="Arial"/>
+            </a:endParaRPr>
+          </a:p>
+        </p:txBody>
+      </p:sp>
+      <p:sp>
+        <p:nvSpPr>
+          <p:cNvPr id="92" name="PlaceHolder 4"/>
+          <p:cNvSpPr>
+            <a:spLocks noGrp="1"/>
+          </p:cNvSpPr>
+          <p:nvPr>
+            <p:ph type="body"/>
+          </p:nvPr>
+        </p:nvSpPr>
+        <p:spPr>
+          <a:xfrm>
+            <a:off x="504000" y="3044160"/>
+            <a:ext cx="2160000" cy="1568160"/>
+          </a:xfrm>
+          <a:prstGeom prst="rect">
+            <a:avLst/>
+          </a:prstGeom>
+        </p:spPr>
+        <p:txBody>
+          <a:bodyPr lIns="0" rIns="0" tIns="0" bIns="0">
+            <a:normAutofit/>
+          </a:bodyPr>
+          <a:p>
+            <a:endParaRPr b="0" lang="en-US" sz="3200" spc="-1" strike="noStrike">
+              <a:latin typeface="Arial"/>
+            </a:endParaRPr>
+          </a:p>
+        </p:txBody>
+      </p:sp>
+    </p:spTree>
+  </p:cSld>
+</p:sldLayout>
+</file>
+
+<file path=ppt/slideLayouts/slideLayout32.xml><?xml version="1.0" encoding="utf-8"?>
+<p:sldLayout xmlns:a="http://schemas.openxmlformats.org/drawingml/2006/main" xmlns:p="http://schemas.openxmlformats.org/presentationml/2006/main" xmlns:r="http://schemas.openxmlformats.org/officeDocument/2006/relationships" xmlns:p14="http://schemas.microsoft.com/office/powerpoint/2010/main" xmlns:p15="http://schemas.microsoft.com/office/powerpoint/2012/main" xmlns:mc="http://schemas.openxmlformats.org/markup-compatibility/2006" type="objAndTwoObj" preserve="1">
+  <p:cSld name="Title Content and 2 Content">
+    <p:spTree>
+      <p:nvGrpSpPr>
+        <p:cNvPr id="1" name=""/>
+        <p:cNvGrpSpPr/>
+        <p:nvPr/>
+      </p:nvGrpSpPr>
+      <p:grpSpPr>
+        <a:xfrm>
+          <a:off x="0" y="0"/>
+          <a:ext cx="0" cy="0"/>
+          <a:chOff x="0" y="0"/>
+          <a:chExt cx="0" cy="0"/>
+        </a:xfrm>
+      </p:grpSpPr>
+      <p:sp>
+        <p:nvSpPr>
+          <p:cNvPr id="93" name="PlaceHolder 1"/>
+          <p:cNvSpPr>
+            <a:spLocks noGrp="1"/>
+          </p:cNvSpPr>
+          <p:nvPr>
+            <p:ph type="title"/>
+          </p:nvPr>
+        </p:nvSpPr>
+        <p:spPr>
+          <a:xfrm>
+            <a:off x="504000" y="226080"/>
+            <a:ext cx="9070920" cy="945720"/>
+          </a:xfrm>
+          <a:prstGeom prst="rect">
+            <a:avLst/>
+          </a:prstGeom>
+        </p:spPr>
+        <p:txBody>
+          <a:bodyPr lIns="0" rIns="0" tIns="0" bIns="0" anchor="ctr">
+            <a:noAutofit/>
+          </a:bodyPr>
+          <a:p>
+            <a:pPr algn="ctr"/>
+            <a:endParaRPr b="0" lang="en-US" sz="4400" spc="-1" strike="noStrike">
+              <a:latin typeface="Arial"/>
+            </a:endParaRPr>
+          </a:p>
+        </p:txBody>
+      </p:sp>
+      <p:sp>
+        <p:nvSpPr>
+          <p:cNvPr id="94" name="PlaceHolder 2"/>
+          <p:cNvSpPr>
+            <a:spLocks noGrp="1"/>
+          </p:cNvSpPr>
+          <p:nvPr>
+            <p:ph type="body"/>
+          </p:nvPr>
+        </p:nvSpPr>
+        <p:spPr>
+          <a:xfrm>
+            <a:off x="504000" y="1326600"/>
+            <a:ext cx="2160000" cy="3288240"/>
+          </a:xfrm>
+          <a:prstGeom prst="rect">
+            <a:avLst/>
+          </a:prstGeom>
+        </p:spPr>
+        <p:txBody>
+          <a:bodyPr lIns="0" rIns="0" tIns="0" bIns="0">
+            <a:normAutofit/>
+          </a:bodyPr>
+          <a:p>
+            <a:endParaRPr b="0" lang="en-US" sz="3200" spc="-1" strike="noStrike">
+              <a:latin typeface="Arial"/>
+            </a:endParaRPr>
+          </a:p>
+        </p:txBody>
+      </p:sp>
+      <p:sp>
+        <p:nvSpPr>
+          <p:cNvPr id="95" name="PlaceHolder 3"/>
+          <p:cNvSpPr>
+            <a:spLocks noGrp="1"/>
+          </p:cNvSpPr>
+          <p:nvPr>
+            <p:ph type="body"/>
+          </p:nvPr>
+        </p:nvSpPr>
+        <p:spPr>
+          <a:xfrm>
+            <a:off x="2772360" y="1326600"/>
+            <a:ext cx="2160000" cy="1568160"/>
+          </a:xfrm>
+          <a:prstGeom prst="rect">
+            <a:avLst/>
+          </a:prstGeom>
+        </p:spPr>
+        <p:txBody>
+          <a:bodyPr lIns="0" rIns="0" tIns="0" bIns="0">
+            <a:normAutofit/>
+          </a:bodyPr>
+          <a:p>
+            <a:endParaRPr b="0" lang="en-US" sz="3200" spc="-1" strike="noStrike">
+              <a:latin typeface="Arial"/>
+            </a:endParaRPr>
+          </a:p>
+        </p:txBody>
+      </p:sp>
+      <p:sp>
+        <p:nvSpPr>
+          <p:cNvPr id="96" name="PlaceHolder 4"/>
+          <p:cNvSpPr>
+            <a:spLocks noGrp="1"/>
+          </p:cNvSpPr>
+          <p:nvPr>
+            <p:ph type="body"/>
+          </p:nvPr>
+        </p:nvSpPr>
+        <p:spPr>
+          <a:xfrm>
+            <a:off x="2772360" y="3044160"/>
+            <a:ext cx="2160000" cy="1568160"/>
+          </a:xfrm>
+          <a:prstGeom prst="rect">
+            <a:avLst/>
+          </a:prstGeom>
+        </p:spPr>
+        <p:txBody>
+          <a:bodyPr lIns="0" rIns="0" tIns="0" bIns="0">
+            <a:normAutofit/>
+          </a:bodyPr>
+          <a:p>
+            <a:endParaRPr b="0" lang="en-US" sz="3200" spc="-1" strike="noStrike">
+              <a:latin typeface="Arial"/>
+            </a:endParaRPr>
+          </a:p>
+        </p:txBody>
+      </p:sp>
+    </p:spTree>
+  </p:cSld>
+</p:sldLayout>
+</file>
+
+<file path=ppt/slideLayouts/slideLayout33.xml><?xml version="1.0" encoding="utf-8"?>
+<p:sldLayout xmlns:a="http://schemas.openxmlformats.org/drawingml/2006/main" xmlns:p="http://schemas.openxmlformats.org/presentationml/2006/main" xmlns:r="http://schemas.openxmlformats.org/officeDocument/2006/relationships" xmlns:p14="http://schemas.microsoft.com/office/powerpoint/2010/main" xmlns:p15="http://schemas.microsoft.com/office/powerpoint/2012/main" xmlns:mc="http://schemas.openxmlformats.org/markup-compatibility/2006" type="twoObjOverTx" preserve="1">
+  <p:cSld name="Title, 2 Content over Content">
+    <p:spTree>
+      <p:nvGrpSpPr>
+        <p:cNvPr id="1" name=""/>
+        <p:cNvGrpSpPr/>
+        <p:nvPr/>
+      </p:nvGrpSpPr>
+      <p:grpSpPr>
+        <a:xfrm>
+          <a:off x="0" y="0"/>
+          <a:ext cx="0" cy="0"/>
+          <a:chOff x="0" y="0"/>
+          <a:chExt cx="0" cy="0"/>
+        </a:xfrm>
+      </p:grpSpPr>
+      <p:sp>
+        <p:nvSpPr>
+          <p:cNvPr id="97" name="PlaceHolder 1"/>
+          <p:cNvSpPr>
+            <a:spLocks noGrp="1"/>
+          </p:cNvSpPr>
+          <p:nvPr>
+            <p:ph type="title"/>
+          </p:nvPr>
+        </p:nvSpPr>
+        <p:spPr>
+          <a:xfrm>
+            <a:off x="504000" y="226080"/>
+            <a:ext cx="9070920" cy="945720"/>
+          </a:xfrm>
+          <a:prstGeom prst="rect">
+            <a:avLst/>
+          </a:prstGeom>
+        </p:spPr>
+        <p:txBody>
+          <a:bodyPr lIns="0" rIns="0" tIns="0" bIns="0" anchor="ctr">
+            <a:noAutofit/>
+          </a:bodyPr>
+          <a:p>
+            <a:pPr algn="ctr"/>
+            <a:endParaRPr b="0" lang="en-US" sz="4400" spc="-1" strike="noStrike">
+              <a:latin typeface="Arial"/>
+            </a:endParaRPr>
+          </a:p>
+        </p:txBody>
+      </p:sp>
+      <p:sp>
+        <p:nvSpPr>
+          <p:cNvPr id="98" name="PlaceHolder 2"/>
+          <p:cNvSpPr>
+            <a:spLocks noGrp="1"/>
+          </p:cNvSpPr>
+          <p:nvPr>
+            <p:ph type="body"/>
+          </p:nvPr>
+        </p:nvSpPr>
+        <p:spPr>
+          <a:xfrm>
+            <a:off x="504000" y="1326600"/>
+            <a:ext cx="2160000" cy="1568160"/>
+          </a:xfrm>
+          <a:prstGeom prst="rect">
+            <a:avLst/>
+          </a:prstGeom>
+        </p:spPr>
+        <p:txBody>
+          <a:bodyPr lIns="0" rIns="0" tIns="0" bIns="0">
+            <a:normAutofit/>
+          </a:bodyPr>
+          <a:p>
+            <a:endParaRPr b="0" lang="en-US" sz="3200" spc="-1" strike="noStrike">
+              <a:latin typeface="Arial"/>
+            </a:endParaRPr>
+          </a:p>
+        </p:txBody>
+      </p:sp>
+      <p:sp>
+        <p:nvSpPr>
+          <p:cNvPr id="99" name="PlaceHolder 3"/>
+          <p:cNvSpPr>
+            <a:spLocks noGrp="1"/>
+          </p:cNvSpPr>
+          <p:nvPr>
+            <p:ph type="body"/>
+          </p:nvPr>
+        </p:nvSpPr>
+        <p:spPr>
+          <a:xfrm>
+            <a:off x="2772360" y="1326600"/>
+            <a:ext cx="2160000" cy="1568160"/>
+          </a:xfrm>
+          <a:prstGeom prst="rect">
+            <a:avLst/>
+          </a:prstGeom>
+        </p:spPr>
+        <p:txBody>
+          <a:bodyPr lIns="0" rIns="0" tIns="0" bIns="0">
+            <a:normAutofit/>
+          </a:bodyPr>
+          <a:p>
+            <a:endParaRPr b="0" lang="en-US" sz="3200" spc="-1" strike="noStrike">
+              <a:latin typeface="Arial"/>
+            </a:endParaRPr>
+          </a:p>
+        </p:txBody>
+      </p:sp>
+      <p:sp>
+        <p:nvSpPr>
+          <p:cNvPr id="100" name="PlaceHolder 4"/>
+          <p:cNvSpPr>
+            <a:spLocks noGrp="1"/>
+          </p:cNvSpPr>
+          <p:nvPr>
+            <p:ph type="body"/>
+          </p:nvPr>
+        </p:nvSpPr>
+        <p:spPr>
+          <a:xfrm>
+            <a:off x="504000" y="3044160"/>
+            <a:ext cx="4426560" cy="1568160"/>
+          </a:xfrm>
+          <a:prstGeom prst="rect">
+            <a:avLst/>
+          </a:prstGeom>
+        </p:spPr>
+        <p:txBody>
+          <a:bodyPr lIns="0" rIns="0" tIns="0" bIns="0">
+            <a:normAutofit/>
+          </a:bodyPr>
+          <a:p>
+            <a:endParaRPr b="0" lang="en-US" sz="3200" spc="-1" strike="noStrike">
+              <a:latin typeface="Arial"/>
+            </a:endParaRPr>
+          </a:p>
+        </p:txBody>
+      </p:sp>
+    </p:spTree>
+  </p:cSld>
+</p:sldLayout>
+</file>
+
+<file path=ppt/slideLayouts/slideLayout34.xml><?xml version="1.0" encoding="utf-8"?>
+<p:sldLayout xmlns:a="http://schemas.openxmlformats.org/drawingml/2006/main" xmlns:p="http://schemas.openxmlformats.org/presentationml/2006/main" xmlns:r="http://schemas.openxmlformats.org/officeDocument/2006/relationships" xmlns:p14="http://schemas.microsoft.com/office/powerpoint/2010/main" xmlns:p15="http://schemas.microsoft.com/office/powerpoint/2012/main" xmlns:mc="http://schemas.openxmlformats.org/markup-compatibility/2006" type="objOverTx" preserve="1">
+  <p:cSld name="Title, Content over Content">
+    <p:spTree>
+      <p:nvGrpSpPr>
+        <p:cNvPr id="1" name=""/>
+        <p:cNvGrpSpPr/>
+        <p:nvPr/>
+      </p:nvGrpSpPr>
+      <p:grpSpPr>
+        <a:xfrm>
+          <a:off x="0" y="0"/>
+          <a:ext cx="0" cy="0"/>
+          <a:chOff x="0" y="0"/>
+          <a:chExt cx="0" cy="0"/>
+        </a:xfrm>
+      </p:grpSpPr>
+      <p:sp>
+        <p:nvSpPr>
+          <p:cNvPr id="101" name="PlaceHolder 1"/>
+          <p:cNvSpPr>
+            <a:spLocks noGrp="1"/>
+          </p:cNvSpPr>
+          <p:nvPr>
+            <p:ph type="title"/>
+          </p:nvPr>
+        </p:nvSpPr>
+        <p:spPr>
+          <a:xfrm>
+            <a:off x="504000" y="226080"/>
+            <a:ext cx="9070920" cy="945720"/>
+          </a:xfrm>
+          <a:prstGeom prst="rect">
+            <a:avLst/>
+          </a:prstGeom>
+        </p:spPr>
+        <p:txBody>
+          <a:bodyPr lIns="0" rIns="0" tIns="0" bIns="0" anchor="ctr">
+            <a:noAutofit/>
+          </a:bodyPr>
+          <a:p>
+            <a:pPr algn="ctr"/>
+            <a:endParaRPr b="0" lang="en-US" sz="4400" spc="-1" strike="noStrike">
+              <a:latin typeface="Arial"/>
+            </a:endParaRPr>
+          </a:p>
+        </p:txBody>
+      </p:sp>
+      <p:sp>
+        <p:nvSpPr>
+          <p:cNvPr id="102" name="PlaceHolder 2"/>
+          <p:cNvSpPr>
+            <a:spLocks noGrp="1"/>
+          </p:cNvSpPr>
+          <p:nvPr>
+            <p:ph type="body"/>
+          </p:nvPr>
+        </p:nvSpPr>
+        <p:spPr>
+          <a:xfrm>
+            <a:off x="504000" y="1326600"/>
+            <a:ext cx="4426560" cy="1568160"/>
+          </a:xfrm>
+          <a:prstGeom prst="rect">
+            <a:avLst/>
+          </a:prstGeom>
+        </p:spPr>
+        <p:txBody>
+          <a:bodyPr lIns="0" rIns="0" tIns="0" bIns="0">
+            <a:normAutofit/>
+          </a:bodyPr>
+          <a:p>
+            <a:endParaRPr b="0" lang="en-US" sz="3200" spc="-1" strike="noStrike">
+              <a:latin typeface="Arial"/>
+            </a:endParaRPr>
+          </a:p>
+        </p:txBody>
+      </p:sp>
+      <p:sp>
+        <p:nvSpPr>
+          <p:cNvPr id="103" name="PlaceHolder 3"/>
+          <p:cNvSpPr>
+            <a:spLocks noGrp="1"/>
+          </p:cNvSpPr>
+          <p:nvPr>
+            <p:ph type="body"/>
+          </p:nvPr>
+        </p:nvSpPr>
+        <p:spPr>
+          <a:xfrm>
+            <a:off x="504000" y="3044160"/>
+            <a:ext cx="4426560" cy="1568160"/>
+          </a:xfrm>
+          <a:prstGeom prst="rect">
+            <a:avLst/>
+          </a:prstGeom>
+        </p:spPr>
+        <p:txBody>
+          <a:bodyPr lIns="0" rIns="0" tIns="0" bIns="0">
+            <a:normAutofit/>
+          </a:bodyPr>
+          <a:p>
+            <a:endParaRPr b="0" lang="en-US" sz="3200" spc="-1" strike="noStrike">
+              <a:latin typeface="Arial"/>
+            </a:endParaRPr>
+          </a:p>
+        </p:txBody>
+      </p:sp>
+    </p:spTree>
+  </p:cSld>
+</p:sldLayout>
+</file>
+
+<file path=ppt/slideLayouts/slideLayout35.xml><?xml version="1.0" encoding="utf-8"?>
+<p:sldLayout xmlns:a="http://schemas.openxmlformats.org/drawingml/2006/main" xmlns:p="http://schemas.openxmlformats.org/presentationml/2006/main" xmlns:r="http://schemas.openxmlformats.org/officeDocument/2006/relationships" xmlns:p14="http://schemas.microsoft.com/office/powerpoint/2010/main" xmlns:p15="http://schemas.microsoft.com/office/powerpoint/2012/main" xmlns:mc="http://schemas.openxmlformats.org/markup-compatibility/2006" type="fourObj" preserve="1">
+  <p:cSld name="Title, 4 Content">
+    <p:spTree>
+      <p:nvGrpSpPr>
+        <p:cNvPr id="1" name=""/>
+        <p:cNvGrpSpPr/>
+        <p:nvPr/>
+      </p:nvGrpSpPr>
+      <p:grpSpPr>
+        <a:xfrm>
+          <a:off x="0" y="0"/>
+          <a:ext cx="0" cy="0"/>
+          <a:chOff x="0" y="0"/>
+          <a:chExt cx="0" cy="0"/>
+        </a:xfrm>
+      </p:grpSpPr>
+      <p:sp>
+        <p:nvSpPr>
+          <p:cNvPr id="104" name="PlaceHolder 1"/>
+          <p:cNvSpPr>
+            <a:spLocks noGrp="1"/>
+          </p:cNvSpPr>
+          <p:nvPr>
+            <p:ph type="title"/>
+          </p:nvPr>
+        </p:nvSpPr>
+        <p:spPr>
+          <a:xfrm>
+            <a:off x="504000" y="226080"/>
+            <a:ext cx="9070920" cy="945720"/>
+          </a:xfrm>
+          <a:prstGeom prst="rect">
+            <a:avLst/>
+          </a:prstGeom>
+        </p:spPr>
+        <p:txBody>
+          <a:bodyPr lIns="0" rIns="0" tIns="0" bIns="0" anchor="ctr">
+            <a:noAutofit/>
+          </a:bodyPr>
+          <a:p>
+            <a:pPr algn="ctr"/>
+            <a:endParaRPr b="0" lang="en-US" sz="4400" spc="-1" strike="noStrike">
+              <a:latin typeface="Arial"/>
+            </a:endParaRPr>
+          </a:p>
+        </p:txBody>
+      </p:sp>
+      <p:sp>
+        <p:nvSpPr>
+          <p:cNvPr id="105" name="PlaceHolder 2"/>
+          <p:cNvSpPr>
+            <a:spLocks noGrp="1"/>
+          </p:cNvSpPr>
+          <p:nvPr>
+            <p:ph type="body"/>
+          </p:nvPr>
+        </p:nvSpPr>
+        <p:spPr>
+          <a:xfrm>
+            <a:off x="504000" y="1326600"/>
+            <a:ext cx="2160000" cy="1568160"/>
+          </a:xfrm>
+          <a:prstGeom prst="rect">
+            <a:avLst/>
+          </a:prstGeom>
+        </p:spPr>
+        <p:txBody>
+          <a:bodyPr lIns="0" rIns="0" tIns="0" bIns="0">
+            <a:normAutofit/>
+          </a:bodyPr>
+          <a:p>
+            <a:endParaRPr b="0" lang="en-US" sz="3200" spc="-1" strike="noStrike">
+              <a:latin typeface="Arial"/>
+            </a:endParaRPr>
+          </a:p>
+        </p:txBody>
+      </p:sp>
+      <p:sp>
+        <p:nvSpPr>
+          <p:cNvPr id="106" name="PlaceHolder 3"/>
+          <p:cNvSpPr>
+            <a:spLocks noGrp="1"/>
+          </p:cNvSpPr>
+          <p:nvPr>
+            <p:ph type="body"/>
+          </p:nvPr>
+        </p:nvSpPr>
+        <p:spPr>
+          <a:xfrm>
+            <a:off x="2772360" y="1326600"/>
+            <a:ext cx="2160000" cy="1568160"/>
+          </a:xfrm>
+          <a:prstGeom prst="rect">
+            <a:avLst/>
+          </a:prstGeom>
+        </p:spPr>
+        <p:txBody>
+          <a:bodyPr lIns="0" rIns="0" tIns="0" bIns="0">
+            <a:normAutofit/>
+          </a:bodyPr>
+          <a:p>
+            <a:endParaRPr b="0" lang="en-US" sz="3200" spc="-1" strike="noStrike">
+              <a:latin typeface="Arial"/>
+            </a:endParaRPr>
+          </a:p>
+        </p:txBody>
+      </p:sp>
+      <p:sp>
+        <p:nvSpPr>
+          <p:cNvPr id="107" name="PlaceHolder 4"/>
+          <p:cNvSpPr>
+            <a:spLocks noGrp="1"/>
+          </p:cNvSpPr>
+          <p:nvPr>
+            <p:ph type="body"/>
+          </p:nvPr>
+        </p:nvSpPr>
+        <p:spPr>
+          <a:xfrm>
+            <a:off x="504000" y="3044160"/>
+            <a:ext cx="2160000" cy="1568160"/>
+          </a:xfrm>
+          <a:prstGeom prst="rect">
+            <a:avLst/>
+          </a:prstGeom>
+        </p:spPr>
+        <p:txBody>
+          <a:bodyPr lIns="0" rIns="0" tIns="0" bIns="0">
+            <a:normAutofit/>
+          </a:bodyPr>
+          <a:p>
+            <a:endParaRPr b="0" lang="en-US" sz="3200" spc="-1" strike="noStrike">
+              <a:latin typeface="Arial"/>
+            </a:endParaRPr>
+          </a:p>
+        </p:txBody>
+      </p:sp>
+      <p:sp>
+        <p:nvSpPr>
+          <p:cNvPr id="108" name="PlaceHolder 5"/>
+          <p:cNvSpPr>
+            <a:spLocks noGrp="1"/>
+          </p:cNvSpPr>
+          <p:nvPr>
+            <p:ph type="body"/>
+          </p:nvPr>
+        </p:nvSpPr>
+        <p:spPr>
+          <a:xfrm>
+            <a:off x="2772360" y="3044160"/>
+            <a:ext cx="2160000" cy="1568160"/>
+          </a:xfrm>
+          <a:prstGeom prst="rect">
+            <a:avLst/>
+          </a:prstGeom>
+        </p:spPr>
+        <p:txBody>
+          <a:bodyPr lIns="0" rIns="0" tIns="0" bIns="0">
+            <a:normAutofit/>
+          </a:bodyPr>
+          <a:p>
+            <a:endParaRPr b="0" lang="en-US" sz="3200" spc="-1" strike="noStrike">
+              <a:latin typeface="Arial"/>
+            </a:endParaRPr>
+          </a:p>
+        </p:txBody>
+      </p:sp>
+    </p:spTree>
+  </p:cSld>
+</p:sldLayout>
+</file>
+
+<file path=ppt/slideLayouts/slideLayout36.xml><?xml version="1.0" encoding="utf-8"?>
+<p:sldLayout xmlns:a="http://schemas.openxmlformats.org/drawingml/2006/main" xmlns:p="http://schemas.openxmlformats.org/presentationml/2006/main" xmlns:r="http://schemas.openxmlformats.org/officeDocument/2006/relationships" xmlns:p14="http://schemas.microsoft.com/office/powerpoint/2010/main" xmlns:p15="http://schemas.microsoft.com/office/powerpoint/2012/main" xmlns:mc="http://schemas.openxmlformats.org/markup-compatibility/2006" type="blank" preserve="1">
+  <p:cSld name="Title, 6 Content">
+    <p:spTree>
+      <p:nvGrpSpPr>
+        <p:cNvPr id="1" name=""/>
+        <p:cNvGrpSpPr/>
+        <p:nvPr/>
+      </p:nvGrpSpPr>
+      <p:grpSpPr>
+        <a:xfrm>
+          <a:off x="0" y="0"/>
+          <a:ext cx="0" cy="0"/>
+          <a:chOff x="0" y="0"/>
+          <a:chExt cx="0" cy="0"/>
+        </a:xfrm>
+      </p:grpSpPr>
+      <p:sp>
+        <p:nvSpPr>
+          <p:cNvPr id="109" name="PlaceHolder 1"/>
+          <p:cNvSpPr>
+            <a:spLocks noGrp="1"/>
+          </p:cNvSpPr>
+          <p:nvPr>
+            <p:ph type="title"/>
+          </p:nvPr>
+        </p:nvSpPr>
+        <p:spPr>
+          <a:xfrm>
+            <a:off x="504000" y="226080"/>
+            <a:ext cx="9070920" cy="945720"/>
+          </a:xfrm>
+          <a:prstGeom prst="rect">
+            <a:avLst/>
+          </a:prstGeom>
+        </p:spPr>
+        <p:txBody>
+          <a:bodyPr lIns="0" rIns="0" tIns="0" bIns="0" anchor="ctr">
+            <a:noAutofit/>
+          </a:bodyPr>
+          <a:p>
+            <a:pPr algn="ctr"/>
+            <a:endParaRPr b="0" lang="en-US" sz="4400" spc="-1" strike="noStrike">
+              <a:latin typeface="Arial"/>
+            </a:endParaRPr>
+          </a:p>
+        </p:txBody>
+      </p:sp>
+      <p:sp>
+        <p:nvSpPr>
+          <p:cNvPr id="110" name="PlaceHolder 2"/>
+          <p:cNvSpPr>
+            <a:spLocks noGrp="1"/>
+          </p:cNvSpPr>
+          <p:nvPr>
+            <p:ph type="body"/>
+          </p:nvPr>
+        </p:nvSpPr>
+        <p:spPr>
+          <a:xfrm>
+            <a:off x="504000" y="1326600"/>
+            <a:ext cx="1425240" cy="1568160"/>
+          </a:xfrm>
+          <a:prstGeom prst="rect">
+            <a:avLst/>
+          </a:prstGeom>
+        </p:spPr>
+        <p:txBody>
+          <a:bodyPr lIns="0" rIns="0" tIns="0" bIns="0">
+            <a:normAutofit fontScale="80000"/>
+          </a:bodyPr>
+          <a:p>
+            <a:endParaRPr b="0" lang="en-US" sz="3200" spc="-1" strike="noStrike">
+              <a:latin typeface="Arial"/>
+            </a:endParaRPr>
+          </a:p>
+        </p:txBody>
+      </p:sp>
+      <p:sp>
+        <p:nvSpPr>
+          <p:cNvPr id="111" name="PlaceHolder 3"/>
+          <p:cNvSpPr>
+            <a:spLocks noGrp="1"/>
+          </p:cNvSpPr>
+          <p:nvPr>
+            <p:ph type="body"/>
+          </p:nvPr>
+        </p:nvSpPr>
+        <p:spPr>
+          <a:xfrm>
+            <a:off x="2000880" y="1326600"/>
+            <a:ext cx="1425240" cy="1568160"/>
+          </a:xfrm>
+          <a:prstGeom prst="rect">
+            <a:avLst/>
+          </a:prstGeom>
+        </p:spPr>
+        <p:txBody>
+          <a:bodyPr lIns="0" rIns="0" tIns="0" bIns="0">
+            <a:normAutofit fontScale="80000"/>
+          </a:bodyPr>
+          <a:p>
+            <a:endParaRPr b="0" lang="en-US" sz="3200" spc="-1" strike="noStrike">
+              <a:latin typeface="Arial"/>
+            </a:endParaRPr>
+          </a:p>
+        </p:txBody>
+      </p:sp>
+      <p:sp>
+        <p:nvSpPr>
+          <p:cNvPr id="112" name="PlaceHolder 4"/>
+          <p:cNvSpPr>
+            <a:spLocks noGrp="1"/>
+          </p:cNvSpPr>
+          <p:nvPr>
+            <p:ph type="body"/>
+          </p:nvPr>
+        </p:nvSpPr>
+        <p:spPr>
+          <a:xfrm>
+            <a:off x="3497760" y="1326600"/>
+            <a:ext cx="1425240" cy="1568160"/>
+          </a:xfrm>
+          <a:prstGeom prst="rect">
+            <a:avLst/>
+          </a:prstGeom>
+        </p:spPr>
+        <p:txBody>
+          <a:bodyPr lIns="0" rIns="0" tIns="0" bIns="0">
+            <a:normAutofit fontScale="80000"/>
+          </a:bodyPr>
+          <a:p>
+            <a:endParaRPr b="0" lang="en-US" sz="3200" spc="-1" strike="noStrike">
+              <a:latin typeface="Arial"/>
+            </a:endParaRPr>
+          </a:p>
+        </p:txBody>
+      </p:sp>
+      <p:sp>
+        <p:nvSpPr>
+          <p:cNvPr id="113" name="PlaceHolder 5"/>
+          <p:cNvSpPr>
+            <a:spLocks noGrp="1"/>
+          </p:cNvSpPr>
+          <p:nvPr>
+            <p:ph type="body"/>
+          </p:nvPr>
+        </p:nvSpPr>
+        <p:spPr>
+          <a:xfrm>
+            <a:off x="504000" y="3044160"/>
+            <a:ext cx="1425240" cy="1568160"/>
+          </a:xfrm>
+          <a:prstGeom prst="rect">
+            <a:avLst/>
+          </a:prstGeom>
+        </p:spPr>
+        <p:txBody>
+          <a:bodyPr lIns="0" rIns="0" tIns="0" bIns="0">
+            <a:normAutofit fontScale="80000"/>
+          </a:bodyPr>
+          <a:p>
+            <a:endParaRPr b="0" lang="en-US" sz="3200" spc="-1" strike="noStrike">
+              <a:latin typeface="Arial"/>
+            </a:endParaRPr>
+          </a:p>
+        </p:txBody>
+      </p:sp>
+      <p:sp>
+        <p:nvSpPr>
+          <p:cNvPr id="114" name="PlaceHolder 6"/>
+          <p:cNvSpPr>
+            <a:spLocks noGrp="1"/>
+          </p:cNvSpPr>
+          <p:nvPr>
+            <p:ph type="body"/>
+          </p:nvPr>
+        </p:nvSpPr>
+        <p:spPr>
+          <a:xfrm>
+            <a:off x="2000880" y="3044160"/>
+            <a:ext cx="1425240" cy="1568160"/>
+          </a:xfrm>
+          <a:prstGeom prst="rect">
+            <a:avLst/>
+          </a:prstGeom>
+        </p:spPr>
+        <p:txBody>
+          <a:bodyPr lIns="0" rIns="0" tIns="0" bIns="0">
+            <a:normAutofit fontScale="80000"/>
+          </a:bodyPr>
+          <a:p>
+            <a:endParaRPr b="0" lang="en-US" sz="3200" spc="-1" strike="noStrike">
+              <a:latin typeface="Arial"/>
+            </a:endParaRPr>
+          </a:p>
+        </p:txBody>
+      </p:sp>
+      <p:sp>
+        <p:nvSpPr>
+          <p:cNvPr id="115" name="PlaceHolder 7"/>
+          <p:cNvSpPr>
+            <a:spLocks noGrp="1"/>
+          </p:cNvSpPr>
+          <p:nvPr>
+            <p:ph type="body"/>
+          </p:nvPr>
+        </p:nvSpPr>
+        <p:spPr>
+          <a:xfrm>
+            <a:off x="3497760" y="3044160"/>
+            <a:ext cx="1425240" cy="1568160"/>
+          </a:xfrm>
+          <a:prstGeom prst="rect">
+            <a:avLst/>
+          </a:prstGeom>
+        </p:spPr>
+        <p:txBody>
+          <a:bodyPr lIns="0" rIns="0" tIns="0" bIns="0">
+            <a:normAutofit fontScale="80000"/>
           </a:bodyPr>
           <a:p>
             <a:endParaRPr b="0" lang="en-US" sz="3200" spc="-1" strike="noStrike">
@@ -744,7 +3458,7 @@
       </p:grpSpPr>
       <p:sp>
         <p:nvSpPr>
-          <p:cNvPr id="6" name="PlaceHolder 1"/>
+          <p:cNvPr id="7" name="PlaceHolder 1"/>
           <p:cNvSpPr>
             <a:spLocks noGrp="1"/>
           </p:cNvSpPr>
@@ -755,7 +3469,7 @@
         <p:spPr>
           <a:xfrm>
             <a:off x="504000" y="226080"/>
-            <a:ext cx="9071280" cy="946080"/>
+            <a:ext cx="9070920" cy="945720"/>
           </a:xfrm>
           <a:prstGeom prst="rect">
             <a:avLst/>
@@ -775,7 +3489,7 @@
       </p:sp>
       <p:sp>
         <p:nvSpPr>
-          <p:cNvPr id="7" name="PlaceHolder 2"/>
+          <p:cNvPr id="8" name="PlaceHolder 2"/>
           <p:cNvSpPr>
             <a:spLocks noGrp="1"/>
           </p:cNvSpPr>
@@ -786,7 +3500,7 @@
         <p:spPr>
           <a:xfrm>
             <a:off x="504000" y="1326600"/>
-            <a:ext cx="4426920" cy="3288600"/>
+            <a:ext cx="2160000" cy="3288240"/>
           </a:xfrm>
           <a:prstGeom prst="rect">
             <a:avLst/>
@@ -805,7 +3519,7 @@
       </p:sp>
       <p:sp>
         <p:nvSpPr>
-          <p:cNvPr id="8" name="PlaceHolder 3"/>
+          <p:cNvPr id="9" name="PlaceHolder 3"/>
           <p:cNvSpPr>
             <a:spLocks noGrp="1"/>
           </p:cNvSpPr>
@@ -815,8 +3529,8 @@
         </p:nvSpPr>
         <p:spPr>
           <a:xfrm>
-            <a:off x="5152680" y="1326600"/>
-            <a:ext cx="4426920" cy="3288600"/>
+            <a:off x="2772360" y="1326600"/>
+            <a:ext cx="2160000" cy="3288240"/>
           </a:xfrm>
           <a:prstGeom prst="rect">
             <a:avLst/>
@@ -857,7 +3571,7 @@
       </p:grpSpPr>
       <p:sp>
         <p:nvSpPr>
-          <p:cNvPr id="9" name="PlaceHolder 1"/>
+          <p:cNvPr id="10" name="PlaceHolder 1"/>
           <p:cNvSpPr>
             <a:spLocks noGrp="1"/>
           </p:cNvSpPr>
@@ -868,7 +3582,7 @@
         <p:spPr>
           <a:xfrm>
             <a:off x="504000" y="226080"/>
-            <a:ext cx="9071280" cy="946080"/>
+            <a:ext cx="9070920" cy="945720"/>
           </a:xfrm>
           <a:prstGeom prst="rect">
             <a:avLst/>
@@ -910,7 +3624,7 @@
       </p:grpSpPr>
       <p:sp>
         <p:nvSpPr>
-          <p:cNvPr id="10" name="PlaceHolder 1"/>
+          <p:cNvPr id="11" name="PlaceHolder 1"/>
           <p:cNvSpPr>
             <a:spLocks noGrp="1"/>
           </p:cNvSpPr>
@@ -921,7 +3635,7 @@
         <p:spPr>
           <a:xfrm>
             <a:off x="504000" y="226080"/>
-            <a:ext cx="9071280" cy="4386600"/>
+            <a:ext cx="9070920" cy="4385160"/>
           </a:xfrm>
           <a:prstGeom prst="rect">
             <a:avLst/>
@@ -963,7 +3677,7 @@
       </p:grpSpPr>
       <p:sp>
         <p:nvSpPr>
-          <p:cNvPr id="11" name="PlaceHolder 1"/>
+          <p:cNvPr id="12" name="PlaceHolder 1"/>
           <p:cNvSpPr>
             <a:spLocks noGrp="1"/>
           </p:cNvSpPr>
@@ -974,7 +3688,7 @@
         <p:spPr>
           <a:xfrm>
             <a:off x="504000" y="226080"/>
-            <a:ext cx="9071280" cy="946080"/>
+            <a:ext cx="9070920" cy="945720"/>
           </a:xfrm>
           <a:prstGeom prst="rect">
             <a:avLst/>
@@ -994,7 +3708,7 @@
       </p:sp>
       <p:sp>
         <p:nvSpPr>
-          <p:cNvPr id="12" name="PlaceHolder 2"/>
+          <p:cNvPr id="13" name="PlaceHolder 2"/>
           <p:cNvSpPr>
             <a:spLocks noGrp="1"/>
           </p:cNvSpPr>
@@ -1005,7 +3719,7 @@
         <p:spPr>
           <a:xfrm>
             <a:off x="504000" y="1326600"/>
-            <a:ext cx="4426920" cy="1568520"/>
+            <a:ext cx="2160000" cy="1568160"/>
           </a:xfrm>
           <a:prstGeom prst="rect">
             <a:avLst/>
@@ -1024,7 +3738,7 @@
       </p:sp>
       <p:sp>
         <p:nvSpPr>
-          <p:cNvPr id="13" name="PlaceHolder 3"/>
+          <p:cNvPr id="14" name="PlaceHolder 3"/>
           <p:cNvSpPr>
             <a:spLocks noGrp="1"/>
           </p:cNvSpPr>
@@ -1034,8 +3748,8 @@
         </p:nvSpPr>
         <p:spPr>
           <a:xfrm>
-            <a:off x="5152680" y="1326600"/>
-            <a:ext cx="4426920" cy="3288600"/>
+            <a:off x="2772360" y="1326600"/>
+            <a:ext cx="2160000" cy="3288240"/>
           </a:xfrm>
           <a:prstGeom prst="rect">
             <a:avLst/>
@@ -1054,7 +3768,7 @@
       </p:sp>
       <p:sp>
         <p:nvSpPr>
-          <p:cNvPr id="14" name="PlaceHolder 4"/>
+          <p:cNvPr id="15" name="PlaceHolder 4"/>
           <p:cNvSpPr>
             <a:spLocks noGrp="1"/>
           </p:cNvSpPr>
@@ -1064,8 +3778,8 @@
         </p:nvSpPr>
         <p:spPr>
           <a:xfrm>
-            <a:off x="504000" y="3044520"/>
-            <a:ext cx="4426920" cy="1568520"/>
+            <a:off x="504000" y="3044160"/>
+            <a:ext cx="2160000" cy="1568160"/>
           </a:xfrm>
           <a:prstGeom prst="rect">
             <a:avLst/>
@@ -1106,7 +3820,7 @@
       </p:grpSpPr>
       <p:sp>
         <p:nvSpPr>
-          <p:cNvPr id="15" name="PlaceHolder 1"/>
+          <p:cNvPr id="16" name="PlaceHolder 1"/>
           <p:cNvSpPr>
             <a:spLocks noGrp="1"/>
           </p:cNvSpPr>
@@ -1117,7 +3831,7 @@
         <p:spPr>
           <a:xfrm>
             <a:off x="504000" y="226080"/>
-            <a:ext cx="9071280" cy="946080"/>
+            <a:ext cx="9070920" cy="945720"/>
           </a:xfrm>
           <a:prstGeom prst="rect">
             <a:avLst/>
@@ -1137,7 +3851,7 @@
       </p:sp>
       <p:sp>
         <p:nvSpPr>
-          <p:cNvPr id="16" name="PlaceHolder 2"/>
+          <p:cNvPr id="17" name="PlaceHolder 2"/>
           <p:cNvSpPr>
             <a:spLocks noGrp="1"/>
           </p:cNvSpPr>
@@ -1148,7 +3862,7 @@
         <p:spPr>
           <a:xfrm>
             <a:off x="504000" y="1326600"/>
-            <a:ext cx="4426920" cy="3288600"/>
+            <a:ext cx="2160000" cy="3288240"/>
           </a:xfrm>
           <a:prstGeom prst="rect">
             <a:avLst/>
@@ -1167,7 +3881,7 @@
       </p:sp>
       <p:sp>
         <p:nvSpPr>
-          <p:cNvPr id="17" name="PlaceHolder 3"/>
+          <p:cNvPr id="18" name="PlaceHolder 3"/>
           <p:cNvSpPr>
             <a:spLocks noGrp="1"/>
           </p:cNvSpPr>
@@ -1177,8 +3891,8 @@
         </p:nvSpPr>
         <p:spPr>
           <a:xfrm>
-            <a:off x="5152680" y="1326600"/>
-            <a:ext cx="4426920" cy="1568520"/>
+            <a:off x="2772360" y="1326600"/>
+            <a:ext cx="2160000" cy="1568160"/>
           </a:xfrm>
           <a:prstGeom prst="rect">
             <a:avLst/>
@@ -1197,7 +3911,7 @@
       </p:sp>
       <p:sp>
         <p:nvSpPr>
-          <p:cNvPr id="18" name="PlaceHolder 4"/>
+          <p:cNvPr id="19" name="PlaceHolder 4"/>
           <p:cNvSpPr>
             <a:spLocks noGrp="1"/>
           </p:cNvSpPr>
@@ -1207,8 +3921,8 @@
         </p:nvSpPr>
         <p:spPr>
           <a:xfrm>
-            <a:off x="5152680" y="3044520"/>
-            <a:ext cx="4426920" cy="1568520"/>
+            <a:off x="2772360" y="3044160"/>
+            <a:ext cx="2160000" cy="1568160"/>
           </a:xfrm>
           <a:prstGeom prst="rect">
             <a:avLst/>
@@ -1249,7 +3963,7 @@
       </p:grpSpPr>
       <p:sp>
         <p:nvSpPr>
-          <p:cNvPr id="19" name="PlaceHolder 1"/>
+          <p:cNvPr id="20" name="PlaceHolder 1"/>
           <p:cNvSpPr>
             <a:spLocks noGrp="1"/>
           </p:cNvSpPr>
@@ -1260,7 +3974,7 @@
         <p:spPr>
           <a:xfrm>
             <a:off x="504000" y="226080"/>
-            <a:ext cx="9071280" cy="946080"/>
+            <a:ext cx="9070920" cy="945720"/>
           </a:xfrm>
           <a:prstGeom prst="rect">
             <a:avLst/>
@@ -1280,7 +3994,7 @@
       </p:sp>
       <p:sp>
         <p:nvSpPr>
-          <p:cNvPr id="20" name="PlaceHolder 2"/>
+          <p:cNvPr id="21" name="PlaceHolder 2"/>
           <p:cNvSpPr>
             <a:spLocks noGrp="1"/>
           </p:cNvSpPr>
@@ -1291,7 +4005,7 @@
         <p:spPr>
           <a:xfrm>
             <a:off x="504000" y="1326600"/>
-            <a:ext cx="4426920" cy="1568520"/>
+            <a:ext cx="2160000" cy="1568160"/>
           </a:xfrm>
           <a:prstGeom prst="rect">
             <a:avLst/>
@@ -1310,7 +4024,7 @@
       </p:sp>
       <p:sp>
         <p:nvSpPr>
-          <p:cNvPr id="21" name="PlaceHolder 3"/>
+          <p:cNvPr id="22" name="PlaceHolder 3"/>
           <p:cNvSpPr>
             <a:spLocks noGrp="1"/>
           </p:cNvSpPr>
@@ -1320,8 +4034,8 @@
         </p:nvSpPr>
         <p:spPr>
           <a:xfrm>
-            <a:off x="5152680" y="1326600"/>
-            <a:ext cx="4426920" cy="1568520"/>
+            <a:off x="2772360" y="1326600"/>
+            <a:ext cx="2160000" cy="1568160"/>
           </a:xfrm>
           <a:prstGeom prst="rect">
             <a:avLst/>
@@ -1340,7 +4054,7 @@
       </p:sp>
       <p:sp>
         <p:nvSpPr>
-          <p:cNvPr id="22" name="PlaceHolder 4"/>
+          <p:cNvPr id="23" name="PlaceHolder 4"/>
           <p:cNvSpPr>
             <a:spLocks noGrp="1"/>
           </p:cNvSpPr>
@@ -1350,8 +4064,8 @@
         </p:nvSpPr>
         <p:spPr>
           <a:xfrm>
-            <a:off x="504000" y="3044520"/>
-            <a:ext cx="9072000" cy="1568520"/>
+            <a:off x="504000" y="3044160"/>
+            <a:ext cx="4426560" cy="1568160"/>
           </a:xfrm>
           <a:prstGeom prst="rect">
             <a:avLst/>
@@ -1403,7 +4117,7 @@
         <p:spPr>
           <a:xfrm>
             <a:off x="504000" y="226080"/>
-            <a:ext cx="9071280" cy="946080"/>
+            <a:ext cx="9070920" cy="945720"/>
           </a:xfrm>
           <a:prstGeom prst="rect">
             <a:avLst/>
@@ -1440,7 +4154,7 @@
         <p:spPr>
           <a:xfrm>
             <a:off x="504000" y="1326600"/>
-            <a:ext cx="9072000" cy="3288600"/>
+            <a:ext cx="9071640" cy="1568160"/>
           </a:xfrm>
           <a:prstGeom prst="rect">
             <a:avLst/>
@@ -1448,32 +4162,32 @@
         </p:spPr>
         <p:txBody>
           <a:bodyPr lIns="0" rIns="0" tIns="0" bIns="0">
-            <a:normAutofit/>
-          </a:bodyPr>
-          <a:p>
-            <a:pPr marL="432000" indent="-324000">
-              <a:spcBef>
-                <a:spcPts val="1417"/>
-              </a:spcBef>
-              <a:buClr>
-                <a:srgbClr val="000000"/>
-              </a:buClr>
-              <a:buSzPct val="45000"/>
-              <a:buFont typeface="Wingdings" charset="2"/>
-              <a:buChar char=""/>
-            </a:pPr>
-            <a:r>
-              <a:rPr b="0" lang="en-US" sz="3200" spc="-1" strike="noStrike">
+            <a:normAutofit fontScale="53000"/>
+          </a:bodyPr>
+          <a:p>
+            <a:pPr marL="432000" indent="-324000" algn="ctr">
+              <a:spcBef>
+                <a:spcPts val="1417"/>
+              </a:spcBef>
+              <a:buClr>
+                <a:srgbClr val="000000"/>
+              </a:buClr>
+              <a:buSzPct val="45000"/>
+              <a:buFont typeface="Wingdings" charset="2"/>
+              <a:buChar char=""/>
+            </a:pPr>
+            <a:r>
+              <a:rPr b="0" lang="en-US" sz="1800" spc="-1" strike="noStrike">
                 <a:latin typeface="Arial"/>
               </a:rPr>
               <a:t>Click to edit the outline text format</a:t>
             </a:r>
-            <a:endParaRPr b="0" lang="en-US" sz="3200" spc="-1" strike="noStrike">
-              <a:latin typeface="Arial"/>
-            </a:endParaRPr>
-          </a:p>
-          <a:p>
-            <a:pPr lvl="1" marL="864000" indent="-324000">
+            <a:endParaRPr b="0" lang="en-US" sz="1800" spc="-1" strike="noStrike">
+              <a:latin typeface="Arial"/>
+            </a:endParaRPr>
+          </a:p>
+          <a:p>
+            <a:pPr lvl="1" marL="864000" indent="-324000" algn="ctr">
               <a:spcBef>
                 <a:spcPts val="1134"/>
               </a:spcBef>
@@ -1485,17 +4199,17 @@
               <a:buChar char=""/>
             </a:pPr>
             <a:r>
-              <a:rPr b="0" lang="en-US" sz="2800" spc="-1" strike="noStrike">
+              <a:rPr b="0" lang="en-US" sz="1800" spc="-1" strike="noStrike">
                 <a:latin typeface="Arial"/>
               </a:rPr>
               <a:t>Second Outline Level</a:t>
             </a:r>
-            <a:endParaRPr b="0" lang="en-US" sz="2800" spc="-1" strike="noStrike">
-              <a:latin typeface="Arial"/>
-            </a:endParaRPr>
-          </a:p>
-          <a:p>
-            <a:pPr lvl="2" marL="1296000" indent="-288000">
+            <a:endParaRPr b="0" lang="en-US" sz="1800" spc="-1" strike="noStrike">
+              <a:latin typeface="Arial"/>
+            </a:endParaRPr>
+          </a:p>
+          <a:p>
+            <a:pPr lvl="2" marL="1296000" indent="-288000" algn="ctr">
               <a:spcBef>
                 <a:spcPts val="850"/>
               </a:spcBef>
@@ -1507,17 +4221,17 @@
               <a:buChar char=""/>
             </a:pPr>
             <a:r>
-              <a:rPr b="0" lang="en-US" sz="2400" spc="-1" strike="noStrike">
+              <a:rPr b="0" lang="en-US" sz="1800" spc="-1" strike="noStrike">
                 <a:latin typeface="Arial"/>
               </a:rPr>
               <a:t>Third Outline Level</a:t>
             </a:r>
-            <a:endParaRPr b="0" lang="en-US" sz="2400" spc="-1" strike="noStrike">
-              <a:latin typeface="Arial"/>
-            </a:endParaRPr>
-          </a:p>
-          <a:p>
-            <a:pPr lvl="3" marL="1728000" indent="-216000">
+            <a:endParaRPr b="0" lang="en-US" sz="1800" spc="-1" strike="noStrike">
+              <a:latin typeface="Arial"/>
+            </a:endParaRPr>
+          </a:p>
+          <a:p>
+            <a:pPr lvl="3" marL="1728000" indent="-216000" algn="ctr">
               <a:spcBef>
                 <a:spcPts val="567"/>
               </a:spcBef>
@@ -1529,17 +4243,17 @@
               <a:buChar char=""/>
             </a:pPr>
             <a:r>
-              <a:rPr b="0" lang="en-US" sz="2000" spc="-1" strike="noStrike">
+              <a:rPr b="0" lang="en-US" sz="1800" spc="-1" strike="noStrike">
                 <a:latin typeface="Arial"/>
               </a:rPr>
               <a:t>Fourth Outline Level</a:t>
             </a:r>
-            <a:endParaRPr b="0" lang="en-US" sz="2000" spc="-1" strike="noStrike">
-              <a:latin typeface="Arial"/>
-            </a:endParaRPr>
-          </a:p>
-          <a:p>
-            <a:pPr lvl="4" marL="2160000" indent="-216000">
+            <a:endParaRPr b="0" lang="en-US" sz="1800" spc="-1" strike="noStrike">
+              <a:latin typeface="Arial"/>
+            </a:endParaRPr>
+          </a:p>
+          <a:p>
+            <a:pPr lvl="4" marL="2160000" indent="-216000" algn="ctr">
               <a:spcBef>
                 <a:spcPts val="283"/>
               </a:spcBef>
@@ -1551,17 +4265,17 @@
               <a:buChar char=""/>
             </a:pPr>
             <a:r>
-              <a:rPr b="0" lang="en-US" sz="2000" spc="-1" strike="noStrike">
+              <a:rPr b="0" lang="en-US" sz="1800" spc="-1" strike="noStrike">
                 <a:latin typeface="Arial"/>
               </a:rPr>
               <a:t>Fifth Outline Level</a:t>
             </a:r>
-            <a:endParaRPr b="0" lang="en-US" sz="2000" spc="-1" strike="noStrike">
-              <a:latin typeface="Arial"/>
-            </a:endParaRPr>
-          </a:p>
-          <a:p>
-            <a:pPr lvl="5" marL="2592000" indent="-216000">
+            <a:endParaRPr b="0" lang="en-US" sz="1800" spc="-1" strike="noStrike">
+              <a:latin typeface="Arial"/>
+            </a:endParaRPr>
+          </a:p>
+          <a:p>
+            <a:pPr lvl="5" marL="2592000" indent="-216000" algn="ctr">
               <a:spcBef>
                 <a:spcPts val="283"/>
               </a:spcBef>
@@ -1573,17 +4287,17 @@
               <a:buChar char=""/>
             </a:pPr>
             <a:r>
-              <a:rPr b="0" lang="en-US" sz="2000" spc="-1" strike="noStrike">
+              <a:rPr b="0" lang="en-US" sz="1800" spc="-1" strike="noStrike">
                 <a:latin typeface="Arial"/>
               </a:rPr>
               <a:t>Sixth Outline Level</a:t>
             </a:r>
-            <a:endParaRPr b="0" lang="en-US" sz="2000" spc="-1" strike="noStrike">
-              <a:latin typeface="Arial"/>
-            </a:endParaRPr>
-          </a:p>
-          <a:p>
-            <a:pPr lvl="6" marL="3024000" indent="-216000">
+            <a:endParaRPr b="0" lang="en-US" sz="1800" spc="-1" strike="noStrike">
+              <a:latin typeface="Arial"/>
+            </a:endParaRPr>
+          </a:p>
+          <a:p>
+            <a:pPr lvl="6" marL="3024000" indent="-216000" algn="ctr">
               <a:spcBef>
                 <a:spcPts val="283"/>
               </a:spcBef>
@@ -1595,12 +4309,191 @@
               <a:buChar char=""/>
             </a:pPr>
             <a:r>
-              <a:rPr b="0" lang="en-US" sz="2000" spc="-1" strike="noStrike">
+              <a:rPr b="0" lang="en-US" sz="1800" spc="-1" strike="noStrike">
                 <a:latin typeface="Arial"/>
               </a:rPr>
               <a:t>Seventh Outline Level</a:t>
             </a:r>
-            <a:endParaRPr b="0" lang="en-US" sz="2000" spc="-1" strike="noStrike">
+            <a:endParaRPr b="0" lang="en-US" sz="1800" spc="-1" strike="noStrike">
+              <a:latin typeface="Arial"/>
+            </a:endParaRPr>
+          </a:p>
+        </p:txBody>
+      </p:sp>
+      <p:sp>
+        <p:nvSpPr>
+          <p:cNvPr id="2" name="PlaceHolder 3"/>
+          <p:cNvSpPr>
+            <a:spLocks noGrp="1"/>
+          </p:cNvSpPr>
+          <p:nvPr>
+            <p:ph type="body"/>
+          </p:nvPr>
+        </p:nvSpPr>
+        <p:spPr>
+          <a:xfrm>
+            <a:off x="504000" y="3044520"/>
+            <a:ext cx="9071640" cy="1568160"/>
+          </a:xfrm>
+          <a:prstGeom prst="rect">
+            <a:avLst/>
+          </a:prstGeom>
+        </p:spPr>
+        <p:txBody>
+          <a:bodyPr lIns="0" rIns="0" tIns="0" bIns="0">
+            <a:normAutofit fontScale="53000"/>
+          </a:bodyPr>
+          <a:p>
+            <a:pPr marL="432000" indent="-324000" algn="ctr">
+              <a:spcBef>
+                <a:spcPts val="1417"/>
+              </a:spcBef>
+              <a:buClr>
+                <a:srgbClr val="000000"/>
+              </a:buClr>
+              <a:buSzPct val="45000"/>
+              <a:buFont typeface="Wingdings" charset="2"/>
+              <a:buChar char=""/>
+            </a:pPr>
+            <a:r>
+              <a:rPr b="0" lang="en-US" sz="1800" spc="-1" strike="noStrike">
+                <a:latin typeface="Arial"/>
+              </a:rPr>
+              <a:t>Click to edit the outline text format</a:t>
+            </a:r>
+            <a:endParaRPr b="0" lang="en-US" sz="1800" spc="-1" strike="noStrike">
+              <a:latin typeface="Arial"/>
+            </a:endParaRPr>
+          </a:p>
+          <a:p>
+            <a:pPr lvl="1" marL="864000" indent="-324000" algn="ctr">
+              <a:spcBef>
+                <a:spcPts val="1134"/>
+              </a:spcBef>
+              <a:buClr>
+                <a:srgbClr val="000000"/>
+              </a:buClr>
+              <a:buSzPct val="75000"/>
+              <a:buFont typeface="Symbol" charset="2"/>
+              <a:buChar char=""/>
+            </a:pPr>
+            <a:r>
+              <a:rPr b="0" lang="en-US" sz="1800" spc="-1" strike="noStrike">
+                <a:latin typeface="Arial"/>
+              </a:rPr>
+              <a:t>Second Outline Level</a:t>
+            </a:r>
+            <a:endParaRPr b="0" lang="en-US" sz="1800" spc="-1" strike="noStrike">
+              <a:latin typeface="Arial"/>
+            </a:endParaRPr>
+          </a:p>
+          <a:p>
+            <a:pPr lvl="2" marL="1296000" indent="-288000" algn="ctr">
+              <a:spcBef>
+                <a:spcPts val="850"/>
+              </a:spcBef>
+              <a:buClr>
+                <a:srgbClr val="000000"/>
+              </a:buClr>
+              <a:buSzPct val="45000"/>
+              <a:buFont typeface="Wingdings" charset="2"/>
+              <a:buChar char=""/>
+            </a:pPr>
+            <a:r>
+              <a:rPr b="0" lang="en-US" sz="1800" spc="-1" strike="noStrike">
+                <a:latin typeface="Arial"/>
+              </a:rPr>
+              <a:t>Third Outline Level</a:t>
+            </a:r>
+            <a:endParaRPr b="0" lang="en-US" sz="1800" spc="-1" strike="noStrike">
+              <a:latin typeface="Arial"/>
+            </a:endParaRPr>
+          </a:p>
+          <a:p>
+            <a:pPr lvl="3" marL="1728000" indent="-216000" algn="ctr">
+              <a:spcBef>
+                <a:spcPts val="567"/>
+              </a:spcBef>
+              <a:buClr>
+                <a:srgbClr val="000000"/>
+              </a:buClr>
+              <a:buSzPct val="75000"/>
+              <a:buFont typeface="Symbol" charset="2"/>
+              <a:buChar char=""/>
+            </a:pPr>
+            <a:r>
+              <a:rPr b="0" lang="en-US" sz="1800" spc="-1" strike="noStrike">
+                <a:latin typeface="Arial"/>
+              </a:rPr>
+              <a:t>Fourth Outline Level</a:t>
+            </a:r>
+            <a:endParaRPr b="0" lang="en-US" sz="1800" spc="-1" strike="noStrike">
+              <a:latin typeface="Arial"/>
+            </a:endParaRPr>
+          </a:p>
+          <a:p>
+            <a:pPr lvl="4" marL="2160000" indent="-216000" algn="ctr">
+              <a:spcBef>
+                <a:spcPts val="283"/>
+              </a:spcBef>
+              <a:buClr>
+                <a:srgbClr val="000000"/>
+              </a:buClr>
+              <a:buSzPct val="45000"/>
+              <a:buFont typeface="Wingdings" charset="2"/>
+              <a:buChar char=""/>
+            </a:pPr>
+            <a:r>
+              <a:rPr b="0" lang="en-US" sz="1800" spc="-1" strike="noStrike">
+                <a:latin typeface="Arial"/>
+              </a:rPr>
+              <a:t>Fifth Outline Level</a:t>
+            </a:r>
+            <a:endParaRPr b="0" lang="en-US" sz="1800" spc="-1" strike="noStrike">
+              <a:latin typeface="Arial"/>
+            </a:endParaRPr>
+          </a:p>
+          <a:p>
+            <a:pPr lvl="5" marL="2592000" indent="-216000" algn="ctr">
+              <a:spcBef>
+                <a:spcPts val="283"/>
+              </a:spcBef>
+              <a:buClr>
+                <a:srgbClr val="000000"/>
+              </a:buClr>
+              <a:buSzPct val="45000"/>
+              <a:buFont typeface="Wingdings" charset="2"/>
+              <a:buChar char=""/>
+            </a:pPr>
+            <a:r>
+              <a:rPr b="0" lang="en-US" sz="1800" spc="-1" strike="noStrike">
+                <a:latin typeface="Arial"/>
+              </a:rPr>
+              <a:t>Sixth Outline Level</a:t>
+            </a:r>
+            <a:endParaRPr b="0" lang="en-US" sz="1800" spc="-1" strike="noStrike">
+              <a:latin typeface="Arial"/>
+            </a:endParaRPr>
+          </a:p>
+          <a:p>
+            <a:pPr lvl="6" marL="3024000" indent="-216000" algn="ctr">
+              <a:spcBef>
+                <a:spcPts val="283"/>
+              </a:spcBef>
+              <a:buClr>
+                <a:srgbClr val="000000"/>
+              </a:buClr>
+              <a:buSzPct val="45000"/>
+              <a:buFont typeface="Wingdings" charset="2"/>
+              <a:buChar char=""/>
+            </a:pPr>
+            <a:r>
+              <a:rPr b="0" lang="en-US" sz="1800" spc="-1" strike="noStrike">
+                <a:latin typeface="Arial"/>
+              </a:rPr>
+              <a:t>Seventh Outline Level</a:t>
+            </a:r>
+            <a:endParaRPr b="0" lang="en-US" sz="1800" spc="-1" strike="noStrike">
               <a:latin typeface="Arial"/>
             </a:endParaRPr>
           </a:p>
@@ -1622,6 +4515,691 @@
     <p:sldLayoutId id="2147483658" r:id="rId11"/>
     <p:sldLayoutId id="2147483659" r:id="rId12"/>
     <p:sldLayoutId id="2147483660" r:id="rId13"/>
+  </p:sldLayoutIdLst>
+</p:sldMaster>
+</file>
+
+<file path=ppt/slideMasters/slideMaster2.xml><?xml version="1.0" encoding="utf-8"?>
+<p:sldMaster xmlns:a="http://schemas.openxmlformats.org/drawingml/2006/main" xmlns:p="http://schemas.openxmlformats.org/presentationml/2006/main" xmlns:r="http://schemas.openxmlformats.org/officeDocument/2006/relationships" xmlns:p14="http://schemas.microsoft.com/office/powerpoint/2010/main" xmlns:p15="http://schemas.microsoft.com/office/powerpoint/2012/main" xmlns:mc="http://schemas.openxmlformats.org/markup-compatibility/2006">
+  <p:cSld>
+    <p:spTree>
+      <p:nvGrpSpPr>
+        <p:cNvPr id="1" name=""/>
+        <p:cNvGrpSpPr/>
+        <p:nvPr/>
+      </p:nvGrpSpPr>
+      <p:grpSpPr>
+        <a:xfrm>
+          <a:off x="0" y="0"/>
+          <a:ext cx="0" cy="0"/>
+          <a:chOff x="0" y="0"/>
+          <a:chExt cx="0" cy="0"/>
+        </a:xfrm>
+      </p:grpSpPr>
+      <p:sp>
+        <p:nvSpPr>
+          <p:cNvPr id="39" name="PlaceHolder 1"/>
+          <p:cNvSpPr>
+            <a:spLocks noGrp="1"/>
+          </p:cNvSpPr>
+          <p:nvPr>
+            <p:ph type="title"/>
+          </p:nvPr>
+        </p:nvSpPr>
+        <p:spPr>
+          <a:xfrm>
+            <a:off x="504000" y="226080"/>
+            <a:ext cx="9070920" cy="945720"/>
+          </a:xfrm>
+          <a:prstGeom prst="rect">
+            <a:avLst/>
+          </a:prstGeom>
+        </p:spPr>
+        <p:txBody>
+          <a:bodyPr lIns="0" rIns="0" tIns="0" bIns="0" anchor="ctr">
+            <a:noAutofit/>
+          </a:bodyPr>
+          <a:p>
+            <a:pPr algn="ctr"/>
+            <a:r>
+              <a:rPr b="0" lang="en-US" sz="1800" spc="-1" strike="noStrike">
+                <a:latin typeface="Arial"/>
+              </a:rPr>
+              <a:t>Click to edit the title text format</a:t>
+            </a:r>
+            <a:endParaRPr b="0" lang="en-US" sz="1800" spc="-1" strike="noStrike">
+              <a:latin typeface="Arial"/>
+            </a:endParaRPr>
+          </a:p>
+        </p:txBody>
+      </p:sp>
+      <p:sp>
+        <p:nvSpPr>
+          <p:cNvPr id="40" name="PlaceHolder 2"/>
+          <p:cNvSpPr>
+            <a:spLocks noGrp="1"/>
+          </p:cNvSpPr>
+          <p:nvPr>
+            <p:ph type="body"/>
+          </p:nvPr>
+        </p:nvSpPr>
+        <p:spPr>
+          <a:xfrm>
+            <a:off x="504000" y="1326600"/>
+            <a:ext cx="9071640" cy="3288240"/>
+          </a:xfrm>
+          <a:prstGeom prst="rect">
+            <a:avLst/>
+          </a:prstGeom>
+        </p:spPr>
+        <p:txBody>
+          <a:bodyPr lIns="0" rIns="0" tIns="0" bIns="0">
+            <a:normAutofit/>
+          </a:bodyPr>
+          <a:p>
+            <a:pPr marL="432000" indent="-324000" algn="ctr">
+              <a:spcBef>
+                <a:spcPts val="1417"/>
+              </a:spcBef>
+              <a:buClr>
+                <a:srgbClr val="000000"/>
+              </a:buClr>
+              <a:buSzPct val="45000"/>
+              <a:buFont typeface="Wingdings" charset="2"/>
+              <a:buChar char=""/>
+            </a:pPr>
+            <a:r>
+              <a:rPr b="0" lang="en-US" sz="1800" spc="-1" strike="noStrike">
+                <a:latin typeface="Arial"/>
+              </a:rPr>
+              <a:t>Click to edit the outline text format</a:t>
+            </a:r>
+            <a:endParaRPr b="0" lang="en-US" sz="1800" spc="-1" strike="noStrike">
+              <a:latin typeface="Arial"/>
+            </a:endParaRPr>
+          </a:p>
+          <a:p>
+            <a:pPr lvl="1" marL="864000" indent="-324000" algn="ctr">
+              <a:spcBef>
+                <a:spcPts val="1134"/>
+              </a:spcBef>
+              <a:buClr>
+                <a:srgbClr val="000000"/>
+              </a:buClr>
+              <a:buSzPct val="75000"/>
+              <a:buFont typeface="Symbol" charset="2"/>
+              <a:buChar char=""/>
+            </a:pPr>
+            <a:r>
+              <a:rPr b="0" lang="en-US" sz="1800" spc="-1" strike="noStrike">
+                <a:latin typeface="Arial"/>
+              </a:rPr>
+              <a:t>Second Outline Level</a:t>
+            </a:r>
+            <a:endParaRPr b="0" lang="en-US" sz="1800" spc="-1" strike="noStrike">
+              <a:latin typeface="Arial"/>
+            </a:endParaRPr>
+          </a:p>
+          <a:p>
+            <a:pPr lvl="2" marL="1296000" indent="-288000" algn="ctr">
+              <a:spcBef>
+                <a:spcPts val="850"/>
+              </a:spcBef>
+              <a:buClr>
+                <a:srgbClr val="000000"/>
+              </a:buClr>
+              <a:buSzPct val="45000"/>
+              <a:buFont typeface="Wingdings" charset="2"/>
+              <a:buChar char=""/>
+            </a:pPr>
+            <a:r>
+              <a:rPr b="0" lang="en-US" sz="1800" spc="-1" strike="noStrike">
+                <a:latin typeface="Arial"/>
+              </a:rPr>
+              <a:t>Third Outline Level</a:t>
+            </a:r>
+            <a:endParaRPr b="0" lang="en-US" sz="1800" spc="-1" strike="noStrike">
+              <a:latin typeface="Arial"/>
+            </a:endParaRPr>
+          </a:p>
+          <a:p>
+            <a:pPr lvl="3" marL="1728000" indent="-216000" algn="ctr">
+              <a:spcBef>
+                <a:spcPts val="567"/>
+              </a:spcBef>
+              <a:buClr>
+                <a:srgbClr val="000000"/>
+              </a:buClr>
+              <a:buSzPct val="75000"/>
+              <a:buFont typeface="Symbol" charset="2"/>
+              <a:buChar char=""/>
+            </a:pPr>
+            <a:r>
+              <a:rPr b="0" lang="en-US" sz="1800" spc="-1" strike="noStrike">
+                <a:latin typeface="Arial"/>
+              </a:rPr>
+              <a:t>Fourth Outline Level</a:t>
+            </a:r>
+            <a:endParaRPr b="0" lang="en-US" sz="1800" spc="-1" strike="noStrike">
+              <a:latin typeface="Arial"/>
+            </a:endParaRPr>
+          </a:p>
+          <a:p>
+            <a:pPr lvl="4" marL="2160000" indent="-216000" algn="ctr">
+              <a:spcBef>
+                <a:spcPts val="283"/>
+              </a:spcBef>
+              <a:buClr>
+                <a:srgbClr val="000000"/>
+              </a:buClr>
+              <a:buSzPct val="45000"/>
+              <a:buFont typeface="Wingdings" charset="2"/>
+              <a:buChar char=""/>
+            </a:pPr>
+            <a:r>
+              <a:rPr b="0" lang="en-US" sz="1800" spc="-1" strike="noStrike">
+                <a:latin typeface="Arial"/>
+              </a:rPr>
+              <a:t>Fifth Outline Level</a:t>
+            </a:r>
+            <a:endParaRPr b="0" lang="en-US" sz="1800" spc="-1" strike="noStrike">
+              <a:latin typeface="Arial"/>
+            </a:endParaRPr>
+          </a:p>
+          <a:p>
+            <a:pPr lvl="5" marL="2592000" indent="-216000" algn="ctr">
+              <a:spcBef>
+                <a:spcPts val="283"/>
+              </a:spcBef>
+              <a:buClr>
+                <a:srgbClr val="000000"/>
+              </a:buClr>
+              <a:buSzPct val="45000"/>
+              <a:buFont typeface="Wingdings" charset="2"/>
+              <a:buChar char=""/>
+            </a:pPr>
+            <a:r>
+              <a:rPr b="0" lang="en-US" sz="1800" spc="-1" strike="noStrike">
+                <a:latin typeface="Arial"/>
+              </a:rPr>
+              <a:t>Sixth Outline Level</a:t>
+            </a:r>
+            <a:endParaRPr b="0" lang="en-US" sz="1800" spc="-1" strike="noStrike">
+              <a:latin typeface="Arial"/>
+            </a:endParaRPr>
+          </a:p>
+          <a:p>
+            <a:pPr lvl="6" marL="3024000" indent="-216000" algn="ctr">
+              <a:spcBef>
+                <a:spcPts val="283"/>
+              </a:spcBef>
+              <a:buClr>
+                <a:srgbClr val="000000"/>
+              </a:buClr>
+              <a:buSzPct val="45000"/>
+              <a:buFont typeface="Wingdings" charset="2"/>
+              <a:buChar char=""/>
+            </a:pPr>
+            <a:r>
+              <a:rPr b="0" lang="en-US" sz="1800" spc="-1" strike="noStrike">
+                <a:latin typeface="Arial"/>
+              </a:rPr>
+              <a:t>Seventh Outline Level</a:t>
+            </a:r>
+            <a:endParaRPr b="0" lang="en-US" sz="1800" spc="-1" strike="noStrike">
+              <a:latin typeface="Arial"/>
+            </a:endParaRPr>
+          </a:p>
+        </p:txBody>
+      </p:sp>
+    </p:spTree>
+  </p:cSld>
+  <p:clrMap bg1="lt1" bg2="lt2" tx1="dk1" tx2="dk2" accent1="accent1" accent2="accent2" accent3="accent3" accent4="accent4" accent5="accent5" accent6="accent6" hlink="hlink" folHlink="folHlink"/>
+  <p:sldLayoutIdLst>
+    <p:sldLayoutId id="2147483662" r:id="rId2"/>
+    <p:sldLayoutId id="2147483663" r:id="rId3"/>
+    <p:sldLayoutId id="2147483664" r:id="rId4"/>
+    <p:sldLayoutId id="2147483665" r:id="rId5"/>
+    <p:sldLayoutId id="2147483666" r:id="rId6"/>
+    <p:sldLayoutId id="2147483667" r:id="rId7"/>
+    <p:sldLayoutId id="2147483668" r:id="rId8"/>
+    <p:sldLayoutId id="2147483669" r:id="rId9"/>
+    <p:sldLayoutId id="2147483670" r:id="rId10"/>
+    <p:sldLayoutId id="2147483671" r:id="rId11"/>
+    <p:sldLayoutId id="2147483672" r:id="rId12"/>
+    <p:sldLayoutId id="2147483673" r:id="rId13"/>
+  </p:sldLayoutIdLst>
+</p:sldMaster>
+</file>
+
+<file path=ppt/slideMasters/slideMaster3.xml><?xml version="1.0" encoding="utf-8"?>
+<p:sldMaster xmlns:a="http://schemas.openxmlformats.org/drawingml/2006/main" xmlns:p="http://schemas.openxmlformats.org/presentationml/2006/main" xmlns:r="http://schemas.openxmlformats.org/officeDocument/2006/relationships" xmlns:p14="http://schemas.microsoft.com/office/powerpoint/2010/main" xmlns:p15="http://schemas.microsoft.com/office/powerpoint/2012/main" xmlns:mc="http://schemas.openxmlformats.org/markup-compatibility/2006">
+  <p:cSld>
+    <p:spTree>
+      <p:nvGrpSpPr>
+        <p:cNvPr id="1" name=""/>
+        <p:cNvGrpSpPr/>
+        <p:nvPr/>
+      </p:nvGrpSpPr>
+      <p:grpSpPr>
+        <a:xfrm>
+          <a:off x="0" y="0"/>
+          <a:ext cx="0" cy="0"/>
+          <a:chOff x="0" y="0"/>
+          <a:chExt cx="0" cy="0"/>
+        </a:xfrm>
+      </p:grpSpPr>
+      <p:sp>
+        <p:nvSpPr>
+          <p:cNvPr id="77" name="PlaceHolder 1"/>
+          <p:cNvSpPr>
+            <a:spLocks noGrp="1"/>
+          </p:cNvSpPr>
+          <p:nvPr>
+            <p:ph type="title"/>
+          </p:nvPr>
+        </p:nvSpPr>
+        <p:spPr>
+          <a:xfrm>
+            <a:off x="504000" y="226080"/>
+            <a:ext cx="9070920" cy="945720"/>
+          </a:xfrm>
+          <a:prstGeom prst="rect">
+            <a:avLst/>
+          </a:prstGeom>
+        </p:spPr>
+        <p:txBody>
+          <a:bodyPr lIns="0" rIns="0" tIns="0" bIns="0" anchor="ctr">
+            <a:noAutofit/>
+          </a:bodyPr>
+          <a:p>
+            <a:pPr algn="ctr"/>
+            <a:r>
+              <a:rPr b="0" lang="en-US" sz="1800" spc="-1" strike="noStrike">
+                <a:latin typeface="Arial"/>
+              </a:rPr>
+              <a:t>Click to edit the title text format</a:t>
+            </a:r>
+            <a:endParaRPr b="0" lang="en-US" sz="1800" spc="-1" strike="noStrike">
+              <a:latin typeface="Arial"/>
+            </a:endParaRPr>
+          </a:p>
+        </p:txBody>
+      </p:sp>
+      <p:sp>
+        <p:nvSpPr>
+          <p:cNvPr id="78" name="PlaceHolder 2"/>
+          <p:cNvSpPr>
+            <a:spLocks noGrp="1"/>
+          </p:cNvSpPr>
+          <p:nvPr>
+            <p:ph type="body"/>
+          </p:nvPr>
+        </p:nvSpPr>
+        <p:spPr>
+          <a:xfrm>
+            <a:off x="504000" y="1326600"/>
+            <a:ext cx="4426560" cy="3288240"/>
+          </a:xfrm>
+          <a:prstGeom prst="rect">
+            <a:avLst/>
+          </a:prstGeom>
+        </p:spPr>
+        <p:txBody>
+          <a:bodyPr lIns="0" rIns="0" tIns="0" bIns="0">
+            <a:normAutofit/>
+          </a:bodyPr>
+          <a:p>
+            <a:pPr marL="432000" indent="-324000" algn="ctr">
+              <a:spcBef>
+                <a:spcPts val="1417"/>
+              </a:spcBef>
+              <a:buClr>
+                <a:srgbClr val="000000"/>
+              </a:buClr>
+              <a:buSzPct val="45000"/>
+              <a:buFont typeface="Wingdings" charset="2"/>
+              <a:buChar char=""/>
+            </a:pPr>
+            <a:r>
+              <a:rPr b="0" lang="en-US" sz="1800" spc="-1" strike="noStrike">
+                <a:latin typeface="Arial"/>
+              </a:rPr>
+              <a:t>Click to edit the outline text format</a:t>
+            </a:r>
+            <a:endParaRPr b="0" lang="en-US" sz="1800" spc="-1" strike="noStrike">
+              <a:latin typeface="Arial"/>
+            </a:endParaRPr>
+          </a:p>
+          <a:p>
+            <a:pPr lvl="1" marL="864000" indent="-324000" algn="ctr">
+              <a:spcBef>
+                <a:spcPts val="1134"/>
+              </a:spcBef>
+              <a:buClr>
+                <a:srgbClr val="000000"/>
+              </a:buClr>
+              <a:buSzPct val="75000"/>
+              <a:buFont typeface="Symbol" charset="2"/>
+              <a:buChar char=""/>
+            </a:pPr>
+            <a:r>
+              <a:rPr b="0" lang="en-US" sz="1800" spc="-1" strike="noStrike">
+                <a:latin typeface="Arial"/>
+              </a:rPr>
+              <a:t>Second Outline Level</a:t>
+            </a:r>
+            <a:endParaRPr b="0" lang="en-US" sz="1800" spc="-1" strike="noStrike">
+              <a:latin typeface="Arial"/>
+            </a:endParaRPr>
+          </a:p>
+          <a:p>
+            <a:pPr lvl="2" marL="1296000" indent="-288000" algn="ctr">
+              <a:spcBef>
+                <a:spcPts val="850"/>
+              </a:spcBef>
+              <a:buClr>
+                <a:srgbClr val="000000"/>
+              </a:buClr>
+              <a:buSzPct val="45000"/>
+              <a:buFont typeface="Wingdings" charset="2"/>
+              <a:buChar char=""/>
+            </a:pPr>
+            <a:r>
+              <a:rPr b="0" lang="en-US" sz="1800" spc="-1" strike="noStrike">
+                <a:latin typeface="Arial"/>
+              </a:rPr>
+              <a:t>Third Outline Level</a:t>
+            </a:r>
+            <a:endParaRPr b="0" lang="en-US" sz="1800" spc="-1" strike="noStrike">
+              <a:latin typeface="Arial"/>
+            </a:endParaRPr>
+          </a:p>
+          <a:p>
+            <a:pPr lvl="3" marL="1728000" indent="-216000" algn="ctr">
+              <a:spcBef>
+                <a:spcPts val="567"/>
+              </a:spcBef>
+              <a:buClr>
+                <a:srgbClr val="000000"/>
+              </a:buClr>
+              <a:buSzPct val="75000"/>
+              <a:buFont typeface="Symbol" charset="2"/>
+              <a:buChar char=""/>
+            </a:pPr>
+            <a:r>
+              <a:rPr b="0" lang="en-US" sz="1800" spc="-1" strike="noStrike">
+                <a:latin typeface="Arial"/>
+              </a:rPr>
+              <a:t>Fourth Outline Level</a:t>
+            </a:r>
+            <a:endParaRPr b="0" lang="en-US" sz="1800" spc="-1" strike="noStrike">
+              <a:latin typeface="Arial"/>
+            </a:endParaRPr>
+          </a:p>
+          <a:p>
+            <a:pPr lvl="4" marL="2160000" indent="-216000" algn="ctr">
+              <a:spcBef>
+                <a:spcPts val="283"/>
+              </a:spcBef>
+              <a:buClr>
+                <a:srgbClr val="000000"/>
+              </a:buClr>
+              <a:buSzPct val="45000"/>
+              <a:buFont typeface="Wingdings" charset="2"/>
+              <a:buChar char=""/>
+            </a:pPr>
+            <a:r>
+              <a:rPr b="0" lang="en-US" sz="1800" spc="-1" strike="noStrike">
+                <a:latin typeface="Arial"/>
+              </a:rPr>
+              <a:t>Fifth Outline Level</a:t>
+            </a:r>
+            <a:endParaRPr b="0" lang="en-US" sz="1800" spc="-1" strike="noStrike">
+              <a:latin typeface="Arial"/>
+            </a:endParaRPr>
+          </a:p>
+          <a:p>
+            <a:pPr lvl="5" marL="2592000" indent="-216000" algn="ctr">
+              <a:spcBef>
+                <a:spcPts val="283"/>
+              </a:spcBef>
+              <a:buClr>
+                <a:srgbClr val="000000"/>
+              </a:buClr>
+              <a:buSzPct val="45000"/>
+              <a:buFont typeface="Wingdings" charset="2"/>
+              <a:buChar char=""/>
+            </a:pPr>
+            <a:r>
+              <a:rPr b="0" lang="en-US" sz="1800" spc="-1" strike="noStrike">
+                <a:latin typeface="Arial"/>
+              </a:rPr>
+              <a:t>Sixth Outline Level</a:t>
+            </a:r>
+            <a:endParaRPr b="0" lang="en-US" sz="1800" spc="-1" strike="noStrike">
+              <a:latin typeface="Arial"/>
+            </a:endParaRPr>
+          </a:p>
+          <a:p>
+            <a:pPr lvl="6" marL="3024000" indent="-216000" algn="ctr">
+              <a:spcBef>
+                <a:spcPts val="283"/>
+              </a:spcBef>
+              <a:buClr>
+                <a:srgbClr val="000000"/>
+              </a:buClr>
+              <a:buSzPct val="45000"/>
+              <a:buFont typeface="Wingdings" charset="2"/>
+              <a:buChar char=""/>
+            </a:pPr>
+            <a:r>
+              <a:rPr b="0" lang="en-US" sz="1800" spc="-1" strike="noStrike">
+                <a:latin typeface="Arial"/>
+              </a:rPr>
+              <a:t>Seventh Outline Level</a:t>
+            </a:r>
+            <a:endParaRPr b="0" lang="en-US" sz="1800" spc="-1" strike="noStrike">
+              <a:latin typeface="Arial"/>
+            </a:endParaRPr>
+          </a:p>
+        </p:txBody>
+      </p:sp>
+      <p:sp>
+        <p:nvSpPr>
+          <p:cNvPr id="79" name="PlaceHolder 3"/>
+          <p:cNvSpPr>
+            <a:spLocks noGrp="1"/>
+          </p:cNvSpPr>
+          <p:nvPr>
+            <p:ph type="body"/>
+          </p:nvPr>
+        </p:nvSpPr>
+        <p:spPr>
+          <a:xfrm>
+            <a:off x="5152680" y="1326600"/>
+            <a:ext cx="4426560" cy="3288240"/>
+          </a:xfrm>
+          <a:prstGeom prst="rect">
+            <a:avLst/>
+          </a:prstGeom>
+        </p:spPr>
+        <p:txBody>
+          <a:bodyPr lIns="0" rIns="0" tIns="0" bIns="0">
+            <a:normAutofit/>
+          </a:bodyPr>
+          <a:p>
+            <a:pPr marL="432000" indent="-324000" algn="ctr">
+              <a:spcBef>
+                <a:spcPts val="1417"/>
+              </a:spcBef>
+              <a:buClr>
+                <a:srgbClr val="000000"/>
+              </a:buClr>
+              <a:buSzPct val="45000"/>
+              <a:buFont typeface="Wingdings" charset="2"/>
+              <a:buChar char=""/>
+            </a:pPr>
+            <a:r>
+              <a:rPr b="0" lang="en-US" sz="1800" spc="-1" strike="noStrike">
+                <a:latin typeface="Arial"/>
+              </a:rPr>
+              <a:t>Click to edit the outline text format</a:t>
+            </a:r>
+            <a:endParaRPr b="0" lang="en-US" sz="1800" spc="-1" strike="noStrike">
+              <a:latin typeface="Arial"/>
+            </a:endParaRPr>
+          </a:p>
+          <a:p>
+            <a:pPr lvl="1" marL="864000" indent="-324000" algn="ctr">
+              <a:spcBef>
+                <a:spcPts val="1134"/>
+              </a:spcBef>
+              <a:buClr>
+                <a:srgbClr val="000000"/>
+              </a:buClr>
+              <a:buSzPct val="75000"/>
+              <a:buFont typeface="Symbol" charset="2"/>
+              <a:buChar char=""/>
+            </a:pPr>
+            <a:r>
+              <a:rPr b="0" lang="en-US" sz="1800" spc="-1" strike="noStrike">
+                <a:latin typeface="Arial"/>
+              </a:rPr>
+              <a:t>Second Outline Level</a:t>
+            </a:r>
+            <a:endParaRPr b="0" lang="en-US" sz="1800" spc="-1" strike="noStrike">
+              <a:latin typeface="Arial"/>
+            </a:endParaRPr>
+          </a:p>
+          <a:p>
+            <a:pPr lvl="2" marL="1296000" indent="-288000" algn="ctr">
+              <a:spcBef>
+                <a:spcPts val="850"/>
+              </a:spcBef>
+              <a:buClr>
+                <a:srgbClr val="000000"/>
+              </a:buClr>
+              <a:buSzPct val="45000"/>
+              <a:buFont typeface="Wingdings" charset="2"/>
+              <a:buChar char=""/>
+            </a:pPr>
+            <a:r>
+              <a:rPr b="0" lang="en-US" sz="1800" spc="-1" strike="noStrike">
+                <a:latin typeface="Arial"/>
+              </a:rPr>
+              <a:t>Third Outline Level</a:t>
+            </a:r>
+            <a:endParaRPr b="0" lang="en-US" sz="1800" spc="-1" strike="noStrike">
+              <a:latin typeface="Arial"/>
+            </a:endParaRPr>
+          </a:p>
+          <a:p>
+            <a:pPr lvl="3" marL="1728000" indent="-216000" algn="ctr">
+              <a:spcBef>
+                <a:spcPts val="567"/>
+              </a:spcBef>
+              <a:buClr>
+                <a:srgbClr val="000000"/>
+              </a:buClr>
+              <a:buSzPct val="75000"/>
+              <a:buFont typeface="Symbol" charset="2"/>
+              <a:buChar char=""/>
+            </a:pPr>
+            <a:r>
+              <a:rPr b="0" lang="en-US" sz="1800" spc="-1" strike="noStrike">
+                <a:latin typeface="Arial"/>
+              </a:rPr>
+              <a:t>Fourth Outline Level</a:t>
+            </a:r>
+            <a:endParaRPr b="0" lang="en-US" sz="1800" spc="-1" strike="noStrike">
+              <a:latin typeface="Arial"/>
+            </a:endParaRPr>
+          </a:p>
+          <a:p>
+            <a:pPr lvl="4" marL="2160000" indent="-216000" algn="ctr">
+              <a:spcBef>
+                <a:spcPts val="283"/>
+              </a:spcBef>
+              <a:buClr>
+                <a:srgbClr val="000000"/>
+              </a:buClr>
+              <a:buSzPct val="45000"/>
+              <a:buFont typeface="Wingdings" charset="2"/>
+              <a:buChar char=""/>
+            </a:pPr>
+            <a:r>
+              <a:rPr b="0" lang="en-US" sz="1800" spc="-1" strike="noStrike">
+                <a:latin typeface="Arial"/>
+              </a:rPr>
+              <a:t>Fifth Outline Level</a:t>
+            </a:r>
+            <a:endParaRPr b="0" lang="en-US" sz="1800" spc="-1" strike="noStrike">
+              <a:latin typeface="Arial"/>
+            </a:endParaRPr>
+          </a:p>
+          <a:p>
+            <a:pPr lvl="5" marL="2592000" indent="-216000" algn="ctr">
+              <a:spcBef>
+                <a:spcPts val="283"/>
+              </a:spcBef>
+              <a:buClr>
+                <a:srgbClr val="000000"/>
+              </a:buClr>
+              <a:buSzPct val="45000"/>
+              <a:buFont typeface="Wingdings" charset="2"/>
+              <a:buChar char=""/>
+            </a:pPr>
+            <a:r>
+              <a:rPr b="0" lang="en-US" sz="1800" spc="-1" strike="noStrike">
+                <a:latin typeface="Arial"/>
+              </a:rPr>
+              <a:t>Sixth Outline Level</a:t>
+            </a:r>
+            <a:endParaRPr b="0" lang="en-US" sz="1800" spc="-1" strike="noStrike">
+              <a:latin typeface="Arial"/>
+            </a:endParaRPr>
+          </a:p>
+          <a:p>
+            <a:pPr lvl="6" marL="3024000" indent="-216000" algn="ctr">
+              <a:spcBef>
+                <a:spcPts val="283"/>
+              </a:spcBef>
+              <a:buClr>
+                <a:srgbClr val="000000"/>
+              </a:buClr>
+              <a:buSzPct val="45000"/>
+              <a:buFont typeface="Wingdings" charset="2"/>
+              <a:buChar char=""/>
+            </a:pPr>
+            <a:r>
+              <a:rPr b="0" lang="en-US" sz="1800" spc="-1" strike="noStrike">
+                <a:latin typeface="Arial"/>
+              </a:rPr>
+              <a:t>Seventh Outline Level</a:t>
+            </a:r>
+            <a:endParaRPr b="0" lang="en-US" sz="1800" spc="-1" strike="noStrike">
+              <a:latin typeface="Arial"/>
+            </a:endParaRPr>
+          </a:p>
+        </p:txBody>
+      </p:sp>
+    </p:spTree>
+  </p:cSld>
+  <p:clrMap bg1="lt1" bg2="lt2" tx1="dk1" tx2="dk2" accent1="accent1" accent2="accent2" accent3="accent3" accent4="accent4" accent5="accent5" accent6="accent6" hlink="hlink" folHlink="folHlink"/>
+  <p:sldLayoutIdLst>
+    <p:sldLayoutId id="2147483675" r:id="rId2"/>
+    <p:sldLayoutId id="2147483676" r:id="rId3"/>
+    <p:sldLayoutId id="2147483677" r:id="rId4"/>
+    <p:sldLayoutId id="2147483678" r:id="rId5"/>
+    <p:sldLayoutId id="2147483679" r:id="rId6"/>
+    <p:sldLayoutId id="2147483680" r:id="rId7"/>
+    <p:sldLayoutId id="2147483681" r:id="rId8"/>
+    <p:sldLayoutId id="2147483682" r:id="rId9"/>
+    <p:sldLayoutId id="2147483683" r:id="rId10"/>
+    <p:sldLayoutId id="2147483684" r:id="rId11"/>
+    <p:sldLayoutId id="2147483685" r:id="rId12"/>
+    <p:sldLayoutId id="2147483686" r:id="rId13"/>
   </p:sldLayoutIdLst>
 </p:sldMaster>
 </file>
@@ -1645,14 +5223,14 @@
       </p:grpSpPr>
       <p:sp>
         <p:nvSpPr>
-          <p:cNvPr id="38" name="CustomShape 1"/>
+          <p:cNvPr id="116" name="CustomShape 1"/>
           <p:cNvSpPr/>
           <p:nvPr/>
         </p:nvSpPr>
         <p:spPr>
           <a:xfrm>
             <a:off x="504000" y="74160"/>
-            <a:ext cx="9071280" cy="1249920"/>
+            <a:ext cx="9070920" cy="1249560"/>
           </a:xfrm>
           <a:prstGeom prst="rect">
             <a:avLst/>
@@ -1680,7 +5258,11 @@
             </a:pPr>
             <a:r>
               <a:rPr b="0" lang="en-US" sz="4400" spc="-1" strike="noStrike">
-                <a:latin typeface="Arial"/>
+                <a:solidFill>
+                  <a:srgbClr val="000000"/>
+                </a:solidFill>
+                <a:latin typeface="Arial"/>
+                <a:ea typeface="DejaVu Sans"/>
               </a:rPr>
               <a:t>JAX: HPC Ways to 20X speed-up and TPU/GPU grid deployment</a:t>
             </a:r>
@@ -1692,14 +5274,14 @@
       </p:sp>
       <p:sp>
         <p:nvSpPr>
-          <p:cNvPr id="39" name="CustomShape 2"/>
+          <p:cNvPr id="117" name="CustomShape 2"/>
           <p:cNvSpPr/>
           <p:nvPr/>
         </p:nvSpPr>
         <p:spPr>
           <a:xfrm>
             <a:off x="504000" y="1326600"/>
-            <a:ext cx="9071280" cy="3287880"/>
+            <a:ext cx="9070920" cy="3287520"/>
           </a:xfrm>
           <a:prstGeom prst="rect">
             <a:avLst/>
@@ -1727,7 +5309,11 @@
             </a:pPr>
             <a:r>
               <a:rPr b="0" lang="en-US" sz="3200" spc="-1" strike="noStrike">
-                <a:latin typeface="Arial"/>
+                <a:solidFill>
+                  <a:srgbClr val="000000"/>
+                </a:solidFill>
+                <a:latin typeface="Arial"/>
+                <a:ea typeface="DejaVu Sans"/>
               </a:rPr>
               <a:t>By Victor Huang.</a:t>
             </a:r>
@@ -1789,14 +5375,14 @@
       </p:sp>
       <p:sp>
         <p:nvSpPr>
-          <p:cNvPr id="40" name="TextShape 3"/>
-          <p:cNvSpPr txBox="1"/>
+          <p:cNvPr id="118" name="CustomShape 3"/>
+          <p:cNvSpPr/>
           <p:nvPr/>
         </p:nvSpPr>
         <p:spPr>
           <a:xfrm>
             <a:off x="504000" y="3044520"/>
-            <a:ext cx="4784400" cy="2267640"/>
+            <a:ext cx="4784040" cy="2267280"/>
           </a:xfrm>
           <a:prstGeom prst="rect">
             <a:avLst/>
@@ -1806,11 +5392,22 @@
             <a:noFill/>
           </a:ln>
         </p:spPr>
+        <p:style>
+          <a:lnRef idx="0"/>
+          <a:fillRef idx="0"/>
+          <a:effectRef idx="0"/>
+          <a:fontRef idx="minor"/>
+        </p:style>
         <p:txBody>
           <a:bodyPr lIns="0" rIns="0" tIns="0" bIns="0">
             <a:normAutofit/>
           </a:bodyPr>
           <a:p>
+            <a:pPr>
+              <a:lnSpc>
+                <a:spcPct val="100000"/>
+              </a:lnSpc>
+            </a:pPr>
             <a:r>
               <a:rPr b="0" lang="en-US" sz="1400" spc="-1" strike="noStrike">
                 <a:latin typeface="Arial"/>
@@ -1822,11 +5419,21 @@
             </a:endParaRPr>
           </a:p>
           <a:p>
+            <a:pPr>
+              <a:lnSpc>
+                <a:spcPct val="100000"/>
+              </a:lnSpc>
+            </a:pPr>
             <a:endParaRPr b="0" lang="en-US" sz="1400" spc="-1" strike="noStrike">
               <a:latin typeface="Arial"/>
             </a:endParaRPr>
           </a:p>
           <a:p>
+            <a:pPr>
+              <a:lnSpc>
+                <a:spcPct val="100000"/>
+              </a:lnSpc>
+            </a:pPr>
             <a:r>
               <a:rPr b="0" lang="en-US" sz="1400" spc="-1" strike="noStrike">
                 <a:latin typeface="Arial"/>
@@ -1838,6 +5445,11 @@
             </a:endParaRPr>
           </a:p>
           <a:p>
+            <a:pPr>
+              <a:lnSpc>
+                <a:spcPct val="100000"/>
+              </a:lnSpc>
+            </a:pPr>
             <a:endParaRPr b="0" lang="en-US" sz="1400" spc="-1" strike="noStrike">
               <a:latin typeface="Arial"/>
             </a:endParaRPr>
@@ -1846,7 +5458,7 @@
       </p:sp>
       <p:pic>
         <p:nvPicPr>
-          <p:cNvPr id="41" name="" descr=""/>
+          <p:cNvPr id="119" name="" descr=""/>
           <p:cNvPicPr/>
           <p:nvPr/>
         </p:nvPicPr>
@@ -1857,7 +5469,7 @@
         <p:spPr>
           <a:xfrm>
             <a:off x="6176160" y="2362320"/>
-            <a:ext cx="3787560" cy="3190320"/>
+            <a:ext cx="3787200" cy="3189960"/>
           </a:xfrm>
           <a:prstGeom prst="rect">
             <a:avLst/>
@@ -1899,14 +5511,14 @@
       </p:grpSpPr>
       <p:sp>
         <p:nvSpPr>
-          <p:cNvPr id="42" name="TextShape 1"/>
-          <p:cNvSpPr txBox="1"/>
+          <p:cNvPr id="120" name="CustomShape 1"/>
+          <p:cNvSpPr/>
           <p:nvPr/>
         </p:nvSpPr>
         <p:spPr>
           <a:xfrm>
             <a:off x="504000" y="226080"/>
-            <a:ext cx="9071280" cy="946080"/>
+            <a:ext cx="9070920" cy="945720"/>
           </a:xfrm>
           <a:prstGeom prst="rect">
             <a:avLst/>
@@ -1916,12 +5528,22 @@
             <a:noFill/>
           </a:ln>
         </p:spPr>
+        <p:style>
+          <a:lnRef idx="0"/>
+          <a:fillRef idx="0"/>
+          <a:effectRef idx="0"/>
+          <a:fontRef idx="minor"/>
+        </p:style>
         <p:txBody>
           <a:bodyPr lIns="0" rIns="0" tIns="0" bIns="0" anchor="ctr">
             <a:noAutofit/>
           </a:bodyPr>
           <a:p>
-            <a:pPr algn="ctr"/>
+            <a:pPr algn="ctr">
+              <a:lnSpc>
+                <a:spcPct val="100000"/>
+              </a:lnSpc>
+            </a:pPr>
             <a:r>
               <a:rPr b="0" lang="en-US" sz="4400" spc="-1" strike="noStrike">
                 <a:latin typeface="Arial"/>
@@ -1935,13 +5557,7 @@
                 </a:solidFill>
                 <a:latin typeface="Arial"/>
               </a:rPr>
-              <a:t>20X+grid</a:t>
-            </a:r>
-            <a:r>
-              <a:rPr b="0" lang="en-US" sz="4400" spc="-1" strike="noStrike">
-                <a:latin typeface="Arial"/>
-              </a:rPr>
-              <a:t> up!</a:t>
+              <a:t>20X+grid up!</a:t>
             </a:r>
             <a:endParaRPr b="0" lang="en-US" sz="4400" spc="-1" strike="noStrike">
               <a:latin typeface="Arial"/>
@@ -1951,14 +5567,14 @@
       </p:sp>
       <p:sp>
         <p:nvSpPr>
-          <p:cNvPr id="43" name="TextShape 2"/>
-          <p:cNvSpPr txBox="1"/>
+          <p:cNvPr id="121" name="CustomShape 2"/>
+          <p:cNvSpPr/>
           <p:nvPr/>
         </p:nvSpPr>
         <p:spPr>
           <a:xfrm>
             <a:off x="504000" y="1326600"/>
-            <a:ext cx="9072000" cy="3288600"/>
+            <a:ext cx="9071640" cy="3288240"/>
           </a:xfrm>
           <a:prstGeom prst="rect">
             <a:avLst/>
@@ -1968,159 +5584,111 @@
             <a:noFill/>
           </a:ln>
         </p:spPr>
+        <p:style>
+          <a:lnRef idx="0"/>
+          <a:fillRef idx="0"/>
+          <a:effectRef idx="0"/>
+          <a:fontRef idx="minor"/>
+        </p:style>
         <p:txBody>
           <a:bodyPr lIns="0" rIns="0" tIns="0" bIns="0">
-            <a:normAutofit fontScale="82000"/>
-          </a:bodyPr>
-          <a:p>
-            <a:pPr marL="432000" indent="-324000">
-              <a:spcBef>
-                <a:spcPts val="1417"/>
-              </a:spcBef>
-              <a:buClr>
-                <a:srgbClr val="000000"/>
-              </a:buClr>
-              <a:buSzPct val="45000"/>
-              <a:buFont typeface="Wingdings" charset="2"/>
-              <a:buChar char=""/>
-            </a:pPr>
-            <a:r>
-              <a:rPr b="0" lang="en-US" sz="3200" spc="-1" strike="noStrike">
-                <a:latin typeface="Arial"/>
-              </a:rPr>
-              <a:t>It's a GPU version of </a:t>
-            </a:r>
-            <a:r>
-              <a:rPr b="0" lang="en-US" sz="3200" spc="-1" strike="noStrike">
-                <a:latin typeface="Arial"/>
-              </a:rPr>
-              <a:t>numpy simply!</a:t>
-            </a:r>
-            <a:endParaRPr b="0" lang="en-US" sz="3200" spc="-1" strike="noStrike">
-              <a:latin typeface="Arial"/>
-            </a:endParaRPr>
-          </a:p>
-          <a:p>
-            <a:pPr marL="432000" indent="-324000">
-              <a:spcBef>
-                <a:spcPts val="1417"/>
-              </a:spcBef>
-              <a:buClr>
-                <a:srgbClr val="000000"/>
-              </a:buClr>
-              <a:buSzPct val="45000"/>
-              <a:buFont typeface="Wingdings" charset="2"/>
-              <a:buChar char=""/>
-            </a:pPr>
-            <a:r>
-              <a:rPr b="0" lang="en-US" sz="3200" spc="-1" strike="noStrike">
-                <a:latin typeface="Arial"/>
-              </a:rPr>
-              <a:t>JAX = AutoGrad + </a:t>
-            </a:r>
-            <a:r>
-              <a:rPr b="0" lang="en-US" sz="3200" spc="-1" strike="noStrike">
-                <a:latin typeface="Arial"/>
-              </a:rPr>
-              <a:t>XLA</a:t>
-            </a:r>
-            <a:endParaRPr b="0" lang="en-US" sz="3200" spc="-1" strike="noStrike">
-              <a:latin typeface="Arial"/>
-            </a:endParaRPr>
-          </a:p>
-          <a:p>
-            <a:pPr marL="432000" indent="-324000">
-              <a:spcBef>
-                <a:spcPts val="1417"/>
-              </a:spcBef>
-              <a:buClr>
-                <a:srgbClr val="000000"/>
-              </a:buClr>
-              <a:buSzPct val="45000"/>
-              <a:buFont typeface="Wingdings" charset="2"/>
-              <a:buChar char=""/>
-            </a:pPr>
-            <a:r>
-              <a:rPr b="0" lang="en-US" sz="3200" spc="-1" strike="noStrike">
-                <a:latin typeface="Arial"/>
-              </a:rPr>
-              <a:t>JAX can upgrade </a:t>
-            </a:r>
-            <a:r>
-              <a:rPr b="0" lang="en-US" sz="3200" spc="-1" strike="noStrike">
-                <a:latin typeface="Arial"/>
-              </a:rPr>
-              <a:t>single-node, cpu-</a:t>
-            </a:r>
-            <a:r>
-              <a:rPr b="0" lang="en-US" sz="3200" spc="-1" strike="noStrike">
-                <a:latin typeface="Arial"/>
-              </a:rPr>
-              <a:t>based numpy code! </a:t>
-            </a:r>
-            <a:r>
-              <a:rPr b="0" lang="en-US" sz="3200" spc="-1" strike="noStrike">
-                <a:latin typeface="Arial"/>
-              </a:rPr>
-              <a:t>(running onto 1-node </a:t>
-            </a:r>
-            <a:r>
-              <a:rPr b="0" lang="en-US" sz="3200" spc="-1" strike="noStrike">
-                <a:latin typeface="Arial"/>
-              </a:rPr>
-              <a:t>hardware (TPU,GPU) </a:t>
-            </a:r>
-            <a:r>
-              <a:rPr b="0" lang="en-US" sz="3200" spc="-1" strike="noStrike">
-                <a:latin typeface="Arial"/>
-              </a:rPr>
-              <a:t>with 20X speed);</a:t>
-            </a:r>
-            <a:endParaRPr b="0" lang="en-US" sz="3200" spc="-1" strike="noStrike">
-              <a:latin typeface="Arial"/>
-            </a:endParaRPr>
-          </a:p>
-          <a:p>
-            <a:pPr marL="432000" indent="-324000">
-              <a:spcBef>
-                <a:spcPts val="1417"/>
-              </a:spcBef>
-              <a:buClr>
-                <a:srgbClr val="000000"/>
-              </a:buClr>
-              <a:buSzPct val="45000"/>
-              <a:buFont typeface="Wingdings" charset="2"/>
-              <a:buChar char=""/>
-            </a:pPr>
-            <a:r>
-              <a:rPr b="0" lang="en-US" sz="3200" spc="-1" strike="noStrike">
-                <a:latin typeface="Arial"/>
-              </a:rPr>
-              <a:t>and then more, can </a:t>
-            </a:r>
-            <a:r>
-              <a:rPr b="0" lang="en-US" sz="3200" spc="-1" strike="noStrike">
-                <a:latin typeface="Arial"/>
-              </a:rPr>
-              <a:t>be migrated easiest </a:t>
-            </a:r>
-            <a:r>
-              <a:rPr b="0" lang="en-US" sz="3200" spc="-1" strike="noStrike">
-                <a:latin typeface="Arial"/>
-              </a:rPr>
-              <a:t>from 1-node into a </a:t>
-            </a:r>
-            <a:r>
-              <a:rPr b="0" lang="en-US" sz="3200" spc="-1" strike="noStrike">
-                <a:latin typeface="Arial"/>
-              </a:rPr>
-              <a:t>TPU/GPU grid with </a:t>
-            </a:r>
-            <a:r>
-              <a:rPr b="0" lang="en-US" sz="3200" spc="-1" strike="noStrike">
-                <a:latin typeface="Arial"/>
-              </a:rPr>
-              <a:t>grid power!</a:t>
+            <a:normAutofit fontScale="81000"/>
+          </a:bodyPr>
+          <a:p>
+            <a:pPr marL="432000" indent="-323640">
+              <a:lnSpc>
+                <a:spcPct val="100000"/>
+              </a:lnSpc>
+              <a:spcBef>
+                <a:spcPts val="1417"/>
+              </a:spcBef>
+              <a:buClr>
+                <a:srgbClr val="000000"/>
+              </a:buClr>
+              <a:buSzPct val="45000"/>
+              <a:buFont typeface="Wingdings" charset="2"/>
+              <a:buChar char=""/>
+            </a:pPr>
+            <a:r>
+              <a:rPr b="0" lang="en-US" sz="3200" spc="-1" strike="noStrike">
+                <a:latin typeface="Arial"/>
+              </a:rPr>
+              <a:t>It's a GPU version of numpy simply!</a:t>
+            </a:r>
+            <a:endParaRPr b="0" lang="en-US" sz="3200" spc="-1" strike="noStrike">
+              <a:latin typeface="Arial"/>
+            </a:endParaRPr>
+          </a:p>
+          <a:p>
+            <a:pPr marL="432000" indent="-323640">
+              <a:lnSpc>
+                <a:spcPct val="100000"/>
+              </a:lnSpc>
+              <a:spcBef>
+                <a:spcPts val="1417"/>
+              </a:spcBef>
+              <a:buClr>
+                <a:srgbClr val="000000"/>
+              </a:buClr>
+              <a:buSzPct val="45000"/>
+              <a:buFont typeface="Wingdings" charset="2"/>
+              <a:buChar char=""/>
+            </a:pPr>
+            <a:r>
+              <a:rPr b="0" lang="en-US" sz="3200" spc="-1" strike="noStrike">
+                <a:latin typeface="Arial"/>
+              </a:rPr>
+              <a:t>JAX = AutoGrad + XLA</a:t>
+            </a:r>
+            <a:endParaRPr b="0" lang="en-US" sz="3200" spc="-1" strike="noStrike">
+              <a:latin typeface="Arial"/>
+            </a:endParaRPr>
+          </a:p>
+          <a:p>
+            <a:pPr marL="432000" indent="-323640">
+              <a:lnSpc>
+                <a:spcPct val="100000"/>
+              </a:lnSpc>
+              <a:spcBef>
+                <a:spcPts val="1417"/>
+              </a:spcBef>
+              <a:buClr>
+                <a:srgbClr val="000000"/>
+              </a:buClr>
+              <a:buSzPct val="45000"/>
+              <a:buFont typeface="Wingdings" charset="2"/>
+              <a:buChar char=""/>
+            </a:pPr>
+            <a:r>
+              <a:rPr b="0" lang="en-US" sz="3200" spc="-1" strike="noStrike">
+                <a:latin typeface="Arial"/>
+              </a:rPr>
+              <a:t>JAX can upgrade single-node, cpu-based numpy code! (running onto 1-node hardware (TPU,GPU) with 20X speed);</a:t>
+            </a:r>
+            <a:endParaRPr b="0" lang="en-US" sz="3200" spc="-1" strike="noStrike">
+              <a:latin typeface="Arial"/>
+            </a:endParaRPr>
+          </a:p>
+          <a:p>
+            <a:pPr marL="432000" indent="-323640">
+              <a:lnSpc>
+                <a:spcPct val="100000"/>
+              </a:lnSpc>
+              <a:spcBef>
+                <a:spcPts val="1417"/>
+              </a:spcBef>
+              <a:buClr>
+                <a:srgbClr val="000000"/>
+              </a:buClr>
+              <a:buSzPct val="45000"/>
+              <a:buFont typeface="Wingdings" charset="2"/>
+              <a:buChar char=""/>
+            </a:pPr>
+            <a:r>
+              <a:rPr b="0" lang="en-US" sz="3200" spc="-1" strike="noStrike">
+                <a:latin typeface="Arial"/>
+              </a:rPr>
+              <a:t>and then more, can be migrated easiest from 1-node into a TPU/GPU grid with grid power!</a:t>
             </a:r>
             <a:endParaRPr b="0" lang="en-US" sz="3200" spc="-1" strike="noStrike">
               <a:latin typeface="Arial"/>
@@ -2160,14 +5728,14 @@
       </p:grpSpPr>
       <p:sp>
         <p:nvSpPr>
-          <p:cNvPr id="44" name="TextShape 1"/>
-          <p:cNvSpPr txBox="1"/>
+          <p:cNvPr id="122" name="CustomShape 1"/>
+          <p:cNvSpPr/>
           <p:nvPr/>
         </p:nvSpPr>
         <p:spPr>
           <a:xfrm>
             <a:off x="504000" y="226080"/>
-            <a:ext cx="9071280" cy="946080"/>
+            <a:ext cx="9070920" cy="945720"/>
           </a:xfrm>
           <a:prstGeom prst="rect">
             <a:avLst/>
@@ -2177,12 +5745,22 @@
             <a:noFill/>
           </a:ln>
         </p:spPr>
+        <p:style>
+          <a:lnRef idx="0"/>
+          <a:fillRef idx="0"/>
+          <a:effectRef idx="0"/>
+          <a:fontRef idx="minor"/>
+        </p:style>
         <p:txBody>
           <a:bodyPr lIns="0" rIns="0" tIns="0" bIns="0" anchor="ctr">
             <a:noAutofit/>
           </a:bodyPr>
           <a:p>
-            <a:pPr algn="ctr"/>
+            <a:pPr algn="ctr">
+              <a:lnSpc>
+                <a:spcPct val="100000"/>
+              </a:lnSpc>
+            </a:pPr>
             <a:r>
               <a:rPr b="0" lang="en-US" sz="4400" spc="-1" strike="noStrike">
                 <a:latin typeface="Arial"/>
@@ -2197,14 +5775,14 @@
       </p:sp>
       <p:sp>
         <p:nvSpPr>
-          <p:cNvPr id="45" name="TextShape 2"/>
-          <p:cNvSpPr txBox="1"/>
+          <p:cNvPr id="123" name="CustomShape 2"/>
+          <p:cNvSpPr/>
           <p:nvPr/>
         </p:nvSpPr>
         <p:spPr>
           <a:xfrm>
             <a:off x="504000" y="1326600"/>
-            <a:ext cx="4426920" cy="3288600"/>
+            <a:ext cx="4426560" cy="3288240"/>
           </a:xfrm>
           <a:prstGeom prst="rect">
             <a:avLst/>
@@ -2214,12 +5792,21 @@
             <a:noFill/>
           </a:ln>
         </p:spPr>
+        <p:style>
+          <a:lnRef idx="0"/>
+          <a:fillRef idx="0"/>
+          <a:effectRef idx="0"/>
+          <a:fontRef idx="minor"/>
+        </p:style>
         <p:txBody>
           <a:bodyPr lIns="0" rIns="0" tIns="0" bIns="0">
             <a:normAutofit fontScale="11000"/>
           </a:bodyPr>
           <a:p>
-            <a:pPr marL="432000" indent="-324000">
+            <a:pPr marL="432000" indent="-323640">
+              <a:lnSpc>
+                <a:spcPct val="100000"/>
+              </a:lnSpc>
               <a:spcBef>
                 <a:spcPts val="1417"/>
               </a:spcBef>
@@ -2241,7 +5828,10 @@
             </a:endParaRPr>
           </a:p>
           <a:p>
-            <a:pPr marL="432000" indent="-324000">
+            <a:pPr marL="432000" indent="-323640">
+              <a:lnSpc>
+                <a:spcPct val="100000"/>
+              </a:lnSpc>
               <a:spcBef>
                 <a:spcPts val="1417"/>
               </a:spcBef>
@@ -2263,7 +5853,10 @@
             </a:endParaRPr>
           </a:p>
           <a:p>
-            <a:pPr marL="432000" indent="-324000">
+            <a:pPr marL="432000" indent="-323640">
+              <a:lnSpc>
+                <a:spcPct val="100000"/>
+              </a:lnSpc>
               <a:spcBef>
                 <a:spcPts val="1417"/>
               </a:spcBef>
@@ -2291,7 +5884,10 @@
             </a:endParaRPr>
           </a:p>
           <a:p>
-            <a:pPr marL="432000" indent="-324000">
+            <a:pPr marL="432000" indent="-323640">
+              <a:lnSpc>
+                <a:spcPct val="100000"/>
+              </a:lnSpc>
               <a:spcBef>
                 <a:spcPts val="1417"/>
               </a:spcBef>
@@ -2313,7 +5909,10 @@
             </a:endParaRPr>
           </a:p>
           <a:p>
-            <a:pPr marL="432000" indent="-324000">
+            <a:pPr marL="432000" indent="-323640">
+              <a:lnSpc>
+                <a:spcPct val="100000"/>
+              </a:lnSpc>
               <a:spcBef>
                 <a:spcPts val="1417"/>
               </a:spcBef>
@@ -2335,7 +5934,10 @@
             </a:endParaRPr>
           </a:p>
           <a:p>
-            <a:pPr marL="432000" indent="-324000">
+            <a:pPr marL="432000" indent="-323640">
+              <a:lnSpc>
+                <a:spcPct val="100000"/>
+              </a:lnSpc>
               <a:spcBef>
                 <a:spcPts val="1417"/>
               </a:spcBef>
@@ -2357,7 +5959,10 @@
             </a:endParaRPr>
           </a:p>
           <a:p>
-            <a:pPr marL="432000" indent="-324000">
+            <a:pPr marL="432000" indent="-323640">
+              <a:lnSpc>
+                <a:spcPct val="100000"/>
+              </a:lnSpc>
               <a:spcBef>
                 <a:spcPts val="1417"/>
               </a:spcBef>
@@ -2379,7 +5984,10 @@
             </a:endParaRPr>
           </a:p>
           <a:p>
-            <a:pPr marL="432000" indent="-324000">
+            <a:pPr marL="432000" indent="-323640">
+              <a:lnSpc>
+                <a:spcPct val="100000"/>
+              </a:lnSpc>
               <a:spcBef>
                 <a:spcPts val="1417"/>
               </a:spcBef>
@@ -2401,7 +6009,10 @@
             </a:endParaRPr>
           </a:p>
           <a:p>
-            <a:pPr marL="432000" indent="-324000">
+            <a:pPr marL="432000" indent="-323640">
+              <a:lnSpc>
+                <a:spcPct val="100000"/>
+              </a:lnSpc>
               <a:spcBef>
                 <a:spcPts val="1417"/>
               </a:spcBef>
@@ -2423,7 +6034,10 @@
             </a:endParaRPr>
           </a:p>
           <a:p>
-            <a:pPr marL="432000" indent="-324000">
+            <a:pPr marL="432000" indent="-323640">
+              <a:lnSpc>
+                <a:spcPct val="100000"/>
+              </a:lnSpc>
               <a:spcBef>
                 <a:spcPts val="1417"/>
               </a:spcBef>
@@ -2445,7 +6059,10 @@
             </a:endParaRPr>
           </a:p>
           <a:p>
-            <a:pPr marL="432000" indent="-324000">
+            <a:pPr marL="432000" indent="-323640">
+              <a:lnSpc>
+                <a:spcPct val="100000"/>
+              </a:lnSpc>
               <a:spcBef>
                 <a:spcPts val="1417"/>
               </a:spcBef>
@@ -2467,7 +6084,10 @@
             </a:endParaRPr>
           </a:p>
           <a:p>
-            <a:pPr marL="432000" indent="-324000">
+            <a:pPr marL="432000" indent="-323640">
+              <a:lnSpc>
+                <a:spcPct val="100000"/>
+              </a:lnSpc>
               <a:spcBef>
                 <a:spcPts val="1417"/>
               </a:spcBef>
@@ -2489,7 +6109,10 @@
             </a:endParaRPr>
           </a:p>
           <a:p>
-            <a:pPr marL="432000" indent="-324000">
+            <a:pPr marL="432000" indent="-323640">
+              <a:lnSpc>
+                <a:spcPct val="100000"/>
+              </a:lnSpc>
               <a:spcBef>
                 <a:spcPts val="1417"/>
               </a:spcBef>
@@ -2511,33 +6134,30 @@
             </a:endParaRPr>
           </a:p>
           <a:p>
-            <a:pPr marL="432000" indent="-324000">
-              <a:spcBef>
-                <a:spcPts val="1417"/>
-              </a:spcBef>
-              <a:buClr>
-                <a:srgbClr val="000000"/>
-              </a:buClr>
-              <a:buSzPct val="45000"/>
-              <a:buFont typeface="Wingdings" charset="2"/>
-              <a:buChar char=""/>
-            </a:pPr>
-            <a:endParaRPr b="0" lang="en-US" sz="3200" spc="-1" strike="noStrike">
-              <a:latin typeface="Arial"/>
-            </a:endParaRPr>
-          </a:p>
-        </p:txBody>
-      </p:sp>
-      <p:sp>
-        <p:nvSpPr>
-          <p:cNvPr id="46" name="TextShape 3"/>
-          <p:cNvSpPr txBox="1"/>
+            <a:pPr>
+              <a:lnSpc>
+                <a:spcPct val="100000"/>
+              </a:lnSpc>
+              <a:spcBef>
+                <a:spcPts val="1417"/>
+              </a:spcBef>
+            </a:pPr>
+            <a:endParaRPr b="0" lang="en-US" sz="3200" spc="-1" strike="noStrike">
+              <a:latin typeface="Arial"/>
+            </a:endParaRPr>
+          </a:p>
+        </p:txBody>
+      </p:sp>
+      <p:sp>
+        <p:nvSpPr>
+          <p:cNvPr id="124" name="CustomShape 3"/>
+          <p:cNvSpPr/>
           <p:nvPr/>
         </p:nvSpPr>
         <p:spPr>
           <a:xfrm>
             <a:off x="5152680" y="1326600"/>
-            <a:ext cx="4426920" cy="3288600"/>
+            <a:ext cx="4426560" cy="3288240"/>
           </a:xfrm>
           <a:prstGeom prst="rect">
             <a:avLst/>
@@ -2547,12 +6167,21 @@
             <a:noFill/>
           </a:ln>
         </p:spPr>
+        <p:style>
+          <a:lnRef idx="0"/>
+          <a:fillRef idx="0"/>
+          <a:effectRef idx="0"/>
+          <a:fontRef idx="minor"/>
+        </p:style>
         <p:txBody>
           <a:bodyPr lIns="0" rIns="0" tIns="0" bIns="0">
             <a:normAutofit fontScale="23000"/>
           </a:bodyPr>
           <a:p>
-            <a:pPr marL="432000" indent="-324000">
+            <a:pPr marL="432000" indent="-323640">
+              <a:lnSpc>
+                <a:spcPct val="100000"/>
+              </a:lnSpc>
               <a:spcBef>
                 <a:spcPts val="1417"/>
               </a:spcBef>
@@ -2574,23 +6203,23 @@
             </a:endParaRPr>
           </a:p>
           <a:p>
-            <a:pPr marL="432000" indent="-324000">
-              <a:spcBef>
-                <a:spcPts val="1417"/>
-              </a:spcBef>
-              <a:buClr>
-                <a:srgbClr val="000000"/>
-              </a:buClr>
-              <a:buSzPct val="45000"/>
-              <a:buFont typeface="Wingdings" charset="2"/>
-              <a:buChar char=""/>
-            </a:pPr>
-            <a:endParaRPr b="0" lang="en-US" sz="3200" spc="-1" strike="noStrike">
-              <a:latin typeface="Arial"/>
-            </a:endParaRPr>
-          </a:p>
-          <a:p>
-            <a:pPr marL="432000" indent="-324000">
+            <a:pPr>
+              <a:lnSpc>
+                <a:spcPct val="100000"/>
+              </a:lnSpc>
+              <a:spcBef>
+                <a:spcPts val="1417"/>
+              </a:spcBef>
+            </a:pPr>
+            <a:endParaRPr b="0" lang="en-US" sz="3200" spc="-1" strike="noStrike">
+              <a:latin typeface="Arial"/>
+            </a:endParaRPr>
+          </a:p>
+          <a:p>
+            <a:pPr marL="432000" indent="-323640">
+              <a:lnSpc>
+                <a:spcPct val="100000"/>
+              </a:lnSpc>
               <a:spcBef>
                 <a:spcPts val="1417"/>
               </a:spcBef>
@@ -2612,7 +6241,10 @@
             </a:endParaRPr>
           </a:p>
           <a:p>
-            <a:pPr marL="432000" indent="-324000">
+            <a:pPr marL="432000" indent="-323640">
+              <a:lnSpc>
+                <a:spcPct val="100000"/>
+              </a:lnSpc>
               <a:spcBef>
                 <a:spcPts val="1417"/>
               </a:spcBef>
@@ -2634,7 +6266,10 @@
             </a:endParaRPr>
           </a:p>
           <a:p>
-            <a:pPr marL="432000" indent="-324000">
+            <a:pPr marL="432000" indent="-323640">
+              <a:lnSpc>
+                <a:spcPct val="100000"/>
+              </a:lnSpc>
               <a:spcBef>
                 <a:spcPts val="1417"/>
               </a:spcBef>
@@ -2656,7 +6291,10 @@
             </a:endParaRPr>
           </a:p>
           <a:p>
-            <a:pPr marL="432000" indent="-324000">
+            <a:pPr marL="432000" indent="-323640">
+              <a:lnSpc>
+                <a:spcPct val="100000"/>
+              </a:lnSpc>
               <a:spcBef>
                 <a:spcPts val="1417"/>
               </a:spcBef>
@@ -2678,7 +6316,10 @@
             </a:endParaRPr>
           </a:p>
           <a:p>
-            <a:pPr marL="432000" indent="-324000">
+            <a:pPr marL="432000" indent="-323640">
+              <a:lnSpc>
+                <a:spcPct val="100000"/>
+              </a:lnSpc>
               <a:spcBef>
                 <a:spcPts val="1417"/>
               </a:spcBef>
@@ -2700,16 +6341,13 @@
             </a:endParaRPr>
           </a:p>
           <a:p>
-            <a:pPr marL="432000" indent="-324000">
-              <a:spcBef>
-                <a:spcPts val="1417"/>
-              </a:spcBef>
-              <a:buClr>
-                <a:srgbClr val="000000"/>
-              </a:buClr>
-              <a:buSzPct val="45000"/>
-              <a:buFont typeface="Wingdings" charset="2"/>
-              <a:buChar char=""/>
+            <a:pPr>
+              <a:lnSpc>
+                <a:spcPct val="100000"/>
+              </a:lnSpc>
+              <a:spcBef>
+                <a:spcPts val="1417"/>
+              </a:spcBef>
             </a:pPr>
             <a:endParaRPr b="0" lang="en-US" sz="3200" spc="-1" strike="noStrike">
               <a:latin typeface="Arial"/>
@@ -2749,14 +6387,14 @@
       </p:grpSpPr>
       <p:sp>
         <p:nvSpPr>
-          <p:cNvPr id="47" name="TextShape 1"/>
-          <p:cNvSpPr txBox="1"/>
+          <p:cNvPr id="125" name="CustomShape 1"/>
+          <p:cNvSpPr/>
           <p:nvPr/>
         </p:nvSpPr>
         <p:spPr>
           <a:xfrm>
             <a:off x="504000" y="226080"/>
-            <a:ext cx="9071280" cy="946080"/>
+            <a:ext cx="9070920" cy="945720"/>
           </a:xfrm>
           <a:prstGeom prst="rect">
             <a:avLst/>
@@ -2766,12 +6404,22 @@
             <a:noFill/>
           </a:ln>
         </p:spPr>
+        <p:style>
+          <a:lnRef idx="0"/>
+          <a:fillRef idx="0"/>
+          <a:effectRef idx="0"/>
+          <a:fontRef idx="minor"/>
+        </p:style>
         <p:txBody>
           <a:bodyPr lIns="0" rIns="0" tIns="0" bIns="0" anchor="ctr">
             <a:noAutofit/>
           </a:bodyPr>
           <a:p>
-            <a:pPr algn="ctr"/>
+            <a:pPr algn="ctr">
+              <a:lnSpc>
+                <a:spcPct val="100000"/>
+              </a:lnSpc>
+            </a:pPr>
             <a:r>
               <a:rPr b="0" lang="en-US" sz="4400" spc="-1" strike="noStrike">
                 <a:latin typeface="Arial"/>
@@ -2786,14 +6434,14 @@
       </p:sp>
       <p:sp>
         <p:nvSpPr>
-          <p:cNvPr id="48" name="TextShape 2"/>
-          <p:cNvSpPr txBox="1"/>
+          <p:cNvPr id="126" name="CustomShape 2"/>
+          <p:cNvSpPr/>
           <p:nvPr/>
         </p:nvSpPr>
         <p:spPr>
           <a:xfrm>
             <a:off x="504000" y="1326600"/>
-            <a:ext cx="4426920" cy="3288600"/>
+            <a:ext cx="4426560" cy="3288240"/>
           </a:xfrm>
           <a:prstGeom prst="rect">
             <a:avLst/>
@@ -2803,46 +6451,46 @@
             <a:noFill/>
           </a:ln>
         </p:spPr>
+        <p:style>
+          <a:lnRef idx="0"/>
+          <a:fillRef idx="0"/>
+          <a:effectRef idx="0"/>
+          <a:fontRef idx="minor"/>
+        </p:style>
         <p:txBody>
           <a:bodyPr lIns="0" rIns="0" tIns="0" bIns="0">
             <a:normAutofit fontScale="11000"/>
           </a:bodyPr>
           <a:p>
-            <a:pPr marL="432000" indent="-324000">
-              <a:spcBef>
-                <a:spcPts val="1417"/>
-              </a:spcBef>
-              <a:buClr>
-                <a:srgbClr val="000000"/>
-              </a:buClr>
-              <a:buSzPct val="45000"/>
-              <a:buFont typeface="Wingdings" charset="2"/>
-              <a:buChar char=""/>
-            </a:pPr>
-            <a:r>
-              <a:rPr b="0" lang="en-US" sz="3200" spc="-1" strike="noStrike">
-                <a:latin typeface="Arial"/>
-              </a:rPr>
-              <a:t># git clone </a:t>
-            </a:r>
-            <a:r>
-              <a:rPr b="0" lang="en-US" sz="3200" spc="-1" strike="noStrike">
-                <a:latin typeface="Arial"/>
-              </a:rPr>
-              <a:t>"https://github.com/go</a:t>
-            </a:r>
-            <a:r>
-              <a:rPr b="0" lang="en-US" sz="3200" spc="-1" strike="noStrike">
-                <a:latin typeface="Arial"/>
-              </a:rPr>
-              <a:t>ogle/jax.git"</a:t>
-            </a:r>
-            <a:endParaRPr b="0" lang="en-US" sz="3200" spc="-1" strike="noStrike">
-              <a:latin typeface="Arial"/>
-            </a:endParaRPr>
-          </a:p>
-          <a:p>
-            <a:pPr marL="432000" indent="-324000">
+            <a:pPr marL="432000" indent="-323640">
+              <a:lnSpc>
+                <a:spcPct val="100000"/>
+              </a:lnSpc>
+              <a:spcBef>
+                <a:spcPts val="1417"/>
+              </a:spcBef>
+              <a:buClr>
+                <a:srgbClr val="000000"/>
+              </a:buClr>
+              <a:buSzPct val="45000"/>
+              <a:buFont typeface="Wingdings" charset="2"/>
+              <a:buChar char=""/>
+            </a:pPr>
+            <a:r>
+              <a:rPr b="0" lang="en-US" sz="3200" spc="-1" strike="noStrike">
+                <a:latin typeface="Arial"/>
+              </a:rPr>
+              <a:t># git clone "https://github.com/google/jax.git"</a:t>
+            </a:r>
+            <a:endParaRPr b="0" lang="en-US" sz="3200" spc="-1" strike="noStrike">
+              <a:latin typeface="Arial"/>
+            </a:endParaRPr>
+          </a:p>
+          <a:p>
+            <a:pPr marL="432000" indent="-323640">
+              <a:lnSpc>
+                <a:spcPct val="100000"/>
+              </a:lnSpc>
               <a:spcBef>
                 <a:spcPts val="1417"/>
               </a:spcBef>
@@ -2857,26 +6505,17 @@
               <a:rPr b="0" lang="en-US" sz="4800" spc="-1" strike="noStrike">
                 <a:latin typeface="Arial"/>
               </a:rPr>
-              <a:t>JAX </a:t>
-            </a:r>
-            <a:r>
-              <a:rPr b="0" lang="en-US" sz="4800" spc="-1" strike="noStrike">
-                <a:latin typeface="Arial"/>
-              </a:rPr>
-              <a:t>architecture/L</a:t>
-            </a:r>
-            <a:r>
-              <a:rPr b="0" lang="en-US" sz="4800" spc="-1" strike="noStrike">
-                <a:latin typeface="Arial"/>
-              </a:rPr>
-              <a:t>evel 1/top</a:t>
+              <a:t>JAX architecture/Level 1/top</a:t>
             </a:r>
             <a:endParaRPr b="0" lang="en-US" sz="4800" spc="-1" strike="noStrike">
               <a:latin typeface="Arial"/>
             </a:endParaRPr>
           </a:p>
           <a:p>
-            <a:pPr marL="432000" indent="-324000">
+            <a:pPr marL="432000" indent="-323640">
+              <a:lnSpc>
+                <a:spcPct val="100000"/>
+              </a:lnSpc>
               <a:spcBef>
                 <a:spcPts val="1417"/>
               </a:spcBef>
@@ -2898,7 +6537,10 @@
             </a:endParaRPr>
           </a:p>
           <a:p>
-            <a:pPr marL="432000" indent="-324000">
+            <a:pPr marL="432000" indent="-323640">
+              <a:lnSpc>
+                <a:spcPct val="100000"/>
+              </a:lnSpc>
               <a:spcBef>
                 <a:spcPts val="1417"/>
               </a:spcBef>
@@ -2919,26 +6561,17 @@
               <a:rPr b="0" lang="en-US" sz="3200" spc="-1" strike="noStrike">
                 <a:latin typeface="Arial"/>
               </a:rPr>
-              <a:t>benchmarks      </a:t>
-            </a:r>
-            <a:r>
-              <a:rPr b="0" lang="en-US" sz="3200" spc="-1" strike="noStrike">
-                <a:latin typeface="Arial"/>
-              </a:rPr>
-              <a:t>  ## (2) evaluation </a:t>
-            </a:r>
-            <a:r>
-              <a:rPr b="0" lang="en-US" sz="3200" spc="-1" strike="noStrike">
-                <a:latin typeface="Arial"/>
-              </a:rPr>
-              <a:t>start point</a:t>
-            </a:r>
-            <a:endParaRPr b="0" lang="en-US" sz="3200" spc="-1" strike="noStrike">
-              <a:latin typeface="Arial"/>
-            </a:endParaRPr>
-          </a:p>
-          <a:p>
-            <a:pPr marL="432000" indent="-324000">
+              <a:t>benchmarks        ## (2) evaluation start point</a:t>
+            </a:r>
+            <a:endParaRPr b="0" lang="en-US" sz="3200" spc="-1" strike="noStrike">
+              <a:latin typeface="Arial"/>
+            </a:endParaRPr>
+          </a:p>
+          <a:p>
+            <a:pPr marL="432000" indent="-323640">
+              <a:lnSpc>
+                <a:spcPct val="100000"/>
+              </a:lnSpc>
               <a:spcBef>
                 <a:spcPts val="1417"/>
               </a:spcBef>
@@ -2966,7 +6599,10 @@
             </a:endParaRPr>
           </a:p>
           <a:p>
-            <a:pPr marL="432000" indent="-324000">
+            <a:pPr marL="432000" indent="-323640">
+              <a:lnSpc>
+                <a:spcPct val="100000"/>
+              </a:lnSpc>
               <a:spcBef>
                 <a:spcPts val="1417"/>
               </a:spcBef>
@@ -2994,7 +6630,10 @@
             </a:endParaRPr>
           </a:p>
           <a:p>
-            <a:pPr marL="432000" indent="-324000">
+            <a:pPr marL="432000" indent="-323640">
+              <a:lnSpc>
+                <a:spcPct val="100000"/>
+              </a:lnSpc>
               <a:spcBef>
                 <a:spcPts val="1417"/>
               </a:spcBef>
@@ -3022,7 +6661,10 @@
             </a:endParaRPr>
           </a:p>
           <a:p>
-            <a:pPr marL="432000" indent="-324000">
+            <a:pPr marL="432000" indent="-323640">
+              <a:lnSpc>
+                <a:spcPct val="100000"/>
+              </a:lnSpc>
               <a:spcBef>
                 <a:spcPts val="1417"/>
               </a:spcBef>
@@ -3050,7 +6692,10 @@
             </a:endParaRPr>
           </a:p>
           <a:p>
-            <a:pPr marL="432000" indent="-324000">
+            <a:pPr marL="432000" indent="-323640">
+              <a:lnSpc>
+                <a:spcPct val="100000"/>
+              </a:lnSpc>
               <a:spcBef>
                 <a:spcPts val="1417"/>
               </a:spcBef>
@@ -3071,26 +6716,17 @@
               <a:rPr b="0" lang="en-US" sz="3200" spc="-1" strike="noStrike">
                 <a:latin typeface="Arial"/>
               </a:rPr>
-              <a:t>examples          </a:t>
-            </a:r>
-            <a:r>
-              <a:rPr b="0" lang="en-US" sz="3200" spc="-1" strike="noStrike">
-                <a:latin typeface="Arial"/>
-              </a:rPr>
-              <a:t> ## (1) frame work for </a:t>
-            </a:r>
-            <a:r>
-              <a:rPr b="0" lang="en-US" sz="3200" spc="-1" strike="noStrike">
-                <a:latin typeface="Arial"/>
-              </a:rPr>
-              <a:t>HPC ref. design</a:t>
-            </a:r>
-            <a:endParaRPr b="0" lang="en-US" sz="3200" spc="-1" strike="noStrike">
-              <a:latin typeface="Arial"/>
-            </a:endParaRPr>
-          </a:p>
-          <a:p>
-            <a:pPr marL="432000" indent="-324000">
+              <a:t>examples           ## (1) frame work for HPC ref. design</a:t>
+            </a:r>
+            <a:endParaRPr b="0" lang="en-US" sz="3200" spc="-1" strike="noStrike">
+              <a:latin typeface="Arial"/>
+            </a:endParaRPr>
+          </a:p>
+          <a:p>
+            <a:pPr marL="432000" indent="-323640">
+              <a:lnSpc>
+                <a:spcPct val="100000"/>
+              </a:lnSpc>
               <a:spcBef>
                 <a:spcPts val="1417"/>
               </a:spcBef>
@@ -3118,7 +6754,10 @@
             </a:endParaRPr>
           </a:p>
           <a:p>
-            <a:pPr marL="432000" indent="-324000">
+            <a:pPr marL="432000" indent="-323640">
+              <a:lnSpc>
+                <a:spcPct val="100000"/>
+              </a:lnSpc>
               <a:spcBef>
                 <a:spcPts val="1417"/>
               </a:spcBef>
@@ -3146,7 +6785,10 @@
             </a:endParaRPr>
           </a:p>
           <a:p>
-            <a:pPr marL="432000" indent="-324000">
+            <a:pPr marL="432000" indent="-323640">
+              <a:lnSpc>
+                <a:spcPct val="100000"/>
+              </a:lnSpc>
               <a:spcBef>
                 <a:spcPts val="1417"/>
               </a:spcBef>
@@ -3174,7 +6816,10 @@
             </a:endParaRPr>
           </a:p>
           <a:p>
-            <a:pPr marL="432000" indent="-324000">
+            <a:pPr marL="432000" indent="-323640">
+              <a:lnSpc>
+                <a:spcPct val="100000"/>
+              </a:lnSpc>
               <a:spcBef>
                 <a:spcPts val="1417"/>
               </a:spcBef>
@@ -3195,52 +6840,37 @@
               <a:rPr b="0" lang="en-US" sz="3200" spc="-1" strike="noStrike">
                 <a:latin typeface="Arial"/>
               </a:rPr>
-              <a:t>tests                </a:t>
-            </a:r>
-            <a:r>
-              <a:rPr b="0" lang="en-US" sz="3200" spc="-1" strike="noStrike">
-                <a:latin typeface="Arial"/>
-              </a:rPr>
-              <a:t> ## (3) frame work for </a:t>
-            </a:r>
-            <a:r>
-              <a:rPr b="0" lang="en-US" sz="3200" spc="-1" strike="noStrike">
-                <a:latin typeface="Arial"/>
-              </a:rPr>
-              <a:t>HPC writing testing</a:t>
-            </a:r>
-            <a:endParaRPr b="0" lang="en-US" sz="3200" spc="-1" strike="noStrike">
-              <a:latin typeface="Arial"/>
-            </a:endParaRPr>
-          </a:p>
-          <a:p>
-            <a:pPr marL="432000" indent="-324000">
-              <a:spcBef>
-                <a:spcPts val="1417"/>
-              </a:spcBef>
-              <a:buClr>
-                <a:srgbClr val="000000"/>
-              </a:buClr>
-              <a:buSzPct val="45000"/>
-              <a:buFont typeface="Wingdings" charset="2"/>
-              <a:buChar char=""/>
-            </a:pPr>
-            <a:endParaRPr b="0" lang="en-US" sz="3200" spc="-1" strike="noStrike">
-              <a:latin typeface="Arial"/>
-            </a:endParaRPr>
-          </a:p>
-        </p:txBody>
-      </p:sp>
-      <p:sp>
-        <p:nvSpPr>
-          <p:cNvPr id="49" name="TextShape 3"/>
-          <p:cNvSpPr txBox="1"/>
+              <a:t>tests                 ## (3) frame work for HPC writing testing</a:t>
+            </a:r>
+            <a:endParaRPr b="0" lang="en-US" sz="3200" spc="-1" strike="noStrike">
+              <a:latin typeface="Arial"/>
+            </a:endParaRPr>
+          </a:p>
+          <a:p>
+            <a:pPr>
+              <a:lnSpc>
+                <a:spcPct val="100000"/>
+              </a:lnSpc>
+              <a:spcBef>
+                <a:spcPts val="1417"/>
+              </a:spcBef>
+            </a:pPr>
+            <a:endParaRPr b="0" lang="en-US" sz="3200" spc="-1" strike="noStrike">
+              <a:latin typeface="Arial"/>
+            </a:endParaRPr>
+          </a:p>
+        </p:txBody>
+      </p:sp>
+      <p:sp>
+        <p:nvSpPr>
+          <p:cNvPr id="127" name="CustomShape 3"/>
+          <p:cNvSpPr/>
           <p:nvPr/>
         </p:nvSpPr>
         <p:spPr>
           <a:xfrm>
             <a:off x="5152680" y="1398600"/>
-            <a:ext cx="4426920" cy="3288600"/>
+            <a:ext cx="4426560" cy="3288240"/>
           </a:xfrm>
           <a:prstGeom prst="rect">
             <a:avLst/>
@@ -3250,12 +6880,21 @@
             <a:noFill/>
           </a:ln>
         </p:spPr>
+        <p:style>
+          <a:lnRef idx="0"/>
+          <a:fillRef idx="0"/>
+          <a:effectRef idx="0"/>
+          <a:fontRef idx="minor"/>
+        </p:style>
         <p:txBody>
           <a:bodyPr lIns="0" rIns="0" tIns="0" bIns="0">
             <a:normAutofit fontScale="1000"/>
           </a:bodyPr>
           <a:p>
-            <a:pPr marL="432000" indent="-324000">
+            <a:pPr marL="432000" indent="-323640">
+              <a:lnSpc>
+                <a:spcPct val="100000"/>
+              </a:lnSpc>
               <a:spcBef>
                 <a:spcPts val="1417"/>
               </a:spcBef>
@@ -3270,168 +6909,991 @@
               <a:rPr b="0" lang="en-US" sz="9600" spc="-1" strike="noStrike">
                 <a:latin typeface="Arial"/>
               </a:rPr>
-              <a:t>Deep </a:t>
-            </a:r>
+              <a:t>Deep JAX/ARCHITECTURE:   software architecture, for your deep dive into the source code, and find right framework to start.</a:t>
+            </a:r>
+            <a:endParaRPr b="0" lang="en-US" sz="9600" spc="-1" strike="noStrike">
+              <a:latin typeface="Arial"/>
+            </a:endParaRPr>
+          </a:p>
+          <a:p>
+            <a:pPr marL="432000" indent="-323640">
+              <a:lnSpc>
+                <a:spcPct val="100000"/>
+              </a:lnSpc>
+              <a:spcBef>
+                <a:spcPts val="1417"/>
+              </a:spcBef>
+              <a:buClr>
+                <a:srgbClr val="000000"/>
+              </a:buClr>
+              <a:buSzPct val="45000"/>
+              <a:buFont typeface="Wingdings" charset="2"/>
+              <a:buChar char=""/>
+            </a:pPr>
             <a:r>
               <a:rPr b="0" lang="en-US" sz="9600" spc="-1" strike="noStrike">
                 <a:latin typeface="Arial"/>
               </a:rPr>
-              <a:t>JAX/A</a:t>
-            </a:r>
-            <a:r>
-              <a:rPr b="0" lang="en-US" sz="9600" spc="-1" strike="noStrike">
-                <a:latin typeface="Arial"/>
-              </a:rPr>
-              <a:t>RCHIT</a:t>
-            </a:r>
-            <a:r>
-              <a:rPr b="0" lang="en-US" sz="9600" spc="-1" strike="noStrike">
-                <a:latin typeface="Arial"/>
-              </a:rPr>
-              <a:t>ECTU</a:t>
-            </a:r>
-            <a:r>
-              <a:rPr b="0" lang="en-US" sz="9600" spc="-1" strike="noStrike">
-                <a:latin typeface="Arial"/>
-              </a:rPr>
-              <a:t>RE:  </a:t>
-            </a:r>
-            <a:r>
-              <a:rPr b="0" lang="en-US" sz="9600" spc="-1" strike="noStrike">
-                <a:latin typeface="Arial"/>
-              </a:rPr>
-              <a:t> softwa</a:t>
-            </a:r>
-            <a:r>
-              <a:rPr b="0" lang="en-US" sz="9600" spc="-1" strike="noStrike">
-                <a:latin typeface="Arial"/>
-              </a:rPr>
-              <a:t>re </a:t>
-            </a:r>
-            <a:r>
-              <a:rPr b="0" lang="en-US" sz="9600" spc="-1" strike="noStrike">
-                <a:latin typeface="Arial"/>
-              </a:rPr>
-              <a:t>archite</a:t>
-            </a:r>
-            <a:r>
-              <a:rPr b="0" lang="en-US" sz="9600" spc="-1" strike="noStrike">
-                <a:latin typeface="Arial"/>
-              </a:rPr>
-              <a:t>cture, </a:t>
-            </a:r>
-            <a:r>
-              <a:rPr b="0" lang="en-US" sz="9600" spc="-1" strike="noStrike">
-                <a:latin typeface="Arial"/>
-              </a:rPr>
-              <a:t>for </a:t>
-            </a:r>
-            <a:r>
-              <a:rPr b="0" lang="en-US" sz="9600" spc="-1" strike="noStrike">
-                <a:latin typeface="Arial"/>
-              </a:rPr>
-              <a:t>your </a:t>
-            </a:r>
-            <a:r>
-              <a:rPr b="0" lang="en-US" sz="9600" spc="-1" strike="noStrike">
-                <a:latin typeface="Arial"/>
-              </a:rPr>
-              <a:t>deep </a:t>
-            </a:r>
-            <a:r>
-              <a:rPr b="0" lang="en-US" sz="9600" spc="-1" strike="noStrike">
-                <a:latin typeface="Arial"/>
-              </a:rPr>
-              <a:t>dive </a:t>
-            </a:r>
-            <a:r>
-              <a:rPr b="0" lang="en-US" sz="9600" spc="-1" strike="noStrike">
-                <a:latin typeface="Arial"/>
-              </a:rPr>
-              <a:t>into </a:t>
-            </a:r>
-            <a:r>
-              <a:rPr b="0" lang="en-US" sz="9600" spc="-1" strike="noStrike">
-                <a:latin typeface="Arial"/>
-              </a:rPr>
-              <a:t>the </a:t>
-            </a:r>
-            <a:r>
-              <a:rPr b="0" lang="en-US" sz="9600" spc="-1" strike="noStrike">
-                <a:latin typeface="Arial"/>
-              </a:rPr>
-              <a:t>source </a:t>
-            </a:r>
-            <a:r>
-              <a:rPr b="0" lang="en-US" sz="9600" spc="-1" strike="noStrike">
-                <a:latin typeface="Arial"/>
-              </a:rPr>
-              <a:t>code, </a:t>
-            </a:r>
-            <a:r>
-              <a:rPr b="0" lang="en-US" sz="9600" spc="-1" strike="noStrike">
-                <a:latin typeface="Arial"/>
-              </a:rPr>
-              <a:t>and </a:t>
-            </a:r>
-            <a:r>
-              <a:rPr b="0" lang="en-US" sz="9600" spc="-1" strike="noStrike">
-                <a:latin typeface="Arial"/>
-              </a:rPr>
-              <a:t>find </a:t>
-            </a:r>
-            <a:r>
-              <a:rPr b="0" lang="en-US" sz="9600" spc="-1" strike="noStrike">
-                <a:latin typeface="Arial"/>
-              </a:rPr>
-              <a:t>right </a:t>
-            </a:r>
-            <a:r>
-              <a:rPr b="0" lang="en-US" sz="9600" spc="-1" strike="noStrike">
-                <a:latin typeface="Arial"/>
-              </a:rPr>
-              <a:t>frame</a:t>
-            </a:r>
-            <a:r>
-              <a:rPr b="0" lang="en-US" sz="9600" spc="-1" strike="noStrike">
-                <a:latin typeface="Arial"/>
-              </a:rPr>
-              <a:t>work to </a:t>
-            </a:r>
-            <a:r>
-              <a:rPr b="0" lang="en-US" sz="9600" spc="-1" strike="noStrike">
-                <a:latin typeface="Arial"/>
-              </a:rPr>
-              <a:t>start.</a:t>
+              <a:t> </a:t>
             </a:r>
             <a:endParaRPr b="0" lang="en-US" sz="9600" spc="-1" strike="noStrike">
               <a:latin typeface="Arial"/>
             </a:endParaRPr>
           </a:p>
           <a:p>
-            <a:pPr marL="432000" indent="-324000">
-              <a:spcBef>
-                <a:spcPts val="1417"/>
-              </a:spcBef>
-              <a:buClr>
-                <a:srgbClr val="000000"/>
-              </a:buClr>
-              <a:buSzPct val="45000"/>
-              <a:buFont typeface="Wingdings" charset="2"/>
-              <a:buChar char=""/>
-            </a:pPr>
-            <a:r>
-              <a:rPr b="0" lang="en-US" sz="9600" spc="-1" strike="noStrike">
+            <a:pPr marL="432000" indent="-323640">
+              <a:lnSpc>
+                <a:spcPct val="100000"/>
+              </a:lnSpc>
+              <a:spcBef>
+                <a:spcPts val="1417"/>
+              </a:spcBef>
+              <a:buClr>
+                <a:srgbClr val="000000"/>
+              </a:buClr>
+              <a:buSzPct val="45000"/>
+              <a:buFont typeface="Wingdings" charset="2"/>
+              <a:buChar char=""/>
+            </a:pPr>
+            <a:r>
+              <a:rPr b="0" lang="en-US" sz="3200" spc="-1" strike="noStrike">
+                <a:latin typeface="Arial"/>
+              </a:rPr>
+              <a:t>├── </a:t>
+            </a:r>
+            <a:r>
+              <a:rPr b="0" lang="en-US" sz="3200" spc="-1" strike="noStrike">
+                <a:latin typeface="Arial"/>
+              </a:rPr>
+              <a:t>benchmark</a:t>
+            </a:r>
+            <a:endParaRPr b="0" lang="en-US" sz="3200" spc="-1" strike="noStrike">
+              <a:latin typeface="Arial"/>
+            </a:endParaRPr>
+          </a:p>
+          <a:p>
+            <a:pPr marL="432000" indent="-323640">
+              <a:lnSpc>
+                <a:spcPct val="100000"/>
+              </a:lnSpc>
+              <a:spcBef>
+                <a:spcPts val="1417"/>
+              </a:spcBef>
+              <a:buClr>
+                <a:srgbClr val="000000"/>
+              </a:buClr>
+              <a:buSzPct val="45000"/>
+              <a:buFont typeface="Wingdings" charset="2"/>
+              <a:buChar char=""/>
+            </a:pPr>
+            <a:r>
+              <a:rPr b="0" lang="en-US" sz="3200" spc="-1" strike="noStrike">
+                <a:latin typeface="Arial"/>
+              </a:rPr>
+              <a:t>├── </a:t>
+            </a:r>
+            <a:r>
+              <a:rPr b="0" lang="en-US" sz="3200" spc="-1" strike="noStrike">
+                <a:latin typeface="Arial"/>
+              </a:rPr>
+              <a:t>build</a:t>
+            </a:r>
+            <a:endParaRPr b="0" lang="en-US" sz="3200" spc="-1" strike="noStrike">
+              <a:latin typeface="Arial"/>
+            </a:endParaRPr>
+          </a:p>
+          <a:p>
+            <a:pPr marL="432000" indent="-323640">
+              <a:lnSpc>
+                <a:spcPct val="100000"/>
+              </a:lnSpc>
+              <a:spcBef>
+                <a:spcPts val="1417"/>
+              </a:spcBef>
+              <a:buClr>
+                <a:srgbClr val="000000"/>
+              </a:buClr>
+              <a:buSzPct val="45000"/>
+              <a:buFont typeface="Wingdings" charset="2"/>
+              <a:buChar char=""/>
+            </a:pPr>
+            <a:r>
+              <a:rPr b="0" lang="en-US" sz="3200" spc="-1" strike="noStrike">
+                <a:latin typeface="Arial"/>
+              </a:rPr>
+              <a:t>│   └── </a:t>
+            </a:r>
+            <a:r>
+              <a:rPr b="0" lang="en-US" sz="3200" spc="-1" strike="noStrike">
+                <a:latin typeface="Arial"/>
+              </a:rPr>
+              <a:t>jaxlib</a:t>
+            </a:r>
+            <a:endParaRPr b="0" lang="en-US" sz="3200" spc="-1" strike="noStrike">
+              <a:latin typeface="Arial"/>
+            </a:endParaRPr>
+          </a:p>
+          <a:p>
+            <a:pPr marL="432000" indent="-323640">
+              <a:lnSpc>
+                <a:spcPct val="100000"/>
+              </a:lnSpc>
+              <a:spcBef>
+                <a:spcPts val="1417"/>
+              </a:spcBef>
+              <a:buClr>
+                <a:srgbClr val="000000"/>
+              </a:buClr>
+              <a:buSzPct val="45000"/>
+              <a:buFont typeface="Wingdings" charset="2"/>
+              <a:buChar char=""/>
+            </a:pPr>
+            <a:r>
+              <a:rPr b="0" lang="en-US" sz="3200" spc="-1" strike="noStrike">
+                <a:latin typeface="Arial"/>
+              </a:rPr>
+              <a:t>├── </a:t>
+            </a:r>
+            <a:r>
+              <a:rPr b="0" lang="en-US" sz="3200" spc="-1" strike="noStrike">
+                <a:latin typeface="Arial"/>
+              </a:rPr>
+              <a:t>cloud_tpu_colabs</a:t>
+            </a:r>
+            <a:endParaRPr b="0" lang="en-US" sz="3200" spc="-1" strike="noStrike">
+              <a:latin typeface="Arial"/>
+            </a:endParaRPr>
+          </a:p>
+          <a:p>
+            <a:pPr marL="432000" indent="-323640">
+              <a:lnSpc>
+                <a:spcPct val="100000"/>
+              </a:lnSpc>
+              <a:spcBef>
+                <a:spcPts val="1417"/>
+              </a:spcBef>
+              <a:buClr>
+                <a:srgbClr val="000000"/>
+              </a:buClr>
+              <a:buSzPct val="45000"/>
+              <a:buFont typeface="Wingdings" charset="2"/>
+              <a:buChar char=""/>
+            </a:pPr>
+            <a:r>
+              <a:rPr b="0" lang="en-US" sz="3200" spc="-1" strike="noStrike">
+                <a:latin typeface="Arial"/>
+              </a:rPr>
+              <a:t>│   └── </a:t>
+            </a:r>
+            <a:r>
+              <a:rPr b="0" lang="en-US" sz="3200" spc="-1" strike="noStrike">
+                <a:latin typeface="Arial"/>
+              </a:rPr>
+              <a:t>images</a:t>
+            </a:r>
+            <a:endParaRPr b="0" lang="en-US" sz="3200" spc="-1" strike="noStrike">
+              <a:latin typeface="Arial"/>
+            </a:endParaRPr>
+          </a:p>
+          <a:p>
+            <a:pPr marL="432000" indent="-323640">
+              <a:lnSpc>
+                <a:spcPct val="100000"/>
+              </a:lnSpc>
+              <a:spcBef>
+                <a:spcPts val="1417"/>
+              </a:spcBef>
+              <a:buClr>
+                <a:srgbClr val="000000"/>
+              </a:buClr>
+              <a:buSzPct val="45000"/>
+              <a:buFont typeface="Wingdings" charset="2"/>
+              <a:buChar char=""/>
+            </a:pPr>
+            <a:r>
+              <a:rPr b="0" lang="en-US" sz="3200" spc="-1" strike="noStrike">
+                <a:latin typeface="Arial"/>
+              </a:rPr>
+              <a:t>├── </a:t>
+            </a:r>
+            <a:r>
+              <a:rPr b="0" lang="en-US" sz="3200" spc="-1" strike="noStrike">
+                <a:latin typeface="Arial"/>
+              </a:rPr>
+              <a:t>design_notes</a:t>
+            </a:r>
+            <a:endParaRPr b="0" lang="en-US" sz="3200" spc="-1" strike="noStrike">
+              <a:latin typeface="Arial"/>
+            </a:endParaRPr>
+          </a:p>
+          <a:p>
+            <a:pPr marL="432000" indent="-323640">
+              <a:lnSpc>
+                <a:spcPct val="100000"/>
+              </a:lnSpc>
+              <a:spcBef>
+                <a:spcPts val="1417"/>
+              </a:spcBef>
+              <a:buClr>
+                <a:srgbClr val="000000"/>
+              </a:buClr>
+              <a:buSzPct val="45000"/>
+              <a:buFont typeface="Wingdings" charset="2"/>
+              <a:buChar char=""/>
+            </a:pPr>
+            <a:r>
+              <a:rPr b="0" lang="en-US" sz="3200" spc="-1" strike="noStrike">
+                <a:latin typeface="Arial"/>
+              </a:rPr>
+              <a:t>├── </a:t>
+            </a:r>
+            <a:r>
+              <a:rPr b="0" lang="en-US" sz="3200" spc="-1" strike="noStrike">
+                <a:latin typeface="Arial"/>
+              </a:rPr>
+              <a:t>docs</a:t>
+            </a:r>
+            <a:endParaRPr b="0" lang="en-US" sz="3200" spc="-1" strike="noStrike">
+              <a:latin typeface="Arial"/>
+            </a:endParaRPr>
+          </a:p>
+          <a:p>
+            <a:pPr marL="432000" indent="-323640">
+              <a:lnSpc>
+                <a:spcPct val="100000"/>
+              </a:lnSpc>
+              <a:spcBef>
+                <a:spcPts val="1417"/>
+              </a:spcBef>
+              <a:buClr>
+                <a:srgbClr val="000000"/>
+              </a:buClr>
+              <a:buSzPct val="45000"/>
+              <a:buFont typeface="Wingdings" charset="2"/>
+              <a:buChar char=""/>
+            </a:pPr>
+            <a:r>
+              <a:rPr b="0" lang="en-US" sz="3200" spc="-1" strike="noStrike">
+                <a:latin typeface="Arial"/>
+              </a:rPr>
+              <a:t>│   ├── </a:t>
+            </a:r>
+            <a:r>
+              <a:rPr b="0" lang="en-US" sz="3200" spc="-1" strike="noStrike">
+                <a:latin typeface="Arial"/>
+              </a:rPr>
+              <a:t>notebooks</a:t>
+            </a:r>
+            <a:endParaRPr b="0" lang="en-US" sz="3200" spc="-1" strike="noStrike">
+              <a:latin typeface="Arial"/>
+            </a:endParaRPr>
+          </a:p>
+          <a:p>
+            <a:pPr marL="432000" indent="-323640">
+              <a:lnSpc>
+                <a:spcPct val="100000"/>
+              </a:lnSpc>
+              <a:spcBef>
+                <a:spcPts val="1417"/>
+              </a:spcBef>
+              <a:buClr>
+                <a:srgbClr val="000000"/>
+              </a:buClr>
+              <a:buSzPct val="45000"/>
+              <a:buFont typeface="Wingdings" charset="2"/>
+              <a:buChar char=""/>
+            </a:pPr>
+            <a:r>
+              <a:rPr b="0" lang="en-US" sz="3200" spc="-1" strike="noStrike">
+                <a:latin typeface="Arial"/>
+              </a:rPr>
+              <a:t>│   ├── </a:t>
+            </a:r>
+            <a:r>
+              <a:rPr b="0" lang="en-US" sz="3200" spc="-1" strike="noStrike">
+                <a:latin typeface="Arial"/>
+              </a:rPr>
+              <a:t>_static</a:t>
+            </a:r>
+            <a:endParaRPr b="0" lang="en-US" sz="3200" spc="-1" strike="noStrike">
+              <a:latin typeface="Arial"/>
+            </a:endParaRPr>
+          </a:p>
+          <a:p>
+            <a:pPr marL="432000" indent="-323640">
+              <a:lnSpc>
+                <a:spcPct val="100000"/>
+              </a:lnSpc>
+              <a:spcBef>
+                <a:spcPts val="1417"/>
+              </a:spcBef>
+              <a:buClr>
+                <a:srgbClr val="000000"/>
+              </a:buClr>
+              <a:buSzPct val="45000"/>
+              <a:buFont typeface="Wingdings" charset="2"/>
+              <a:buChar char=""/>
+            </a:pPr>
+            <a:r>
+              <a:rPr b="0" lang="en-US" sz="3200" spc="-1" strike="noStrike">
+                <a:latin typeface="Arial"/>
+              </a:rPr>
+              <a:t>│   └── </a:t>
+            </a:r>
+            <a:r>
+              <a:rPr b="0" lang="en-US" sz="3200" spc="-1" strike="noStrike">
+                <a:latin typeface="Arial"/>
+              </a:rPr>
+              <a:t>_templates</a:t>
+            </a:r>
+            <a:endParaRPr b="0" lang="en-US" sz="3200" spc="-1" strike="noStrike">
+              <a:latin typeface="Arial"/>
+            </a:endParaRPr>
+          </a:p>
+          <a:p>
+            <a:pPr marL="432000" indent="-323640">
+              <a:lnSpc>
+                <a:spcPct val="100000"/>
+              </a:lnSpc>
+              <a:spcBef>
+                <a:spcPts val="1417"/>
+              </a:spcBef>
+              <a:buClr>
+                <a:srgbClr val="000000"/>
+              </a:buClr>
+              <a:buSzPct val="45000"/>
+              <a:buFont typeface="Wingdings" charset="2"/>
+              <a:buChar char=""/>
+            </a:pPr>
+            <a:r>
+              <a:rPr b="0" lang="en-US" sz="3200" spc="-1" strike="noStrike">
+                <a:latin typeface="Arial"/>
+              </a:rPr>
+              <a:t>├── </a:t>
+            </a:r>
+            <a:r>
+              <a:rPr b="0" lang="en-US" sz="3200" spc="-1" strike="noStrike">
+                <a:latin typeface="Arial"/>
+              </a:rPr>
+              <a:t>examples            # where you would start using sample as framework</a:t>
+            </a:r>
+            <a:endParaRPr b="0" lang="en-US" sz="3200" spc="-1" strike="noStrike">
+              <a:latin typeface="Arial"/>
+            </a:endParaRPr>
+          </a:p>
+          <a:p>
+            <a:pPr marL="432000" indent="-323640">
+              <a:lnSpc>
+                <a:spcPct val="100000"/>
+              </a:lnSpc>
+              <a:spcBef>
+                <a:spcPts val="1417"/>
+              </a:spcBef>
+              <a:buClr>
+                <a:srgbClr val="000000"/>
+              </a:buClr>
+              <a:buSzPct val="45000"/>
+              <a:buFont typeface="Wingdings" charset="2"/>
+              <a:buChar char=""/>
+            </a:pPr>
+            <a:r>
+              <a:rPr b="0" lang="en-US" sz="3200" spc="-1" strike="noStrike">
+                <a:latin typeface="Arial"/>
+              </a:rPr>
+              <a:t>├── </a:t>
+            </a:r>
+            <a:r>
+              <a:rPr b="0" lang="en-US" sz="3200" spc="-1" strike="noStrike">
+                <a:latin typeface="Arial"/>
+              </a:rPr>
+              <a:t>images</a:t>
+            </a:r>
+            <a:endParaRPr b="0" lang="en-US" sz="3200" spc="-1" strike="noStrike">
+              <a:latin typeface="Arial"/>
+            </a:endParaRPr>
+          </a:p>
+          <a:p>
+            <a:pPr marL="432000" indent="-323640">
+              <a:lnSpc>
+                <a:spcPct val="100000"/>
+              </a:lnSpc>
+              <a:spcBef>
+                <a:spcPts val="1417"/>
+              </a:spcBef>
+              <a:buClr>
+                <a:srgbClr val="000000"/>
+              </a:buClr>
+              <a:buSzPct val="45000"/>
+              <a:buFont typeface="Wingdings" charset="2"/>
+              <a:buChar char=""/>
+            </a:pPr>
+            <a:r>
+              <a:rPr b="0" lang="en-US" sz="3200" spc="-1" strike="noStrike">
+                <a:latin typeface="Arial"/>
+              </a:rPr>
+              <a:t>├── </a:t>
+            </a:r>
+            <a:r>
+              <a:rPr b="0" lang="en-US" sz="3200" spc="-1" strike="noStrike">
+                <a:latin typeface="Arial"/>
+              </a:rPr>
+              <a:t>jax</a:t>
+            </a:r>
+            <a:endParaRPr b="0" lang="en-US" sz="3200" spc="-1" strike="noStrike">
+              <a:latin typeface="Arial"/>
+            </a:endParaRPr>
+          </a:p>
+          <a:p>
+            <a:pPr marL="432000" indent="-323640">
+              <a:lnSpc>
+                <a:spcPct val="100000"/>
+              </a:lnSpc>
+              <a:spcBef>
+                <a:spcPts val="1417"/>
+              </a:spcBef>
+              <a:buClr>
+                <a:srgbClr val="000000"/>
+              </a:buClr>
+              <a:buSzPct val="45000"/>
+              <a:buFont typeface="Wingdings" charset="2"/>
+              <a:buChar char=""/>
+            </a:pPr>
+            <a:r>
+              <a:rPr b="0" lang="en-US" sz="3200" spc="-1" strike="noStrike">
+                <a:latin typeface="Arial"/>
+              </a:rPr>
+              <a:t>│   ├── </a:t>
+            </a:r>
+            <a:r>
+              <a:rPr b="0" lang="en-US" sz="3200" spc="-1" strike="noStrike">
+                <a:latin typeface="Arial"/>
+              </a:rPr>
+              <a:t>experimental</a:t>
+            </a:r>
+            <a:endParaRPr b="0" lang="en-US" sz="3200" spc="-1" strike="noStrike">
+              <a:latin typeface="Arial"/>
+            </a:endParaRPr>
+          </a:p>
+          <a:p>
+            <a:pPr marL="432000" indent="-323640">
+              <a:lnSpc>
+                <a:spcPct val="100000"/>
+              </a:lnSpc>
+              <a:spcBef>
+                <a:spcPts val="1417"/>
+              </a:spcBef>
+              <a:buClr>
+                <a:srgbClr val="000000"/>
+              </a:buClr>
+              <a:buSzPct val="45000"/>
+              <a:buFont typeface="Wingdings" charset="2"/>
+              <a:buChar char=""/>
+            </a:pPr>
+            <a:r>
+              <a:rPr b="0" lang="en-US" sz="3200" spc="-1" strike="noStrike">
+                <a:latin typeface="Arial"/>
+              </a:rPr>
+              <a:t>│   ├── </a:t>
+            </a:r>
+            <a:r>
+              <a:rPr b="0" lang="en-US" sz="3200" spc="-1" strike="noStrike">
+                <a:latin typeface="Arial"/>
+              </a:rPr>
+              <a:t>interpreters</a:t>
+            </a:r>
+            <a:endParaRPr b="0" lang="en-US" sz="3200" spc="-1" strike="noStrike">
+              <a:latin typeface="Arial"/>
+            </a:endParaRPr>
+          </a:p>
+          <a:p>
+            <a:pPr marL="432000" indent="-323640">
+              <a:lnSpc>
+                <a:spcPct val="100000"/>
+              </a:lnSpc>
+              <a:spcBef>
+                <a:spcPts val="1417"/>
+              </a:spcBef>
+              <a:buClr>
+                <a:srgbClr val="000000"/>
+              </a:buClr>
+              <a:buSzPct val="45000"/>
+              <a:buFont typeface="Wingdings" charset="2"/>
+              <a:buChar char=""/>
+            </a:pPr>
+            <a:r>
+              <a:rPr b="0" lang="en-US" sz="3200" spc="-1" strike="noStrike">
+                <a:latin typeface="Arial"/>
+              </a:rPr>
+              <a:t>│   ├── </a:t>
+            </a:r>
+            <a:r>
+              <a:rPr b="0" lang="en-US" sz="3200" spc="-1" strike="noStrike">
+                <a:latin typeface="Arial"/>
+              </a:rPr>
+              <a:t>lax</a:t>
+            </a:r>
+            <a:endParaRPr b="0" lang="en-US" sz="3200" spc="-1" strike="noStrike">
+              <a:latin typeface="Arial"/>
+            </a:endParaRPr>
+          </a:p>
+          <a:p>
+            <a:pPr marL="432000" indent="-323640">
+              <a:lnSpc>
+                <a:spcPct val="100000"/>
+              </a:lnSpc>
+              <a:spcBef>
+                <a:spcPts val="1417"/>
+              </a:spcBef>
+              <a:buClr>
+                <a:srgbClr val="000000"/>
+              </a:buClr>
+              <a:buSzPct val="45000"/>
+              <a:buFont typeface="Wingdings" charset="2"/>
+              <a:buChar char=""/>
+            </a:pPr>
+            <a:r>
+              <a:rPr b="0" lang="en-US" sz="3200" spc="-1" strike="noStrike">
+                <a:latin typeface="Arial"/>
+              </a:rPr>
+              <a:t>│   ├── </a:t>
+            </a:r>
+            <a:r>
+              <a:rPr b="0" lang="en-US" sz="3200" spc="-1" strike="noStrike">
+                <a:latin typeface="Arial"/>
+              </a:rPr>
+              <a:t>lib</a:t>
+            </a:r>
+            <a:endParaRPr b="0" lang="en-US" sz="3200" spc="-1" strike="noStrike">
+              <a:latin typeface="Arial"/>
+            </a:endParaRPr>
+          </a:p>
+          <a:p>
+            <a:pPr marL="432000" indent="-323640">
+              <a:lnSpc>
+                <a:spcPct val="100000"/>
+              </a:lnSpc>
+              <a:spcBef>
+                <a:spcPts val="1417"/>
+              </a:spcBef>
+              <a:buClr>
+                <a:srgbClr val="000000"/>
+              </a:buClr>
+              <a:buSzPct val="45000"/>
+              <a:buFont typeface="Wingdings" charset="2"/>
+              <a:buChar char=""/>
+            </a:pPr>
+            <a:r>
+              <a:rPr b="0" lang="en-US" sz="3200" spc="-1" strike="noStrike">
+                <a:latin typeface="Arial"/>
+              </a:rPr>
+              <a:t>│   ├── </a:t>
+            </a:r>
+            <a:r>
+              <a:rPr b="0" lang="en-US" sz="3200" spc="-1" strike="noStrike">
+                <a:latin typeface="Arial"/>
+              </a:rPr>
+              <a:t>nn</a:t>
+            </a:r>
+            <a:endParaRPr b="0" lang="en-US" sz="3200" spc="-1" strike="noStrike">
+              <a:latin typeface="Arial"/>
+            </a:endParaRPr>
+          </a:p>
+          <a:p>
+            <a:pPr marL="432000" indent="-323640">
+              <a:lnSpc>
+                <a:spcPct val="100000"/>
+              </a:lnSpc>
+              <a:spcBef>
+                <a:spcPts val="1417"/>
+              </a:spcBef>
+              <a:buClr>
+                <a:srgbClr val="000000"/>
+              </a:buClr>
+              <a:buSzPct val="45000"/>
+              <a:buFont typeface="Wingdings" charset="2"/>
+              <a:buChar char=""/>
+            </a:pPr>
+            <a:r>
+              <a:rPr b="0" lang="en-US" sz="3200" spc="-1" strike="noStrike">
+                <a:latin typeface="Arial"/>
+              </a:rPr>
+              <a:t>│   ├── </a:t>
+            </a:r>
+            <a:r>
+              <a:rPr b="0" lang="en-US" sz="3200" spc="-1" strike="noStrike">
+                <a:latin typeface="Arial"/>
+              </a:rPr>
+              <a:t>numpy</a:t>
+            </a:r>
+            <a:endParaRPr b="0" lang="en-US" sz="3200" spc="-1" strike="noStrike">
+              <a:latin typeface="Arial"/>
+            </a:endParaRPr>
+          </a:p>
+          <a:p>
+            <a:pPr marL="432000" indent="-323640">
+              <a:lnSpc>
+                <a:spcPct val="100000"/>
+              </a:lnSpc>
+              <a:spcBef>
+                <a:spcPts val="1417"/>
+              </a:spcBef>
+              <a:buClr>
+                <a:srgbClr val="000000"/>
+              </a:buClr>
+              <a:buSzPct val="45000"/>
+              <a:buFont typeface="Wingdings" charset="2"/>
+              <a:buChar char=""/>
+            </a:pPr>
+            <a:r>
+              <a:rPr b="0" lang="en-US" sz="3200" spc="-1" strike="noStrike">
+                <a:latin typeface="Arial"/>
+              </a:rPr>
+              <a:t>│   ├── </a:t>
+            </a:r>
+            <a:r>
+              <a:rPr b="0" lang="en-US" sz="3200" spc="-1" strike="noStrike">
+                <a:latin typeface="Arial"/>
+              </a:rPr>
+              <a:t>ops</a:t>
+            </a:r>
+            <a:endParaRPr b="0" lang="en-US" sz="3200" spc="-1" strike="noStrike">
+              <a:latin typeface="Arial"/>
+            </a:endParaRPr>
+          </a:p>
+          <a:p>
+            <a:pPr marL="432000" indent="-323640">
+              <a:lnSpc>
+                <a:spcPct val="100000"/>
+              </a:lnSpc>
+              <a:spcBef>
+                <a:spcPts val="1417"/>
+              </a:spcBef>
+              <a:buClr>
+                <a:srgbClr val="000000"/>
+              </a:buClr>
+              <a:buSzPct val="45000"/>
+              <a:buFont typeface="Wingdings" charset="2"/>
+              <a:buChar char=""/>
+            </a:pPr>
+            <a:r>
+              <a:rPr b="0" lang="en-US" sz="3200" spc="-1" strike="noStrike">
+                <a:latin typeface="Arial"/>
+              </a:rPr>
+              <a:t>│   ├── </a:t>
+            </a:r>
+            <a:r>
+              <a:rPr b="0" lang="en-US" sz="3200" spc="-1" strike="noStrike">
+                <a:latin typeface="Arial"/>
+              </a:rPr>
+              <a:t>scipy</a:t>
+            </a:r>
+            <a:endParaRPr b="0" lang="en-US" sz="3200" spc="-1" strike="noStrike">
+              <a:latin typeface="Arial"/>
+            </a:endParaRPr>
+          </a:p>
+          <a:p>
+            <a:pPr marL="432000" indent="-323640">
+              <a:lnSpc>
+                <a:spcPct val="100000"/>
+              </a:lnSpc>
+              <a:spcBef>
+                <a:spcPts val="1417"/>
+              </a:spcBef>
+              <a:buClr>
+                <a:srgbClr val="000000"/>
+              </a:buClr>
+              <a:buSzPct val="45000"/>
+              <a:buFont typeface="Wingdings" charset="2"/>
+              <a:buChar char=""/>
+            </a:pPr>
+            <a:r>
+              <a:rPr b="0" lang="en-US" sz="3200" spc="-1" strike="noStrike">
+                <a:latin typeface="Arial"/>
+              </a:rPr>
+              <a:t>│   │   ├── </a:t>
+            </a:r>
+            <a:r>
+              <a:rPr b="0" lang="en-US" sz="3200" spc="-1" strike="noStrike">
+                <a:latin typeface="Arial"/>
+              </a:rPr>
+              <a:t>sparse</a:t>
+            </a:r>
+            <a:endParaRPr b="0" lang="en-US" sz="3200" spc="-1" strike="noStrike">
+              <a:latin typeface="Arial"/>
+            </a:endParaRPr>
+          </a:p>
+          <a:p>
+            <a:pPr marL="432000" indent="-323640">
+              <a:lnSpc>
+                <a:spcPct val="100000"/>
+              </a:lnSpc>
+              <a:spcBef>
+                <a:spcPts val="1417"/>
+              </a:spcBef>
+              <a:buClr>
+                <a:srgbClr val="000000"/>
+              </a:buClr>
+              <a:buSzPct val="45000"/>
+              <a:buFont typeface="Wingdings" charset="2"/>
+              <a:buChar char=""/>
+            </a:pPr>
+            <a:r>
+              <a:rPr b="0" lang="en-US" sz="3200" spc="-1" strike="noStrike">
+                <a:latin typeface="Arial"/>
+              </a:rPr>
+              <a:t>│   │   └── </a:t>
+            </a:r>
+            <a:r>
+              <a:rPr b="0" lang="en-US" sz="3200" spc="-1" strike="noStrike">
+                <a:latin typeface="Arial"/>
+              </a:rPr>
+              <a:t>stats</a:t>
+            </a:r>
+            <a:endParaRPr b="0" lang="en-US" sz="3200" spc="-1" strike="noStrike">
+              <a:latin typeface="Arial"/>
+            </a:endParaRPr>
+          </a:p>
+          <a:p>
+            <a:pPr marL="432000" indent="-323640">
+              <a:lnSpc>
+                <a:spcPct val="100000"/>
+              </a:lnSpc>
+              <a:spcBef>
+                <a:spcPts val="1417"/>
+              </a:spcBef>
+              <a:buClr>
+                <a:srgbClr val="000000"/>
+              </a:buClr>
+              <a:buSzPct val="45000"/>
+              <a:buFont typeface="Wingdings" charset="2"/>
+              <a:buChar char=""/>
+            </a:pPr>
+            <a:r>
+              <a:rPr b="0" lang="en-US" sz="3200" spc="-1" strike="noStrike">
+                <a:latin typeface="Arial"/>
+              </a:rPr>
+              <a:t>│   ├── </a:t>
+            </a:r>
+            <a:r>
+              <a:rPr b="0" lang="en-US" sz="3200" spc="-1" strike="noStrike">
+                <a:latin typeface="Arial"/>
+              </a:rPr>
+              <a:t>third_party</a:t>
+            </a:r>
+            <a:endParaRPr b="0" lang="en-US" sz="3200" spc="-1" strike="noStrike">
+              <a:latin typeface="Arial"/>
+            </a:endParaRPr>
+          </a:p>
+          <a:p>
+            <a:pPr marL="432000" indent="-323640">
+              <a:lnSpc>
+                <a:spcPct val="100000"/>
+              </a:lnSpc>
+              <a:spcBef>
+                <a:spcPts val="1417"/>
+              </a:spcBef>
+              <a:buClr>
+                <a:srgbClr val="000000"/>
+              </a:buClr>
+              <a:buSzPct val="45000"/>
+              <a:buFont typeface="Wingdings" charset="2"/>
+              <a:buChar char=""/>
+            </a:pPr>
+            <a:r>
+              <a:rPr b="0" lang="en-US" sz="3200" spc="-1" strike="noStrike">
+                <a:latin typeface="Arial"/>
+              </a:rPr>
+              <a:t>│   │   └── </a:t>
+            </a:r>
+            <a:r>
+              <a:rPr b="0" lang="en-US" sz="3200" spc="-1" strike="noStrike">
+                <a:latin typeface="Arial"/>
+              </a:rPr>
+              <a:t>numpy</a:t>
+            </a:r>
+            <a:endParaRPr b="0" lang="en-US" sz="3200" spc="-1" strike="noStrike">
+              <a:latin typeface="Arial"/>
+            </a:endParaRPr>
+          </a:p>
+          <a:p>
+            <a:pPr marL="432000" indent="-323640">
+              <a:lnSpc>
+                <a:spcPct val="100000"/>
+              </a:lnSpc>
+              <a:spcBef>
+                <a:spcPts val="1417"/>
+              </a:spcBef>
+              <a:buClr>
+                <a:srgbClr val="000000"/>
+              </a:buClr>
+              <a:buSzPct val="45000"/>
+              <a:buFont typeface="Wingdings" charset="2"/>
+              <a:buChar char=""/>
+            </a:pPr>
+            <a:r>
+              <a:rPr b="0" lang="en-US" sz="3200" spc="-1" strike="noStrike">
+                <a:latin typeface="Arial"/>
+              </a:rPr>
+              <a:t>│   └── </a:t>
+            </a:r>
+            <a:r>
+              <a:rPr b="0" lang="en-US" sz="3200" spc="-1" strike="noStrike">
+                <a:latin typeface="Arial"/>
+              </a:rPr>
+              <a:t>tools</a:t>
+            </a:r>
+            <a:endParaRPr b="0" lang="en-US" sz="3200" spc="-1" strike="noStrike">
+              <a:latin typeface="Arial"/>
+            </a:endParaRPr>
+          </a:p>
+          <a:p>
+            <a:pPr marL="432000" indent="-323640">
+              <a:lnSpc>
+                <a:spcPct val="100000"/>
+              </a:lnSpc>
+              <a:spcBef>
+                <a:spcPts val="1417"/>
+              </a:spcBef>
+              <a:buClr>
+                <a:srgbClr val="000000"/>
+              </a:buClr>
+              <a:buSzPct val="45000"/>
+              <a:buFont typeface="Wingdings" charset="2"/>
+              <a:buChar char=""/>
+            </a:pPr>
+            <a:r>
+              <a:rPr b="0" lang="en-US" sz="3200" spc="-1" strike="noStrike">
+                <a:latin typeface="Arial"/>
+              </a:rPr>
+              <a:t>├── </a:t>
+            </a:r>
+            <a:r>
+              <a:rPr b="0" lang="en-US" sz="3200" spc="-1" strike="noStrike">
+                <a:latin typeface="Arial"/>
+              </a:rPr>
+              <a:t>jaxlib</a:t>
+            </a:r>
+            <a:endParaRPr b="0" lang="en-US" sz="3200" spc="-1" strike="noStrike">
+              <a:latin typeface="Arial"/>
+            </a:endParaRPr>
+          </a:p>
+          <a:p>
+            <a:pPr marL="432000" indent="-323640">
+              <a:lnSpc>
+                <a:spcPct val="100000"/>
+              </a:lnSpc>
+              <a:spcBef>
+                <a:spcPts val="1417"/>
+              </a:spcBef>
+              <a:buClr>
+                <a:srgbClr val="000000"/>
+              </a:buClr>
+              <a:buSzPct val="45000"/>
+              <a:buFont typeface="Wingdings" charset="2"/>
+              <a:buChar char=""/>
+            </a:pPr>
+            <a:r>
+              <a:rPr b="0" lang="en-US" sz="3200" spc="-1" strike="noStrike">
+                <a:latin typeface="Arial"/>
+              </a:rPr>
+              <a:t>└── </a:t>
+            </a:r>
+            <a:r>
+              <a:rPr b="0" lang="en-US" sz="3200" spc="-1" strike="noStrike">
+                <a:latin typeface="Arial"/>
+              </a:rPr>
+              <a:t>tests</a:t>
+            </a:r>
+            <a:endParaRPr b="0" lang="en-US" sz="3200" spc="-1" strike="noStrike">
+              <a:latin typeface="Arial"/>
+            </a:endParaRPr>
+          </a:p>
+          <a:p>
+            <a:pPr marL="432000" indent="-323640">
+              <a:lnSpc>
+                <a:spcPct val="100000"/>
+              </a:lnSpc>
+              <a:spcBef>
+                <a:spcPts val="1417"/>
+              </a:spcBef>
+              <a:buClr>
+                <a:srgbClr val="000000"/>
+              </a:buClr>
+              <a:buSzPct val="45000"/>
+              <a:buFont typeface="Wingdings" charset="2"/>
+              <a:buChar char=""/>
+            </a:pPr>
+            <a:r>
+              <a:rPr b="0" lang="en-US" sz="3200" spc="-1" strike="noStrike">
+                <a:latin typeface="Arial"/>
+              </a:rPr>
+              <a:t>    └── </a:t>
+            </a:r>
+            <a:r>
+              <a:rPr b="0" lang="en-US" sz="3200" spc="-1" strike="noStrike">
+                <a:latin typeface="Arial"/>
+              </a:rPr>
+              <a:t>benchmarks</a:t>
+            </a:r>
+            <a:endParaRPr b="0" lang="en-US" sz="3200" spc="-1" strike="noStrike">
+              <a:latin typeface="Arial"/>
+            </a:endParaRPr>
+          </a:p>
+          <a:p>
+            <a:pPr marL="432000" indent="-323640">
+              <a:lnSpc>
+                <a:spcPct val="100000"/>
+              </a:lnSpc>
+              <a:spcBef>
+                <a:spcPts val="1417"/>
+              </a:spcBef>
+              <a:buClr>
+                <a:srgbClr val="000000"/>
+              </a:buClr>
+              <a:buSzPct val="45000"/>
+              <a:buFont typeface="Wingdings" charset="2"/>
+              <a:buChar char=""/>
+            </a:pPr>
+            <a:r>
+              <a:rPr b="0" lang="en-US" sz="3200" spc="-1" strike="noStrike">
                 <a:latin typeface="Arial"/>
               </a:rPr>
               <a:t> </a:t>
             </a:r>
-            <a:endParaRPr b="0" lang="en-US" sz="9600" spc="-1" strike="noStrike">
-              <a:latin typeface="Arial"/>
-            </a:endParaRPr>
-          </a:p>
-          <a:p>
-            <a:pPr marL="432000" indent="-324000">
+            <a:endParaRPr b="0" lang="en-US" sz="3200" spc="-1" strike="noStrike">
+              <a:latin typeface="Arial"/>
+            </a:endParaRPr>
+          </a:p>
+          <a:p>
+            <a:pPr marL="432000" indent="-323640">
+              <a:lnSpc>
+                <a:spcPct val="100000"/>
+              </a:lnSpc>
+              <a:spcBef>
+                <a:spcPts val="1417"/>
+              </a:spcBef>
+              <a:buClr>
+                <a:srgbClr val="000000"/>
+              </a:buClr>
+              <a:buSzPct val="45000"/>
+              <a:buFont typeface="Wingdings" charset="2"/>
+              <a:buChar char=""/>
+            </a:pPr>
+            <a:r>
+              <a:rPr b="0" lang="en-US" sz="3200" spc="-1" strike="noStrike">
+                <a:latin typeface="Arial"/>
+              </a:rPr>
+              <a:t>my_old_numpy_code</a:t>
+            </a:r>
+            <a:endParaRPr b="0" lang="en-US" sz="3200" spc="-1" strike="noStrike">
+              <a:latin typeface="Arial"/>
+            </a:endParaRPr>
+          </a:p>
+          <a:p>
+            <a:pPr marL="432000" indent="-323640">
+              <a:lnSpc>
+                <a:spcPct val="100000"/>
+              </a:lnSpc>
               <a:spcBef>
                 <a:spcPts val="1417"/>
               </a:spcBef>
@@ -3452,927 +7914,20 @@
               <a:rPr b="0" lang="en-US" sz="3200" spc="-1" strike="noStrike">
                 <a:latin typeface="Arial"/>
               </a:rPr>
-              <a:t>benchmark</a:t>
-            </a:r>
-            <a:endParaRPr b="0" lang="en-US" sz="3200" spc="-1" strike="noStrike">
-              <a:latin typeface="Arial"/>
-            </a:endParaRPr>
-          </a:p>
-          <a:p>
-            <a:pPr marL="432000" indent="-324000">
-              <a:spcBef>
-                <a:spcPts val="1417"/>
-              </a:spcBef>
-              <a:buClr>
-                <a:srgbClr val="000000"/>
-              </a:buClr>
-              <a:buSzPct val="45000"/>
-              <a:buFont typeface="Wingdings" charset="2"/>
-              <a:buChar char=""/>
-            </a:pPr>
-            <a:r>
-              <a:rPr b="0" lang="en-US" sz="3200" spc="-1" strike="noStrike">
-                <a:latin typeface="Arial"/>
-              </a:rPr>
-              <a:t>├── </a:t>
-            </a:r>
-            <a:r>
-              <a:rPr b="0" lang="en-US" sz="3200" spc="-1" strike="noStrike">
-                <a:latin typeface="Arial"/>
-              </a:rPr>
-              <a:t>build</a:t>
-            </a:r>
-            <a:endParaRPr b="0" lang="en-US" sz="3200" spc="-1" strike="noStrike">
-              <a:latin typeface="Arial"/>
-            </a:endParaRPr>
-          </a:p>
-          <a:p>
-            <a:pPr marL="432000" indent="-324000">
-              <a:spcBef>
-                <a:spcPts val="1417"/>
-              </a:spcBef>
-              <a:buClr>
-                <a:srgbClr val="000000"/>
-              </a:buClr>
-              <a:buSzPct val="45000"/>
-              <a:buFont typeface="Wingdings" charset="2"/>
-              <a:buChar char=""/>
-            </a:pPr>
-            <a:r>
-              <a:rPr b="0" lang="en-US" sz="3200" spc="-1" strike="noStrike">
-                <a:latin typeface="Arial"/>
-              </a:rPr>
-              <a:t>│   └── </a:t>
-            </a:r>
-            <a:r>
-              <a:rPr b="0" lang="en-US" sz="3200" spc="-1" strike="noStrike">
-                <a:latin typeface="Arial"/>
-              </a:rPr>
-              <a:t>jaxlib</a:t>
-            </a:r>
-            <a:endParaRPr b="0" lang="en-US" sz="3200" spc="-1" strike="noStrike">
-              <a:latin typeface="Arial"/>
-            </a:endParaRPr>
-          </a:p>
-          <a:p>
-            <a:pPr marL="432000" indent="-324000">
-              <a:spcBef>
-                <a:spcPts val="1417"/>
-              </a:spcBef>
-              <a:buClr>
-                <a:srgbClr val="000000"/>
-              </a:buClr>
-              <a:buSzPct val="45000"/>
-              <a:buFont typeface="Wingdings" charset="2"/>
-              <a:buChar char=""/>
-            </a:pPr>
-            <a:r>
-              <a:rPr b="0" lang="en-US" sz="3200" spc="-1" strike="noStrike">
-                <a:latin typeface="Arial"/>
-              </a:rPr>
-              <a:t>├── </a:t>
-            </a:r>
-            <a:r>
-              <a:rPr b="0" lang="en-US" sz="3200" spc="-1" strike="noStrike">
-                <a:latin typeface="Arial"/>
-              </a:rPr>
-              <a:t>cloud_tpu_colabs</a:t>
-            </a:r>
-            <a:endParaRPr b="0" lang="en-US" sz="3200" spc="-1" strike="noStrike">
-              <a:latin typeface="Arial"/>
-            </a:endParaRPr>
-          </a:p>
-          <a:p>
-            <a:pPr marL="432000" indent="-324000">
-              <a:spcBef>
-                <a:spcPts val="1417"/>
-              </a:spcBef>
-              <a:buClr>
-                <a:srgbClr val="000000"/>
-              </a:buClr>
-              <a:buSzPct val="45000"/>
-              <a:buFont typeface="Wingdings" charset="2"/>
-              <a:buChar char=""/>
-            </a:pPr>
-            <a:r>
-              <a:rPr b="0" lang="en-US" sz="3200" spc="-1" strike="noStrike">
-                <a:latin typeface="Arial"/>
-              </a:rPr>
-              <a:t>│   └── </a:t>
-            </a:r>
-            <a:r>
-              <a:rPr b="0" lang="en-US" sz="3200" spc="-1" strike="noStrike">
-                <a:latin typeface="Arial"/>
-              </a:rPr>
-              <a:t>images</a:t>
-            </a:r>
-            <a:endParaRPr b="0" lang="en-US" sz="3200" spc="-1" strike="noStrike">
-              <a:latin typeface="Arial"/>
-            </a:endParaRPr>
-          </a:p>
-          <a:p>
-            <a:pPr marL="432000" indent="-324000">
-              <a:spcBef>
-                <a:spcPts val="1417"/>
-              </a:spcBef>
-              <a:buClr>
-                <a:srgbClr val="000000"/>
-              </a:buClr>
-              <a:buSzPct val="45000"/>
-              <a:buFont typeface="Wingdings" charset="2"/>
-              <a:buChar char=""/>
-            </a:pPr>
-            <a:r>
-              <a:rPr b="0" lang="en-US" sz="3200" spc="-1" strike="noStrike">
-                <a:latin typeface="Arial"/>
-              </a:rPr>
-              <a:t>├── </a:t>
-            </a:r>
-            <a:r>
-              <a:rPr b="0" lang="en-US" sz="3200" spc="-1" strike="noStrike">
-                <a:latin typeface="Arial"/>
-              </a:rPr>
-              <a:t>design_notes</a:t>
-            </a:r>
-            <a:endParaRPr b="0" lang="en-US" sz="3200" spc="-1" strike="noStrike">
-              <a:latin typeface="Arial"/>
-            </a:endParaRPr>
-          </a:p>
-          <a:p>
-            <a:pPr marL="432000" indent="-324000">
-              <a:spcBef>
-                <a:spcPts val="1417"/>
-              </a:spcBef>
-              <a:buClr>
-                <a:srgbClr val="000000"/>
-              </a:buClr>
-              <a:buSzPct val="45000"/>
-              <a:buFont typeface="Wingdings" charset="2"/>
-              <a:buChar char=""/>
-            </a:pPr>
-            <a:r>
-              <a:rPr b="0" lang="en-US" sz="3200" spc="-1" strike="noStrike">
-                <a:latin typeface="Arial"/>
-              </a:rPr>
-              <a:t>├── </a:t>
-            </a:r>
-            <a:r>
-              <a:rPr b="0" lang="en-US" sz="3200" spc="-1" strike="noStrike">
-                <a:latin typeface="Arial"/>
-              </a:rPr>
-              <a:t>docs</a:t>
-            </a:r>
-            <a:endParaRPr b="0" lang="en-US" sz="3200" spc="-1" strike="noStrike">
-              <a:latin typeface="Arial"/>
-            </a:endParaRPr>
-          </a:p>
-          <a:p>
-            <a:pPr marL="432000" indent="-324000">
-              <a:spcBef>
-                <a:spcPts val="1417"/>
-              </a:spcBef>
-              <a:buClr>
-                <a:srgbClr val="000000"/>
-              </a:buClr>
-              <a:buSzPct val="45000"/>
-              <a:buFont typeface="Wingdings" charset="2"/>
-              <a:buChar char=""/>
-            </a:pPr>
-            <a:r>
-              <a:rPr b="0" lang="en-US" sz="3200" spc="-1" strike="noStrike">
-                <a:latin typeface="Arial"/>
-              </a:rPr>
-              <a:t>│   ├── </a:t>
-            </a:r>
-            <a:r>
-              <a:rPr b="0" lang="en-US" sz="3200" spc="-1" strike="noStrike">
-                <a:latin typeface="Arial"/>
-              </a:rPr>
-              <a:t>notebooks</a:t>
-            </a:r>
-            <a:endParaRPr b="0" lang="en-US" sz="3200" spc="-1" strike="noStrike">
-              <a:latin typeface="Arial"/>
-            </a:endParaRPr>
-          </a:p>
-          <a:p>
-            <a:pPr marL="432000" indent="-324000">
-              <a:spcBef>
-                <a:spcPts val="1417"/>
-              </a:spcBef>
-              <a:buClr>
-                <a:srgbClr val="000000"/>
-              </a:buClr>
-              <a:buSzPct val="45000"/>
-              <a:buFont typeface="Wingdings" charset="2"/>
-              <a:buChar char=""/>
-            </a:pPr>
-            <a:r>
-              <a:rPr b="0" lang="en-US" sz="3200" spc="-1" strike="noStrike">
-                <a:latin typeface="Arial"/>
-              </a:rPr>
-              <a:t>│   ├── </a:t>
-            </a:r>
-            <a:r>
-              <a:rPr b="0" lang="en-US" sz="3200" spc="-1" strike="noStrike">
-                <a:latin typeface="Arial"/>
-              </a:rPr>
-              <a:t>_static</a:t>
-            </a:r>
-            <a:endParaRPr b="0" lang="en-US" sz="3200" spc="-1" strike="noStrike">
-              <a:latin typeface="Arial"/>
-            </a:endParaRPr>
-          </a:p>
-          <a:p>
-            <a:pPr marL="432000" indent="-324000">
-              <a:spcBef>
-                <a:spcPts val="1417"/>
-              </a:spcBef>
-              <a:buClr>
-                <a:srgbClr val="000000"/>
-              </a:buClr>
-              <a:buSzPct val="45000"/>
-              <a:buFont typeface="Wingdings" charset="2"/>
-              <a:buChar char=""/>
-            </a:pPr>
-            <a:r>
-              <a:rPr b="0" lang="en-US" sz="3200" spc="-1" strike="noStrike">
-                <a:latin typeface="Arial"/>
-              </a:rPr>
-              <a:t>│   └── </a:t>
-            </a:r>
-            <a:r>
-              <a:rPr b="0" lang="en-US" sz="3200" spc="-1" strike="noStrike">
-                <a:latin typeface="Arial"/>
-              </a:rPr>
-              <a:t>_templates</a:t>
-            </a:r>
-            <a:endParaRPr b="0" lang="en-US" sz="3200" spc="-1" strike="noStrike">
-              <a:latin typeface="Arial"/>
-            </a:endParaRPr>
-          </a:p>
-          <a:p>
-            <a:pPr marL="432000" indent="-324000">
-              <a:spcBef>
-                <a:spcPts val="1417"/>
-              </a:spcBef>
-              <a:buClr>
-                <a:srgbClr val="000000"/>
-              </a:buClr>
-              <a:buSzPct val="45000"/>
-              <a:buFont typeface="Wingdings" charset="2"/>
-              <a:buChar char=""/>
-            </a:pPr>
-            <a:r>
-              <a:rPr b="0" lang="en-US" sz="3200" spc="-1" strike="noStrike">
-                <a:latin typeface="Arial"/>
-              </a:rPr>
-              <a:t>├── </a:t>
-            </a:r>
-            <a:r>
-              <a:rPr b="0" lang="en-US" sz="3200" spc="-1" strike="noStrike">
-                <a:latin typeface="Arial"/>
-              </a:rPr>
-              <a:t>examples          </a:t>
-            </a:r>
-            <a:r>
-              <a:rPr b="0" lang="en-US" sz="3200" spc="-1" strike="noStrike">
-                <a:latin typeface="Arial"/>
-              </a:rPr>
-              <a:t>  # where you would </a:t>
-            </a:r>
-            <a:r>
-              <a:rPr b="0" lang="en-US" sz="3200" spc="-1" strike="noStrike">
-                <a:latin typeface="Arial"/>
-              </a:rPr>
-              <a:t>start using sample as </a:t>
-            </a:r>
-            <a:r>
-              <a:rPr b="0" lang="en-US" sz="3200" spc="-1" strike="noStrike">
-                <a:latin typeface="Arial"/>
-              </a:rPr>
-              <a:t>framework</a:t>
-            </a:r>
-            <a:endParaRPr b="0" lang="en-US" sz="3200" spc="-1" strike="noStrike">
-              <a:latin typeface="Arial"/>
-            </a:endParaRPr>
-          </a:p>
-          <a:p>
-            <a:pPr marL="432000" indent="-324000">
-              <a:spcBef>
-                <a:spcPts val="1417"/>
-              </a:spcBef>
-              <a:buClr>
-                <a:srgbClr val="000000"/>
-              </a:buClr>
-              <a:buSzPct val="45000"/>
-              <a:buFont typeface="Wingdings" charset="2"/>
-              <a:buChar char=""/>
-            </a:pPr>
-            <a:r>
-              <a:rPr b="0" lang="en-US" sz="3200" spc="-1" strike="noStrike">
-                <a:latin typeface="Arial"/>
-              </a:rPr>
-              <a:t>├── </a:t>
-            </a:r>
-            <a:r>
-              <a:rPr b="0" lang="en-US" sz="3200" spc="-1" strike="noStrike">
-                <a:latin typeface="Arial"/>
-              </a:rPr>
-              <a:t>images</a:t>
-            </a:r>
-            <a:endParaRPr b="0" lang="en-US" sz="3200" spc="-1" strike="noStrike">
-              <a:latin typeface="Arial"/>
-            </a:endParaRPr>
-          </a:p>
-          <a:p>
-            <a:pPr marL="432000" indent="-324000">
-              <a:spcBef>
-                <a:spcPts val="1417"/>
-              </a:spcBef>
-              <a:buClr>
-                <a:srgbClr val="000000"/>
-              </a:buClr>
-              <a:buSzPct val="45000"/>
-              <a:buFont typeface="Wingdings" charset="2"/>
-              <a:buChar char=""/>
-            </a:pPr>
-            <a:r>
-              <a:rPr b="0" lang="en-US" sz="3200" spc="-1" strike="noStrike">
-                <a:latin typeface="Arial"/>
-              </a:rPr>
-              <a:t>├── </a:t>
-            </a:r>
-            <a:r>
-              <a:rPr b="0" lang="en-US" sz="3200" spc="-1" strike="noStrike">
-                <a:latin typeface="Arial"/>
-              </a:rPr>
-              <a:t>jax</a:t>
-            </a:r>
-            <a:endParaRPr b="0" lang="en-US" sz="3200" spc="-1" strike="noStrike">
-              <a:latin typeface="Arial"/>
-            </a:endParaRPr>
-          </a:p>
-          <a:p>
-            <a:pPr marL="432000" indent="-324000">
-              <a:spcBef>
-                <a:spcPts val="1417"/>
-              </a:spcBef>
-              <a:buClr>
-                <a:srgbClr val="000000"/>
-              </a:buClr>
-              <a:buSzPct val="45000"/>
-              <a:buFont typeface="Wingdings" charset="2"/>
-              <a:buChar char=""/>
-            </a:pPr>
-            <a:r>
-              <a:rPr b="0" lang="en-US" sz="3200" spc="-1" strike="noStrike">
-                <a:latin typeface="Arial"/>
-              </a:rPr>
-              <a:t>│   ├── </a:t>
-            </a:r>
-            <a:r>
-              <a:rPr b="0" lang="en-US" sz="3200" spc="-1" strike="noStrike">
-                <a:latin typeface="Arial"/>
-              </a:rPr>
-              <a:t>experimental</a:t>
-            </a:r>
-            <a:endParaRPr b="0" lang="en-US" sz="3200" spc="-1" strike="noStrike">
-              <a:latin typeface="Arial"/>
-            </a:endParaRPr>
-          </a:p>
-          <a:p>
-            <a:pPr marL="432000" indent="-324000">
-              <a:spcBef>
-                <a:spcPts val="1417"/>
-              </a:spcBef>
-              <a:buClr>
-                <a:srgbClr val="000000"/>
-              </a:buClr>
-              <a:buSzPct val="45000"/>
-              <a:buFont typeface="Wingdings" charset="2"/>
-              <a:buChar char=""/>
-            </a:pPr>
-            <a:r>
-              <a:rPr b="0" lang="en-US" sz="3200" spc="-1" strike="noStrike">
-                <a:latin typeface="Arial"/>
-              </a:rPr>
-              <a:t>│   ├── </a:t>
-            </a:r>
-            <a:r>
-              <a:rPr b="0" lang="en-US" sz="3200" spc="-1" strike="noStrike">
-                <a:latin typeface="Arial"/>
-              </a:rPr>
-              <a:t>interpreters</a:t>
-            </a:r>
-            <a:endParaRPr b="0" lang="en-US" sz="3200" spc="-1" strike="noStrike">
-              <a:latin typeface="Arial"/>
-            </a:endParaRPr>
-          </a:p>
-          <a:p>
-            <a:pPr marL="432000" indent="-324000">
-              <a:spcBef>
-                <a:spcPts val="1417"/>
-              </a:spcBef>
-              <a:buClr>
-                <a:srgbClr val="000000"/>
-              </a:buClr>
-              <a:buSzPct val="45000"/>
-              <a:buFont typeface="Wingdings" charset="2"/>
-              <a:buChar char=""/>
-            </a:pPr>
-            <a:r>
-              <a:rPr b="0" lang="en-US" sz="3200" spc="-1" strike="noStrike">
-                <a:latin typeface="Arial"/>
-              </a:rPr>
-              <a:t>│   ├── </a:t>
-            </a:r>
-            <a:r>
-              <a:rPr b="0" lang="en-US" sz="3200" spc="-1" strike="noStrike">
-                <a:latin typeface="Arial"/>
-              </a:rPr>
-              <a:t>lax</a:t>
-            </a:r>
-            <a:endParaRPr b="0" lang="en-US" sz="3200" spc="-1" strike="noStrike">
-              <a:latin typeface="Arial"/>
-            </a:endParaRPr>
-          </a:p>
-          <a:p>
-            <a:pPr marL="432000" indent="-324000">
-              <a:spcBef>
-                <a:spcPts val="1417"/>
-              </a:spcBef>
-              <a:buClr>
-                <a:srgbClr val="000000"/>
-              </a:buClr>
-              <a:buSzPct val="45000"/>
-              <a:buFont typeface="Wingdings" charset="2"/>
-              <a:buChar char=""/>
-            </a:pPr>
-            <a:r>
-              <a:rPr b="0" lang="en-US" sz="3200" spc="-1" strike="noStrike">
-                <a:latin typeface="Arial"/>
-              </a:rPr>
-              <a:t>│   ├── </a:t>
-            </a:r>
-            <a:r>
-              <a:rPr b="0" lang="en-US" sz="3200" spc="-1" strike="noStrike">
-                <a:latin typeface="Arial"/>
-              </a:rPr>
-              <a:t>lib</a:t>
-            </a:r>
-            <a:endParaRPr b="0" lang="en-US" sz="3200" spc="-1" strike="noStrike">
-              <a:latin typeface="Arial"/>
-            </a:endParaRPr>
-          </a:p>
-          <a:p>
-            <a:pPr marL="432000" indent="-324000">
-              <a:spcBef>
-                <a:spcPts val="1417"/>
-              </a:spcBef>
-              <a:buClr>
-                <a:srgbClr val="000000"/>
-              </a:buClr>
-              <a:buSzPct val="45000"/>
-              <a:buFont typeface="Wingdings" charset="2"/>
-              <a:buChar char=""/>
-            </a:pPr>
-            <a:r>
-              <a:rPr b="0" lang="en-US" sz="3200" spc="-1" strike="noStrike">
-                <a:latin typeface="Arial"/>
-              </a:rPr>
-              <a:t>│   ├── </a:t>
-            </a:r>
-            <a:r>
-              <a:rPr b="0" lang="en-US" sz="3200" spc="-1" strike="noStrike">
-                <a:latin typeface="Arial"/>
-              </a:rPr>
-              <a:t>nn</a:t>
-            </a:r>
-            <a:endParaRPr b="0" lang="en-US" sz="3200" spc="-1" strike="noStrike">
-              <a:latin typeface="Arial"/>
-            </a:endParaRPr>
-          </a:p>
-          <a:p>
-            <a:pPr marL="432000" indent="-324000">
-              <a:spcBef>
-                <a:spcPts val="1417"/>
-              </a:spcBef>
-              <a:buClr>
-                <a:srgbClr val="000000"/>
-              </a:buClr>
-              <a:buSzPct val="45000"/>
-              <a:buFont typeface="Wingdings" charset="2"/>
-              <a:buChar char=""/>
-            </a:pPr>
-            <a:r>
-              <a:rPr b="0" lang="en-US" sz="3200" spc="-1" strike="noStrike">
-                <a:latin typeface="Arial"/>
-              </a:rPr>
-              <a:t>│   ├── </a:t>
-            </a:r>
-            <a:r>
-              <a:rPr b="0" lang="en-US" sz="3200" spc="-1" strike="noStrike">
-                <a:latin typeface="Arial"/>
-              </a:rPr>
-              <a:t>numpy</a:t>
-            </a:r>
-            <a:endParaRPr b="0" lang="en-US" sz="3200" spc="-1" strike="noStrike">
-              <a:latin typeface="Arial"/>
-            </a:endParaRPr>
-          </a:p>
-          <a:p>
-            <a:pPr marL="432000" indent="-324000">
-              <a:spcBef>
-                <a:spcPts val="1417"/>
-              </a:spcBef>
-              <a:buClr>
-                <a:srgbClr val="000000"/>
-              </a:buClr>
-              <a:buSzPct val="45000"/>
-              <a:buFont typeface="Wingdings" charset="2"/>
-              <a:buChar char=""/>
-            </a:pPr>
-            <a:r>
-              <a:rPr b="0" lang="en-US" sz="3200" spc="-1" strike="noStrike">
-                <a:latin typeface="Arial"/>
-              </a:rPr>
-              <a:t>│   ├── </a:t>
-            </a:r>
-            <a:r>
-              <a:rPr b="0" lang="en-US" sz="3200" spc="-1" strike="noStrike">
-                <a:latin typeface="Arial"/>
-              </a:rPr>
-              <a:t>ops</a:t>
-            </a:r>
-            <a:endParaRPr b="0" lang="en-US" sz="3200" spc="-1" strike="noStrike">
-              <a:latin typeface="Arial"/>
-            </a:endParaRPr>
-          </a:p>
-          <a:p>
-            <a:pPr marL="432000" indent="-324000">
-              <a:spcBef>
-                <a:spcPts val="1417"/>
-              </a:spcBef>
-              <a:buClr>
-                <a:srgbClr val="000000"/>
-              </a:buClr>
-              <a:buSzPct val="45000"/>
-              <a:buFont typeface="Wingdings" charset="2"/>
-              <a:buChar char=""/>
-            </a:pPr>
-            <a:r>
-              <a:rPr b="0" lang="en-US" sz="3200" spc="-1" strike="noStrike">
-                <a:latin typeface="Arial"/>
-              </a:rPr>
-              <a:t>│   ├── </a:t>
-            </a:r>
-            <a:r>
-              <a:rPr b="0" lang="en-US" sz="3200" spc="-1" strike="noStrike">
-                <a:latin typeface="Arial"/>
-              </a:rPr>
-              <a:t>scipy</a:t>
-            </a:r>
-            <a:endParaRPr b="0" lang="en-US" sz="3200" spc="-1" strike="noStrike">
-              <a:latin typeface="Arial"/>
-            </a:endParaRPr>
-          </a:p>
-          <a:p>
-            <a:pPr marL="432000" indent="-324000">
-              <a:spcBef>
-                <a:spcPts val="1417"/>
-              </a:spcBef>
-              <a:buClr>
-                <a:srgbClr val="000000"/>
-              </a:buClr>
-              <a:buSzPct val="45000"/>
-              <a:buFont typeface="Wingdings" charset="2"/>
-              <a:buChar char=""/>
-            </a:pPr>
-            <a:r>
-              <a:rPr b="0" lang="en-US" sz="3200" spc="-1" strike="noStrike">
-                <a:latin typeface="Arial"/>
-              </a:rPr>
-              <a:t>│   │   ├── </a:t>
-            </a:r>
-            <a:r>
-              <a:rPr b="0" lang="en-US" sz="3200" spc="-1" strike="noStrike">
-                <a:latin typeface="Arial"/>
-              </a:rPr>
-              <a:t>sparse</a:t>
-            </a:r>
-            <a:endParaRPr b="0" lang="en-US" sz="3200" spc="-1" strike="noStrike">
-              <a:latin typeface="Arial"/>
-            </a:endParaRPr>
-          </a:p>
-          <a:p>
-            <a:pPr marL="432000" indent="-324000">
-              <a:spcBef>
-                <a:spcPts val="1417"/>
-              </a:spcBef>
-              <a:buClr>
-                <a:srgbClr val="000000"/>
-              </a:buClr>
-              <a:buSzPct val="45000"/>
-              <a:buFont typeface="Wingdings" charset="2"/>
-              <a:buChar char=""/>
-            </a:pPr>
-            <a:r>
-              <a:rPr b="0" lang="en-US" sz="3200" spc="-1" strike="noStrike">
-                <a:latin typeface="Arial"/>
-              </a:rPr>
-              <a:t>│   │   └── </a:t>
-            </a:r>
-            <a:r>
-              <a:rPr b="0" lang="en-US" sz="3200" spc="-1" strike="noStrike">
-                <a:latin typeface="Arial"/>
-              </a:rPr>
-              <a:t>stats</a:t>
-            </a:r>
-            <a:endParaRPr b="0" lang="en-US" sz="3200" spc="-1" strike="noStrike">
-              <a:latin typeface="Arial"/>
-            </a:endParaRPr>
-          </a:p>
-          <a:p>
-            <a:pPr marL="432000" indent="-324000">
-              <a:spcBef>
-                <a:spcPts val="1417"/>
-              </a:spcBef>
-              <a:buClr>
-                <a:srgbClr val="000000"/>
-              </a:buClr>
-              <a:buSzPct val="45000"/>
-              <a:buFont typeface="Wingdings" charset="2"/>
-              <a:buChar char=""/>
-            </a:pPr>
-            <a:r>
-              <a:rPr b="0" lang="en-US" sz="3200" spc="-1" strike="noStrike">
-                <a:latin typeface="Arial"/>
-              </a:rPr>
-              <a:t>│   ├── </a:t>
-            </a:r>
-            <a:r>
-              <a:rPr b="0" lang="en-US" sz="3200" spc="-1" strike="noStrike">
-                <a:latin typeface="Arial"/>
-              </a:rPr>
-              <a:t>third_party</a:t>
-            </a:r>
-            <a:endParaRPr b="0" lang="en-US" sz="3200" spc="-1" strike="noStrike">
-              <a:latin typeface="Arial"/>
-            </a:endParaRPr>
-          </a:p>
-          <a:p>
-            <a:pPr marL="432000" indent="-324000">
-              <a:spcBef>
-                <a:spcPts val="1417"/>
-              </a:spcBef>
-              <a:buClr>
-                <a:srgbClr val="000000"/>
-              </a:buClr>
-              <a:buSzPct val="45000"/>
-              <a:buFont typeface="Wingdings" charset="2"/>
-              <a:buChar char=""/>
-            </a:pPr>
-            <a:r>
-              <a:rPr b="0" lang="en-US" sz="3200" spc="-1" strike="noStrike">
-                <a:latin typeface="Arial"/>
-              </a:rPr>
-              <a:t>│   │   └── </a:t>
-            </a:r>
-            <a:r>
-              <a:rPr b="0" lang="en-US" sz="3200" spc="-1" strike="noStrike">
-                <a:latin typeface="Arial"/>
-              </a:rPr>
-              <a:t>numpy</a:t>
-            </a:r>
-            <a:endParaRPr b="0" lang="en-US" sz="3200" spc="-1" strike="noStrike">
-              <a:latin typeface="Arial"/>
-            </a:endParaRPr>
-          </a:p>
-          <a:p>
-            <a:pPr marL="432000" indent="-324000">
-              <a:spcBef>
-                <a:spcPts val="1417"/>
-              </a:spcBef>
-              <a:buClr>
-                <a:srgbClr val="000000"/>
-              </a:buClr>
-              <a:buSzPct val="45000"/>
-              <a:buFont typeface="Wingdings" charset="2"/>
-              <a:buChar char=""/>
-            </a:pPr>
-            <a:r>
-              <a:rPr b="0" lang="en-US" sz="3200" spc="-1" strike="noStrike">
-                <a:latin typeface="Arial"/>
-              </a:rPr>
-              <a:t>│   └── </a:t>
-            </a:r>
-            <a:r>
-              <a:rPr b="0" lang="en-US" sz="3200" spc="-1" strike="noStrike">
-                <a:latin typeface="Arial"/>
-              </a:rPr>
-              <a:t>tools</a:t>
-            </a:r>
-            <a:endParaRPr b="0" lang="en-US" sz="3200" spc="-1" strike="noStrike">
-              <a:latin typeface="Arial"/>
-            </a:endParaRPr>
-          </a:p>
-          <a:p>
-            <a:pPr marL="432000" indent="-324000">
-              <a:spcBef>
-                <a:spcPts val="1417"/>
-              </a:spcBef>
-              <a:buClr>
-                <a:srgbClr val="000000"/>
-              </a:buClr>
-              <a:buSzPct val="45000"/>
-              <a:buFont typeface="Wingdings" charset="2"/>
-              <a:buChar char=""/>
-            </a:pPr>
-            <a:r>
-              <a:rPr b="0" lang="en-US" sz="3200" spc="-1" strike="noStrike">
-                <a:latin typeface="Arial"/>
-              </a:rPr>
-              <a:t>├── </a:t>
-            </a:r>
-            <a:r>
-              <a:rPr b="0" lang="en-US" sz="3200" spc="-1" strike="noStrike">
-                <a:latin typeface="Arial"/>
-              </a:rPr>
-              <a:t>jaxlib</a:t>
-            </a:r>
-            <a:endParaRPr b="0" lang="en-US" sz="3200" spc="-1" strike="noStrike">
-              <a:latin typeface="Arial"/>
-            </a:endParaRPr>
-          </a:p>
-          <a:p>
-            <a:pPr marL="432000" indent="-324000">
-              <a:spcBef>
-                <a:spcPts val="1417"/>
-              </a:spcBef>
-              <a:buClr>
-                <a:srgbClr val="000000"/>
-              </a:buClr>
-              <a:buSzPct val="45000"/>
-              <a:buFont typeface="Wingdings" charset="2"/>
-              <a:buChar char=""/>
-            </a:pPr>
-            <a:r>
-              <a:rPr b="0" lang="en-US" sz="3200" spc="-1" strike="noStrike">
-                <a:latin typeface="Arial"/>
-              </a:rPr>
-              <a:t>└── </a:t>
-            </a:r>
-            <a:r>
-              <a:rPr b="0" lang="en-US" sz="3200" spc="-1" strike="noStrike">
-                <a:latin typeface="Arial"/>
-              </a:rPr>
-              <a:t>tests</a:t>
-            </a:r>
-            <a:endParaRPr b="0" lang="en-US" sz="3200" spc="-1" strike="noStrike">
-              <a:latin typeface="Arial"/>
-            </a:endParaRPr>
-          </a:p>
-          <a:p>
-            <a:pPr marL="432000" indent="-324000">
-              <a:spcBef>
-                <a:spcPts val="1417"/>
-              </a:spcBef>
-              <a:buClr>
-                <a:srgbClr val="000000"/>
-              </a:buClr>
-              <a:buSzPct val="45000"/>
-              <a:buFont typeface="Wingdings" charset="2"/>
-              <a:buChar char=""/>
-            </a:pPr>
-            <a:r>
-              <a:rPr b="0" lang="en-US" sz="3200" spc="-1" strike="noStrike">
-                <a:latin typeface="Arial"/>
-              </a:rPr>
-              <a:t>    └── </a:t>
-            </a:r>
-            <a:r>
-              <a:rPr b="0" lang="en-US" sz="3200" spc="-1" strike="noStrike">
-                <a:latin typeface="Arial"/>
-              </a:rPr>
-              <a:t>benchmarks</a:t>
-            </a:r>
-            <a:endParaRPr b="0" lang="en-US" sz="3200" spc="-1" strike="noStrike">
-              <a:latin typeface="Arial"/>
-            </a:endParaRPr>
-          </a:p>
-          <a:p>
-            <a:pPr marL="432000" indent="-324000">
-              <a:spcBef>
-                <a:spcPts val="1417"/>
-              </a:spcBef>
-              <a:buClr>
-                <a:srgbClr val="000000"/>
-              </a:buClr>
-              <a:buSzPct val="45000"/>
-              <a:buFont typeface="Wingdings" charset="2"/>
-              <a:buChar char=""/>
-            </a:pPr>
-            <a:r>
-              <a:rPr b="0" lang="en-US" sz="3200" spc="-1" strike="noStrike">
-                <a:latin typeface="Arial"/>
-              </a:rPr>
-              <a:t> </a:t>
-            </a:r>
-            <a:endParaRPr b="0" lang="en-US" sz="3200" spc="-1" strike="noStrike">
-              <a:latin typeface="Arial"/>
-            </a:endParaRPr>
-          </a:p>
-          <a:p>
-            <a:pPr marL="432000" indent="-324000">
-              <a:spcBef>
-                <a:spcPts val="1417"/>
-              </a:spcBef>
-              <a:buClr>
-                <a:srgbClr val="000000"/>
-              </a:buClr>
-              <a:buSzPct val="45000"/>
-              <a:buFont typeface="Wingdings" charset="2"/>
-              <a:buChar char=""/>
-            </a:pPr>
-            <a:r>
-              <a:rPr b="0" lang="en-US" sz="3200" spc="-1" strike="noStrike">
-                <a:latin typeface="Arial"/>
-              </a:rPr>
-              <a:t>my_old_numpy_code</a:t>
-            </a:r>
-            <a:endParaRPr b="0" lang="en-US" sz="3200" spc="-1" strike="noStrike">
-              <a:latin typeface="Arial"/>
-            </a:endParaRPr>
-          </a:p>
-          <a:p>
-            <a:pPr marL="432000" indent="-324000">
-              <a:spcBef>
-                <a:spcPts val="1417"/>
-              </a:spcBef>
-              <a:buClr>
-                <a:srgbClr val="000000"/>
-              </a:buClr>
-              <a:buSzPct val="45000"/>
-              <a:buFont typeface="Wingdings" charset="2"/>
-              <a:buChar char=""/>
-            </a:pPr>
-            <a:r>
-              <a:rPr b="0" lang="en-US" sz="3200" spc="-1" strike="noStrike">
-                <a:latin typeface="Arial"/>
-              </a:rPr>
-              <a:t>├── </a:t>
-            </a:r>
-            <a:r>
-              <a:rPr b="0" lang="en-US" sz="3200" spc="-1" strike="noStrike">
-                <a:latin typeface="Arial"/>
-              </a:rPr>
-              <a:t>numpy_dir          </a:t>
-            </a:r>
-            <a:r>
-              <a:rPr b="0" lang="en-US" sz="3200" spc="-1" strike="noStrike">
-                <a:latin typeface="Arial"/>
-              </a:rPr>
-              <a:t>       # where you </a:t>
-            </a:r>
-            <a:r>
-              <a:rPr b="0" lang="en-US" sz="3200" spc="-1" strike="noStrike">
-                <a:latin typeface="Arial"/>
-              </a:rPr>
-              <a:t>should do: sed -ie </a:t>
-            </a:r>
-            <a:r>
-              <a:rPr b="0" lang="en-US" sz="3200" spc="-1" strike="noStrike">
-                <a:latin typeface="Arial"/>
-              </a:rPr>
-              <a:t>"s/import numpy as </a:t>
-            </a:r>
-            <a:r>
-              <a:rPr b="0" lang="en-US" sz="3200" spc="-1" strike="noStrike">
-                <a:latin typeface="Arial"/>
-              </a:rPr>
-              <a:t>np/import  jax.numpy </a:t>
-            </a:r>
-            <a:r>
-              <a:rPr b="0" lang="en-US" sz="3200" spc="-1" strike="noStrike">
-                <a:latin typeface="Arial"/>
-              </a:rPr>
-              <a:t>as np/g"</a:t>
-            </a:r>
-            <a:endParaRPr b="0" lang="en-US" sz="3200" spc="-1" strike="noStrike">
-              <a:latin typeface="Arial"/>
-            </a:endParaRPr>
-          </a:p>
-          <a:p>
-            <a:pPr marL="432000" indent="-324000">
-              <a:spcBef>
-                <a:spcPts val="1417"/>
-              </a:spcBef>
-              <a:buClr>
-                <a:srgbClr val="000000"/>
-              </a:buClr>
-              <a:buSzPct val="45000"/>
-              <a:buFont typeface="Wingdings" charset="2"/>
-              <a:buChar char=""/>
+              <a:t>numpy_dir                 # where you should do: sed -ie "s/import numpy as np/import  jax.numpy as np/g"</a:t>
+            </a:r>
+            <a:endParaRPr b="0" lang="en-US" sz="3200" spc="-1" strike="noStrike">
+              <a:latin typeface="Arial"/>
+            </a:endParaRPr>
+          </a:p>
+          <a:p>
+            <a:pPr>
+              <a:lnSpc>
+                <a:spcPct val="100000"/>
+              </a:lnSpc>
+              <a:spcBef>
+                <a:spcPts val="1417"/>
+              </a:spcBef>
             </a:pPr>
             <a:endParaRPr b="0" lang="en-US" sz="3200" spc="-1" strike="noStrike">
               <a:latin typeface="Arial"/>
@@ -4412,14 +7967,14 @@
       </p:grpSpPr>
       <p:sp>
         <p:nvSpPr>
-          <p:cNvPr id="50" name="TextShape 1"/>
-          <p:cNvSpPr txBox="1"/>
+          <p:cNvPr id="128" name="CustomShape 1"/>
+          <p:cNvSpPr/>
           <p:nvPr/>
         </p:nvSpPr>
         <p:spPr>
           <a:xfrm>
             <a:off x="504000" y="226080"/>
-            <a:ext cx="9071280" cy="946080"/>
+            <a:ext cx="9070920" cy="945720"/>
           </a:xfrm>
           <a:prstGeom prst="rect">
             <a:avLst/>
@@ -4429,12 +7984,22 @@
             <a:noFill/>
           </a:ln>
         </p:spPr>
+        <p:style>
+          <a:lnRef idx="0"/>
+          <a:fillRef idx="0"/>
+          <a:effectRef idx="0"/>
+          <a:fontRef idx="minor"/>
+        </p:style>
         <p:txBody>
           <a:bodyPr lIns="0" rIns="0" tIns="0" bIns="0" anchor="ctr">
             <a:noAutofit/>
           </a:bodyPr>
           <a:p>
-            <a:pPr algn="ctr"/>
+            <a:pPr algn="ctr">
+              <a:lnSpc>
+                <a:spcPct val="100000"/>
+              </a:lnSpc>
+            </a:pPr>
             <a:r>
               <a:rPr b="0" lang="en-US" sz="4400" spc="-1" strike="noStrike">
                 <a:latin typeface="Arial"/>
@@ -4449,14 +8014,14 @@
       </p:sp>
       <p:sp>
         <p:nvSpPr>
-          <p:cNvPr id="51" name="TextShape 2"/>
-          <p:cNvSpPr txBox="1"/>
+          <p:cNvPr id="129" name="CustomShape 2"/>
+          <p:cNvSpPr/>
           <p:nvPr/>
         </p:nvSpPr>
         <p:spPr>
           <a:xfrm>
             <a:off x="504000" y="1326600"/>
-            <a:ext cx="4426920" cy="3288600"/>
+            <a:ext cx="4426560" cy="3288240"/>
           </a:xfrm>
           <a:prstGeom prst="rect">
             <a:avLst/>
@@ -4466,12 +8031,21 @@
             <a:noFill/>
           </a:ln>
         </p:spPr>
+        <p:style>
+          <a:lnRef idx="0"/>
+          <a:fillRef idx="0"/>
+          <a:effectRef idx="0"/>
+          <a:fontRef idx="minor"/>
+        </p:style>
         <p:txBody>
           <a:bodyPr lIns="0" rIns="0" tIns="0" bIns="0">
             <a:normAutofit fontScale="45000"/>
           </a:bodyPr>
           <a:p>
-            <a:pPr marL="432000" indent="-324000">
+            <a:pPr marL="432000" indent="-323640">
+              <a:lnSpc>
+                <a:spcPct val="100000"/>
+              </a:lnSpc>
               <a:spcBef>
                 <a:spcPts val="1417"/>
               </a:spcBef>
@@ -4485,20 +8059,17 @@
               <a:rPr b="0" lang="en-US" sz="2600" spc="-1" strike="noStrike">
                 <a:latin typeface="Arial"/>
               </a:rPr>
-              <a:t>Import numpy as np (sed -</a:t>
-            </a:r>
-            <a:r>
-              <a:rPr b="0" lang="en-US" sz="2600" spc="-1" strike="noStrike">
-                <a:latin typeface="Arial"/>
-              </a:rPr>
-              <a:t>ie “”)</a:t>
+              <a:t>Import numpy as np (sed -ie “”)</a:t>
             </a:r>
             <a:endParaRPr b="0" lang="en-US" sz="2600" spc="-1" strike="noStrike">
               <a:latin typeface="Arial"/>
             </a:endParaRPr>
           </a:p>
           <a:p>
-            <a:pPr marL="432000" indent="-324000">
+            <a:pPr marL="432000" indent="-323640">
+              <a:lnSpc>
+                <a:spcPct val="100000"/>
+              </a:lnSpc>
               <a:spcBef>
                 <a:spcPts val="1417"/>
               </a:spcBef>
@@ -4519,7 +8090,10 @@
             </a:endParaRPr>
           </a:p>
           <a:p>
-            <a:pPr marL="432000" indent="-324000">
+            <a:pPr marL="432000" indent="-323640">
+              <a:lnSpc>
+                <a:spcPct val="100000"/>
+              </a:lnSpc>
               <a:spcBef>
                 <a:spcPts val="1417"/>
               </a:spcBef>
@@ -4533,20 +8107,17 @@
               <a:rPr b="0" lang="en-US" sz="2600" spc="-1" strike="noStrike">
                 <a:latin typeface="Arial"/>
               </a:rPr>
-              <a:t>Run jupyter notebook </a:t>
-            </a:r>
-            <a:r>
-              <a:rPr b="0" lang="en-US" sz="2600" spc="-1" strike="noStrike">
-                <a:latin typeface="Arial"/>
-              </a:rPr>
-              <a:t>again.</a:t>
+              <a:t>Run jupyter notebook again.</a:t>
             </a:r>
             <a:endParaRPr b="0" lang="en-US" sz="2600" spc="-1" strike="noStrike">
               <a:latin typeface="Arial"/>
             </a:endParaRPr>
           </a:p>
           <a:p>
-            <a:pPr marL="432000" indent="-324000">
+            <a:pPr marL="432000" indent="-323640">
+              <a:lnSpc>
+                <a:spcPct val="100000"/>
+              </a:lnSpc>
               <a:spcBef>
                 <a:spcPts val="1417"/>
               </a:spcBef>
@@ -4560,20 +8131,17 @@
               <a:rPr b="0" lang="en-US" sz="2600" spc="-1" strike="noStrike">
                 <a:latin typeface="Arial"/>
               </a:rPr>
-              <a:t>Docker contain upgrade to </a:t>
-            </a:r>
-            <a:r>
-              <a:rPr b="0" lang="en-US" sz="2600" spc="-1" strike="noStrike">
-                <a:latin typeface="Arial"/>
-              </a:rPr>
-              <a:t>nvidia version.</a:t>
+              <a:t>Docker container upgrade to nvidia version.</a:t>
             </a:r>
             <a:endParaRPr b="0" lang="en-US" sz="2600" spc="-1" strike="noStrike">
               <a:latin typeface="Arial"/>
             </a:endParaRPr>
           </a:p>
           <a:p>
-            <a:pPr marL="432000" indent="-324000">
+            <a:pPr marL="432000" indent="-323640">
+              <a:lnSpc>
+                <a:spcPct val="100000"/>
+              </a:lnSpc>
               <a:spcBef>
                 <a:spcPts val="1417"/>
               </a:spcBef>
@@ -4594,7 +8162,10 @@
             </a:endParaRPr>
           </a:p>
           <a:p>
-            <a:pPr marL="432000" indent="-324000">
+            <a:pPr marL="432000" indent="-323640">
+              <a:lnSpc>
+                <a:spcPct val="100000"/>
+              </a:lnSpc>
               <a:spcBef>
                 <a:spcPts val="1417"/>
               </a:spcBef>
@@ -4608,20 +8179,17 @@
               <a:rPr b="0" lang="en-US" sz="2600" spc="-1" strike="noStrike">
                 <a:latin typeface="Arial"/>
               </a:rPr>
-              <a:t>Upgrade your storage from </a:t>
-            </a:r>
-            <a:r>
-              <a:rPr b="0" lang="en-US" sz="2600" spc="-1" strike="noStrike">
-                <a:latin typeface="Arial"/>
-              </a:rPr>
-              <a:t> hadoop to spark based.</a:t>
+              <a:t>Upgrade your storage from  hadoop to spark based.</a:t>
             </a:r>
             <a:endParaRPr b="0" lang="en-US" sz="2600" spc="-1" strike="noStrike">
               <a:latin typeface="Arial"/>
             </a:endParaRPr>
           </a:p>
           <a:p>
-            <a:pPr marL="432000" indent="-324000">
+            <a:pPr marL="432000" indent="-323640">
+              <a:lnSpc>
+                <a:spcPct val="100000"/>
+              </a:lnSpc>
               <a:spcBef>
                 <a:spcPts val="1417"/>
               </a:spcBef>
@@ -4635,13 +8203,7 @@
               <a:rPr b="0" lang="en-US" sz="2600" spc="-1" strike="noStrike">
                 <a:latin typeface="Arial"/>
               </a:rPr>
-              <a:t>Using kafka to align HPC </a:t>
-            </a:r>
-            <a:r>
-              <a:rPr b="0" lang="en-US" sz="2600" spc="-1" strike="noStrike">
-                <a:latin typeface="Arial"/>
-              </a:rPr>
-              <a:t>pipeline alignment.</a:t>
+              <a:t>Using kafka to align HPC pipeline alignment.</a:t>
             </a:r>
             <a:endParaRPr b="0" lang="en-US" sz="2600" spc="-1" strike="noStrike">
               <a:latin typeface="Arial"/>
@@ -4651,14 +8213,14 @@
       </p:sp>
       <p:sp>
         <p:nvSpPr>
-          <p:cNvPr id="52" name="TextShape 3"/>
-          <p:cNvSpPr txBox="1"/>
+          <p:cNvPr id="130" name="CustomShape 3"/>
+          <p:cNvSpPr/>
           <p:nvPr/>
         </p:nvSpPr>
         <p:spPr>
           <a:xfrm>
             <a:off x="5152680" y="1326600"/>
-            <a:ext cx="4426920" cy="3288600"/>
+            <a:ext cx="4426560" cy="3288240"/>
           </a:xfrm>
           <a:prstGeom prst="rect">
             <a:avLst/>
@@ -4668,12 +8230,21 @@
             <a:noFill/>
           </a:ln>
         </p:spPr>
+        <p:style>
+          <a:lnRef idx="0"/>
+          <a:fillRef idx="0"/>
+          <a:effectRef idx="0"/>
+          <a:fontRef idx="minor"/>
+        </p:style>
         <p:txBody>
           <a:bodyPr lIns="0" rIns="0" tIns="0" bIns="0">
             <a:normAutofit fontScale="47000"/>
           </a:bodyPr>
           <a:p>
-            <a:pPr marL="432000" indent="-324000">
+            <a:pPr marL="432000" indent="-323640">
+              <a:lnSpc>
+                <a:spcPct val="100000"/>
+              </a:lnSpc>
               <a:spcBef>
                 <a:spcPts val="1417"/>
               </a:spcBef>
@@ -4694,7 +8265,10 @@
             </a:endParaRPr>
           </a:p>
           <a:p>
-            <a:pPr marL="432000" indent="-324000">
+            <a:pPr marL="432000" indent="-323640">
+              <a:lnSpc>
+                <a:spcPct val="100000"/>
+              </a:lnSpc>
               <a:spcBef>
                 <a:spcPts val="1417"/>
               </a:spcBef>
@@ -4715,7 +8289,10 @@
             </a:endParaRPr>
           </a:p>
           <a:p>
-            <a:pPr marL="432000" indent="-324000">
+            <a:pPr marL="432000" indent="-323640">
+              <a:lnSpc>
+                <a:spcPct val="100000"/>
+              </a:lnSpc>
               <a:spcBef>
                 <a:spcPts val="1417"/>
               </a:spcBef>
@@ -4736,7 +8313,10 @@
             </a:endParaRPr>
           </a:p>
           <a:p>
-            <a:pPr marL="432000" indent="-324000">
+            <a:pPr marL="432000" indent="-323640">
+              <a:lnSpc>
+                <a:spcPct val="100000"/>
+              </a:lnSpc>
               <a:spcBef>
                 <a:spcPts val="1417"/>
               </a:spcBef>
@@ -4757,7 +8337,10 @@
             </a:endParaRPr>
           </a:p>
           <a:p>
-            <a:pPr marL="432000" indent="-324000">
+            <a:pPr marL="432000" indent="-323640">
+              <a:lnSpc>
+                <a:spcPct val="100000"/>
+              </a:lnSpc>
               <a:spcBef>
                 <a:spcPts val="1417"/>
               </a:spcBef>
@@ -4778,7 +8361,10 @@
             </a:endParaRPr>
           </a:p>
           <a:p>
-            <a:pPr marL="432000" indent="-324000">
+            <a:pPr marL="432000" indent="-323640">
+              <a:lnSpc>
+                <a:spcPct val="100000"/>
+              </a:lnSpc>
               <a:spcBef>
                 <a:spcPts val="1417"/>
               </a:spcBef>
@@ -4802,7 +8388,7 @@
       </p:sp>
       <p:sp>
         <p:nvSpPr>
-          <p:cNvPr id="53" name="Line 4"/>
+          <p:cNvPr id="131" name="Line 4"/>
           <p:cNvSpPr/>
           <p:nvPr/>
         </p:nvSpPr>
@@ -4861,14 +8447,14 @@
       </p:grpSpPr>
       <p:sp>
         <p:nvSpPr>
-          <p:cNvPr id="54" name="TextShape 1"/>
-          <p:cNvSpPr txBox="1"/>
+          <p:cNvPr id="132" name="CustomShape 1"/>
+          <p:cNvSpPr/>
           <p:nvPr/>
         </p:nvSpPr>
         <p:spPr>
           <a:xfrm>
             <a:off x="504000" y="226080"/>
-            <a:ext cx="9071280" cy="946080"/>
+            <a:ext cx="9070920" cy="945720"/>
           </a:xfrm>
           <a:prstGeom prst="rect">
             <a:avLst/>
@@ -4878,12 +8464,22 @@
             <a:noFill/>
           </a:ln>
         </p:spPr>
+        <p:style>
+          <a:lnRef idx="0"/>
+          <a:fillRef idx="0"/>
+          <a:effectRef idx="0"/>
+          <a:fontRef idx="minor"/>
+        </p:style>
         <p:txBody>
           <a:bodyPr lIns="0" rIns="0" tIns="0" bIns="0" anchor="ctr">
             <a:noAutofit/>
           </a:bodyPr>
           <a:p>
-            <a:pPr algn="ctr"/>
+            <a:pPr algn="ctr">
+              <a:lnSpc>
+                <a:spcPct val="100000"/>
+              </a:lnSpc>
+            </a:pPr>
             <a:r>
               <a:rPr b="0" lang="en-US" sz="4400" spc="-1" strike="noStrike">
                 <a:latin typeface="Arial"/>
@@ -4898,14 +8494,14 @@
       </p:sp>
       <p:sp>
         <p:nvSpPr>
-          <p:cNvPr id="55" name="TextShape 2"/>
-          <p:cNvSpPr txBox="1"/>
+          <p:cNvPr id="133" name="CustomShape 2"/>
+          <p:cNvSpPr/>
           <p:nvPr/>
         </p:nvSpPr>
         <p:spPr>
           <a:xfrm>
             <a:off x="504000" y="1326600"/>
-            <a:ext cx="4426920" cy="3288600"/>
+            <a:ext cx="4426560" cy="3288240"/>
           </a:xfrm>
           <a:prstGeom prst="rect">
             <a:avLst/>
@@ -4915,28 +8511,34 @@
             <a:noFill/>
           </a:ln>
         </p:spPr>
+        <p:style>
+          <a:lnRef idx="0"/>
+          <a:fillRef idx="0"/>
+          <a:effectRef idx="0"/>
+          <a:fontRef idx="minor"/>
+        </p:style>
         <p:txBody>
           <a:bodyPr lIns="0" rIns="0" tIns="0" bIns="0">
             <a:normAutofit fontScale="15000"/>
           </a:bodyPr>
           <a:p>
-            <a:pPr marL="432000" indent="-324000">
-              <a:spcBef>
-                <a:spcPts val="1417"/>
-              </a:spcBef>
-              <a:buClr>
-                <a:srgbClr val="000000"/>
-              </a:buClr>
-              <a:buSzPct val="45000"/>
-              <a:buFont typeface="Wingdings" charset="2"/>
-              <a:buChar char=""/>
-            </a:pPr>
-            <a:endParaRPr b="0" lang="en-US" sz="3200" spc="-1" strike="noStrike">
-              <a:latin typeface="Arial"/>
-            </a:endParaRPr>
-          </a:p>
-          <a:p>
-            <a:pPr marL="432000" indent="-324000">
+            <a:pPr>
+              <a:lnSpc>
+                <a:spcPct val="100000"/>
+              </a:lnSpc>
+              <a:spcBef>
+                <a:spcPts val="1417"/>
+              </a:spcBef>
+            </a:pPr>
+            <a:endParaRPr b="0" lang="en-US" sz="1800" spc="-1" strike="noStrike">
+              <a:latin typeface="Arial"/>
+            </a:endParaRPr>
+          </a:p>
+          <a:p>
+            <a:pPr marL="432000" indent="-323640">
+              <a:lnSpc>
+                <a:spcPct val="100000"/>
+              </a:lnSpc>
               <a:spcBef>
                 <a:spcPts val="1417"/>
               </a:spcBef>
@@ -4958,23 +8560,23 @@
             </a:endParaRPr>
           </a:p>
           <a:p>
-            <a:pPr marL="432000" indent="-324000">
-              <a:spcBef>
-                <a:spcPts val="1417"/>
-              </a:spcBef>
-              <a:buClr>
-                <a:srgbClr val="000000"/>
-              </a:buClr>
-              <a:buSzPct val="45000"/>
-              <a:buFont typeface="Wingdings" charset="2"/>
-              <a:buChar char=""/>
-            </a:pPr>
-            <a:endParaRPr b="0" lang="en-US" sz="3200" spc="-1" strike="noStrike">
-              <a:latin typeface="Arial"/>
-            </a:endParaRPr>
-          </a:p>
-          <a:p>
-            <a:pPr marL="432000" indent="-324000">
+            <a:pPr>
+              <a:lnSpc>
+                <a:spcPct val="100000"/>
+              </a:lnSpc>
+              <a:spcBef>
+                <a:spcPts val="1417"/>
+              </a:spcBef>
+            </a:pPr>
+            <a:endParaRPr b="0" lang="en-US" sz="3200" spc="-1" strike="noStrike">
+              <a:latin typeface="Arial"/>
+            </a:endParaRPr>
+          </a:p>
+          <a:p>
+            <a:pPr marL="432000" indent="-323640">
+              <a:lnSpc>
+                <a:spcPct val="100000"/>
+              </a:lnSpc>
               <a:spcBef>
                 <a:spcPts val="1417"/>
               </a:spcBef>
@@ -4996,23 +8598,23 @@
             </a:endParaRPr>
           </a:p>
           <a:p>
-            <a:pPr marL="432000" indent="-324000">
-              <a:spcBef>
-                <a:spcPts val="1417"/>
-              </a:spcBef>
-              <a:buClr>
-                <a:srgbClr val="000000"/>
-              </a:buClr>
-              <a:buSzPct val="45000"/>
-              <a:buFont typeface="Wingdings" charset="2"/>
-              <a:buChar char=""/>
-            </a:pPr>
-            <a:endParaRPr b="0" lang="en-US" sz="3200" spc="-1" strike="noStrike">
-              <a:latin typeface="Arial"/>
-            </a:endParaRPr>
-          </a:p>
-          <a:p>
-            <a:pPr marL="432000" indent="-324000">
+            <a:pPr>
+              <a:lnSpc>
+                <a:spcPct val="100000"/>
+              </a:lnSpc>
+              <a:spcBef>
+                <a:spcPts val="1417"/>
+              </a:spcBef>
+            </a:pPr>
+            <a:endParaRPr b="0" lang="en-US" sz="3200" spc="-1" strike="noStrike">
+              <a:latin typeface="Arial"/>
+            </a:endParaRPr>
+          </a:p>
+          <a:p>
+            <a:pPr marL="432000" indent="-323640">
+              <a:lnSpc>
+                <a:spcPct val="100000"/>
+              </a:lnSpc>
               <a:spcBef>
                 <a:spcPts val="1417"/>
               </a:spcBef>
@@ -5034,33 +8636,30 @@
             </a:endParaRPr>
           </a:p>
           <a:p>
-            <a:pPr marL="432000" indent="-324000">
-              <a:spcBef>
-                <a:spcPts val="1417"/>
-              </a:spcBef>
-              <a:buClr>
-                <a:srgbClr val="000000"/>
-              </a:buClr>
-              <a:buSzPct val="45000"/>
-              <a:buFont typeface="Wingdings" charset="2"/>
-              <a:buChar char=""/>
-            </a:pPr>
-            <a:endParaRPr b="0" lang="en-US" sz="3200" spc="-1" strike="noStrike">
-              <a:latin typeface="Arial"/>
-            </a:endParaRPr>
-          </a:p>
-        </p:txBody>
-      </p:sp>
-      <p:sp>
-        <p:nvSpPr>
-          <p:cNvPr id="56" name="TextShape 3"/>
-          <p:cNvSpPr txBox="1"/>
+            <a:pPr>
+              <a:lnSpc>
+                <a:spcPct val="100000"/>
+              </a:lnSpc>
+              <a:spcBef>
+                <a:spcPts val="1417"/>
+              </a:spcBef>
+            </a:pPr>
+            <a:endParaRPr b="0" lang="en-US" sz="3200" spc="-1" strike="noStrike">
+              <a:latin typeface="Arial"/>
+            </a:endParaRPr>
+          </a:p>
+        </p:txBody>
+      </p:sp>
+      <p:sp>
+        <p:nvSpPr>
+          <p:cNvPr id="134" name="CustomShape 3"/>
+          <p:cNvSpPr/>
           <p:nvPr/>
         </p:nvSpPr>
         <p:spPr>
           <a:xfrm>
             <a:off x="5152680" y="1326600"/>
-            <a:ext cx="4426920" cy="3288600"/>
+            <a:ext cx="4426560" cy="3288240"/>
           </a:xfrm>
           <a:prstGeom prst="rect">
             <a:avLst/>
@@ -5070,12 +8669,21 @@
             <a:noFill/>
           </a:ln>
         </p:spPr>
+        <p:style>
+          <a:lnRef idx="0"/>
+          <a:fillRef idx="0"/>
+          <a:effectRef idx="0"/>
+          <a:fontRef idx="minor"/>
+        </p:style>
         <p:txBody>
           <a:bodyPr lIns="0" rIns="0" tIns="0" bIns="0">
             <a:normAutofit/>
           </a:bodyPr>
           <a:p>
-            <a:pPr marL="432000" indent="-324000">
+            <a:pPr marL="432000" indent="-323640">
+              <a:lnSpc>
+                <a:spcPct val="100000"/>
+              </a:lnSpc>
               <a:spcBef>
                 <a:spcPts val="1417"/>
               </a:spcBef>
@@ -5097,7 +8705,10 @@
             </a:endParaRPr>
           </a:p>
           <a:p>
-            <a:pPr marL="432000" indent="-324000">
+            <a:pPr marL="432000" indent="-323640">
+              <a:lnSpc>
+                <a:spcPct val="100000"/>
+              </a:lnSpc>
               <a:spcBef>
                 <a:spcPts val="1417"/>
               </a:spcBef>
@@ -5119,16 +8730,13 @@
             </a:endParaRPr>
           </a:p>
           <a:p>
-            <a:pPr marL="432000" indent="-324000">
-              <a:spcBef>
-                <a:spcPts val="1417"/>
-              </a:spcBef>
-              <a:buClr>
-                <a:srgbClr val="000000"/>
-              </a:buClr>
-              <a:buSzPct val="45000"/>
-              <a:buFont typeface="Wingdings" charset="2"/>
-              <a:buChar char=""/>
+            <a:pPr>
+              <a:lnSpc>
+                <a:spcPct val="100000"/>
+              </a:lnSpc>
+              <a:spcBef>
+                <a:spcPts val="1417"/>
+              </a:spcBef>
             </a:pPr>
             <a:endParaRPr b="0" lang="en-US" sz="1400" spc="-1" strike="noStrike">
               <a:latin typeface="Arial"/>
@@ -5373,4 +8981,456 @@
     </a:fmtScheme>
   </a:themeElements>
 </a:theme>
+</file>
+
+<file path=ppt/theme/theme2.xml><?xml version="1.0" encoding="utf-8"?>
+<a:theme xmlns:a="http://schemas.openxmlformats.org/drawingml/2006/main" name="Office Theme">
+  <a:themeElements>
+    <a:clrScheme name="Office">
+      <a:dk1>
+        <a:sysClr val="windowText" lastClr="000000"/>
+      </a:dk1>
+      <a:lt1>
+        <a:sysClr val="window" lastClr="FFFFFF"/>
+      </a:lt1>
+      <a:dk2>
+        <a:srgbClr val="1f497d"/>
+      </a:dk2>
+      <a:lt2>
+        <a:srgbClr val="eeece1"/>
+      </a:lt2>
+      <a:accent1>
+        <a:srgbClr val="4f81bd"/>
+      </a:accent1>
+      <a:accent2>
+        <a:srgbClr val="c0504d"/>
+      </a:accent2>
+      <a:accent3>
+        <a:srgbClr val="9bbb59"/>
+      </a:accent3>
+      <a:accent4>
+        <a:srgbClr val="8064a2"/>
+      </a:accent4>
+      <a:accent5>
+        <a:srgbClr val="4bacc6"/>
+      </a:accent5>
+      <a:accent6>
+        <a:srgbClr val="f79646"/>
+      </a:accent6>
+      <a:hlink>
+        <a:srgbClr val="0000ff"/>
+      </a:hlink>
+      <a:folHlink>
+        <a:srgbClr val="800080"/>
+      </a:folHlink>
+    </a:clrScheme>
+    <a:fontScheme name="Office">
+      <a:majorFont>
+        <a:latin typeface="Arial"/>
+        <a:ea typeface="DejaVu Sans"/>
+        <a:cs typeface="DejaVu Sans"/>
+      </a:majorFont>
+      <a:minorFont>
+        <a:latin typeface="Arial"/>
+        <a:ea typeface="DejaVu Sans"/>
+        <a:cs typeface="DejaVu Sans"/>
+      </a:minorFont>
+    </a:fontScheme>
+    <a:fmtScheme name="Office">
+      <a:fillStyleLst>
+        <a:solidFill>
+          <a:schemeClr val="phClr"/>
+        </a:solidFill>
+        <a:gradFill rotWithShape="1">
+          <a:gsLst>
+            <a:gs pos="0">
+              <a:schemeClr val="phClr">
+                <a:tint val="50000"/>
+                <a:satMod val="300000"/>
+              </a:schemeClr>
+            </a:gs>
+            <a:gs pos="35000">
+              <a:schemeClr val="phClr">
+                <a:tint val="37000"/>
+                <a:satMod val="300000"/>
+              </a:schemeClr>
+            </a:gs>
+            <a:gs pos="100000">
+              <a:schemeClr val="phClr">
+                <a:tint val="15000"/>
+                <a:satMod val="350000"/>
+              </a:schemeClr>
+            </a:gs>
+          </a:gsLst>
+          <a:lin ang="16200000" scaled="1"/>
+        </a:gradFill>
+        <a:gradFill rotWithShape="1">
+          <a:gsLst>
+            <a:gs pos="0">
+              <a:schemeClr val="phClr">
+                <a:shade val="51000"/>
+                <a:satMod val="130000"/>
+              </a:schemeClr>
+            </a:gs>
+            <a:gs pos="80000">
+              <a:schemeClr val="phClr">
+                <a:shade val="93000"/>
+                <a:satMod val="130000"/>
+              </a:schemeClr>
+            </a:gs>
+            <a:gs pos="100000">
+              <a:schemeClr val="phClr">
+                <a:shade val="94000"/>
+                <a:satMod val="135000"/>
+              </a:schemeClr>
+            </a:gs>
+          </a:gsLst>
+          <a:lin ang="16200000" scaled="0"/>
+        </a:gradFill>
+      </a:fillStyleLst>
+      <a:lnStyleLst>
+        <a:ln w="9525" cap="flat" cmpd="sng" algn="ctr">
+          <a:solidFill>
+            <a:schemeClr val="phClr">
+              <a:shade val="95000"/>
+              <a:satMod val="105000"/>
+            </a:schemeClr>
+          </a:solidFill>
+          <a:prstDash val="solid"/>
+          <a:miter/>
+        </a:ln>
+        <a:ln w="25400" cap="flat" cmpd="sng" algn="ctr">
+          <a:solidFill>
+            <a:schemeClr val="phClr"/>
+          </a:solidFill>
+          <a:prstDash val="solid"/>
+          <a:miter/>
+        </a:ln>
+        <a:ln w="38100" cap="flat" cmpd="sng" algn="ctr">
+          <a:solidFill>
+            <a:schemeClr val="phClr"/>
+          </a:solidFill>
+          <a:prstDash val="solid"/>
+          <a:miter/>
+        </a:ln>
+      </a:lnStyleLst>
+      <a:effectStyleLst>
+        <a:effectStyle>
+          <a:effectLst>
+            <a:outerShdw blurRad="40000" dist="20000" dir="5400000" rotWithShape="0">
+              <a:srgbClr val="000000">
+                <a:alpha val="38000"/>
+              </a:srgbClr>
+            </a:outerShdw>
+          </a:effectLst>
+        </a:effectStyle>
+        <a:effectStyle>
+          <a:effectLst>
+            <a:outerShdw blurRad="40000" dist="23000" dir="5400000" rotWithShape="0">
+              <a:srgbClr val="000000">
+                <a:alpha val="35000"/>
+              </a:srgbClr>
+            </a:outerShdw>
+          </a:effectLst>
+        </a:effectStyle>
+        <a:effectStyle>
+          <a:effectLst>
+            <a:outerShdw blurRad="40000" dist="23000" dir="5400000" rotWithShape="0">
+              <a:srgbClr val="000000">
+                <a:alpha val="35000"/>
+              </a:srgbClr>
+            </a:outerShdw>
+          </a:effectLst>
+          <a:scene3d>
+            <a:camera prst="orthographicFront">
+              <a:rot lat="0" lon="0" rev="0"/>
+            </a:camera>
+            <a:lightRig rig="threePt" dir="t">
+              <a:rot lat="0" lon="0" rev="1200000"/>
+            </a:lightRig>
+          </a:scene3d>
+          <a:sp3d>
+            <a:bevelT w="63500" h="25400"/>
+          </a:sp3d>
+        </a:effectStyle>
+      </a:effectStyleLst>
+      <a:bgFillStyleLst>
+        <a:solidFill>
+          <a:schemeClr val="phClr"/>
+        </a:solidFill>
+        <a:gradFill rotWithShape="1">
+          <a:gsLst>
+            <a:gs pos="0">
+              <a:schemeClr val="phClr">
+                <a:tint val="40000"/>
+                <a:satMod val="350000"/>
+              </a:schemeClr>
+            </a:gs>
+            <a:gs pos="40000">
+              <a:schemeClr val="phClr">
+                <a:tint val="45000"/>
+                <a:shade val="99000"/>
+                <a:satMod val="350000"/>
+              </a:schemeClr>
+            </a:gs>
+            <a:gs pos="100000">
+              <a:schemeClr val="phClr">
+                <a:shade val="20000"/>
+                <a:satMod val="255000"/>
+              </a:schemeClr>
+            </a:gs>
+          </a:gsLst>
+          <a:path path="circle">
+            <a:fillToRect l="50000" t="-80000" r="50000" b="180000"/>
+          </a:path>
+        </a:gradFill>
+        <a:gradFill rotWithShape="1">
+          <a:gsLst>
+            <a:gs pos="0">
+              <a:schemeClr val="phClr">
+                <a:tint val="80000"/>
+                <a:satMod val="300000"/>
+              </a:schemeClr>
+            </a:gs>
+            <a:gs pos="100000">
+              <a:schemeClr val="phClr">
+                <a:shade val="30000"/>
+                <a:satMod val="200000"/>
+              </a:schemeClr>
+            </a:gs>
+          </a:gsLst>
+          <a:path path="circle">
+            <a:fillToRect l="50000" t="50000" r="50000" b="50000"/>
+          </a:path>
+        </a:gradFill>
+      </a:bgFillStyleLst>
+    </a:fmtScheme>
+  </a:themeElements>
+</a:theme>
+</file>
+
+<file path=ppt/theme/theme3.xml><?xml version="1.0" encoding="utf-8"?>
+<a:theme xmlns:a="http://schemas.openxmlformats.org/drawingml/2006/main" name="Office Theme">
+  <a:themeElements>
+    <a:clrScheme name="Office">
+      <a:dk1>
+        <a:sysClr val="windowText" lastClr="000000"/>
+      </a:dk1>
+      <a:lt1>
+        <a:sysClr val="window" lastClr="FFFFFF"/>
+      </a:lt1>
+      <a:dk2>
+        <a:srgbClr val="1f497d"/>
+      </a:dk2>
+      <a:lt2>
+        <a:srgbClr val="eeece1"/>
+      </a:lt2>
+      <a:accent1>
+        <a:srgbClr val="4f81bd"/>
+      </a:accent1>
+      <a:accent2>
+        <a:srgbClr val="c0504d"/>
+      </a:accent2>
+      <a:accent3>
+        <a:srgbClr val="9bbb59"/>
+      </a:accent3>
+      <a:accent4>
+        <a:srgbClr val="8064a2"/>
+      </a:accent4>
+      <a:accent5>
+        <a:srgbClr val="4bacc6"/>
+      </a:accent5>
+      <a:accent6>
+        <a:srgbClr val="f79646"/>
+      </a:accent6>
+      <a:hlink>
+        <a:srgbClr val="0000ff"/>
+      </a:hlink>
+      <a:folHlink>
+        <a:srgbClr val="800080"/>
+      </a:folHlink>
+    </a:clrScheme>
+    <a:fontScheme name="Office">
+      <a:majorFont>
+        <a:latin typeface="Arial"/>
+        <a:ea typeface="DejaVu Sans"/>
+        <a:cs typeface="DejaVu Sans"/>
+      </a:majorFont>
+      <a:minorFont>
+        <a:latin typeface="Arial"/>
+        <a:ea typeface="DejaVu Sans"/>
+        <a:cs typeface="DejaVu Sans"/>
+      </a:minorFont>
+    </a:fontScheme>
+    <a:fmtScheme name="Office">
+      <a:fillStyleLst>
+        <a:solidFill>
+          <a:schemeClr val="phClr"/>
+        </a:solidFill>
+        <a:gradFill rotWithShape="1">
+          <a:gsLst>
+            <a:gs pos="0">
+              <a:schemeClr val="phClr">
+                <a:tint val="50000"/>
+                <a:satMod val="300000"/>
+              </a:schemeClr>
+            </a:gs>
+            <a:gs pos="35000">
+              <a:schemeClr val="phClr">
+                <a:tint val="37000"/>
+                <a:satMod val="300000"/>
+              </a:schemeClr>
+            </a:gs>
+            <a:gs pos="100000">
+              <a:schemeClr val="phClr">
+                <a:tint val="15000"/>
+                <a:satMod val="350000"/>
+              </a:schemeClr>
+            </a:gs>
+          </a:gsLst>
+          <a:lin ang="16200000" scaled="1"/>
+        </a:gradFill>
+        <a:gradFill rotWithShape="1">
+          <a:gsLst>
+            <a:gs pos="0">
+              <a:schemeClr val="phClr">
+                <a:shade val="51000"/>
+                <a:satMod val="130000"/>
+              </a:schemeClr>
+            </a:gs>
+            <a:gs pos="80000">
+              <a:schemeClr val="phClr">
+                <a:shade val="93000"/>
+                <a:satMod val="130000"/>
+              </a:schemeClr>
+            </a:gs>
+            <a:gs pos="100000">
+              <a:schemeClr val="phClr">
+                <a:shade val="94000"/>
+                <a:satMod val="135000"/>
+              </a:schemeClr>
+            </a:gs>
+          </a:gsLst>
+          <a:lin ang="16200000" scaled="0"/>
+        </a:gradFill>
+      </a:fillStyleLst>
+      <a:lnStyleLst>
+        <a:ln w="9525" cap="flat" cmpd="sng" algn="ctr">
+          <a:solidFill>
+            <a:schemeClr val="phClr">
+              <a:shade val="95000"/>
+              <a:satMod val="105000"/>
+            </a:schemeClr>
+          </a:solidFill>
+          <a:prstDash val="solid"/>
+          <a:miter/>
+        </a:ln>
+        <a:ln w="25400" cap="flat" cmpd="sng" algn="ctr">
+          <a:solidFill>
+            <a:schemeClr val="phClr"/>
+          </a:solidFill>
+          <a:prstDash val="solid"/>
+          <a:miter/>
+        </a:ln>
+        <a:ln w="38100" cap="flat" cmpd="sng" algn="ctr">
+          <a:solidFill>
+            <a:schemeClr val="phClr"/>
+          </a:solidFill>
+          <a:prstDash val="solid"/>
+          <a:miter/>
+        </a:ln>
+      </a:lnStyleLst>
+      <a:effectStyleLst>
+        <a:effectStyle>
+          <a:effectLst>
+            <a:outerShdw blurRad="40000" dist="20000" dir="5400000" rotWithShape="0">
+              <a:srgbClr val="000000">
+                <a:alpha val="38000"/>
+              </a:srgbClr>
+            </a:outerShdw>
+          </a:effectLst>
+        </a:effectStyle>
+        <a:effectStyle>
+          <a:effectLst>
+            <a:outerShdw blurRad="40000" dist="23000" dir="5400000" rotWithShape="0">
+              <a:srgbClr val="000000">
+                <a:alpha val="35000"/>
+              </a:srgbClr>
+            </a:outerShdw>
+          </a:effectLst>
+        </a:effectStyle>
+        <a:effectStyle>
+          <a:effectLst>
+            <a:outerShdw blurRad="40000" dist="23000" dir="5400000" rotWithShape="0">
+              <a:srgbClr val="000000">
+                <a:alpha val="35000"/>
+              </a:srgbClr>
+            </a:outerShdw>
+          </a:effectLst>
+          <a:scene3d>
+            <a:camera prst="orthographicFront">
+              <a:rot lat="0" lon="0" rev="0"/>
+            </a:camera>
+            <a:lightRig rig="threePt" dir="t">
+              <a:rot lat="0" lon="0" rev="1200000"/>
+            </a:lightRig>
+          </a:scene3d>
+          <a:sp3d>
+            <a:bevelT w="63500" h="25400"/>
+          </a:sp3d>
+        </a:effectStyle>
+      </a:effectStyleLst>
+      <a:bgFillStyleLst>
+        <a:solidFill>
+          <a:schemeClr val="phClr"/>
+        </a:solidFill>
+        <a:gradFill rotWithShape="1">
+          <a:gsLst>
+            <a:gs pos="0">
+              <a:schemeClr val="phClr">
+                <a:tint val="40000"/>
+                <a:satMod val="350000"/>
+              </a:schemeClr>
+            </a:gs>
+            <a:gs pos="40000">
+              <a:schemeClr val="phClr">
+                <a:tint val="45000"/>
+                <a:shade val="99000"/>
+                <a:satMod val="350000"/>
+              </a:schemeClr>
+            </a:gs>
+            <a:gs pos="100000">
+              <a:schemeClr val="phClr">
+                <a:shade val="20000"/>
+                <a:satMod val="255000"/>
+              </a:schemeClr>
+            </a:gs>
+          </a:gsLst>
+          <a:path path="circle">
+            <a:fillToRect l="50000" t="-80000" r="50000" b="180000"/>
+          </a:path>
+        </a:gradFill>
+        <a:gradFill rotWithShape="1">
+          <a:gsLst>
+            <a:gs pos="0">
+              <a:schemeClr val="phClr">
+                <a:tint val="80000"/>
+                <a:satMod val="300000"/>
+              </a:schemeClr>
+            </a:gs>
+            <a:gs pos="100000">
+              <a:schemeClr val="phClr">
+                <a:shade val="30000"/>
+                <a:satMod val="200000"/>
+              </a:schemeClr>
+            </a:gs>
+          </a:gsLst>
+          <a:path path="circle">
+            <a:fillToRect l="50000" t="50000" r="50000" b="50000"/>
+          </a:path>
+        </a:gradFill>
+      </a:bgFillStyleLst>
+    </a:fmtScheme>
+  </a:themeElements>
+</a:theme>
 </file>